--- a/slides/3. Codes of Conduct and Responsabilities.pptx
+++ b/slides/3. Codes of Conduct and Responsabilities.pptx
@@ -5,34 +5,35 @@
     <p:sldMasterId id="2147483660" r:id="rId1"/>
   </p:sldMasterIdLst>
   <p:notesMasterIdLst>
-    <p:notesMasterId r:id="rId27"/>
+    <p:notesMasterId r:id="rId28"/>
   </p:notesMasterIdLst>
   <p:sldIdLst>
-    <p:sldId id="316" r:id="rId2"/>
-    <p:sldId id="318" r:id="rId3"/>
-    <p:sldId id="263" r:id="rId4"/>
-    <p:sldId id="258" r:id="rId5"/>
-    <p:sldId id="272" r:id="rId6"/>
-    <p:sldId id="265" r:id="rId7"/>
-    <p:sldId id="273" r:id="rId8"/>
-    <p:sldId id="317" r:id="rId9"/>
-    <p:sldId id="274" r:id="rId10"/>
-    <p:sldId id="275" r:id="rId11"/>
-    <p:sldId id="264" r:id="rId12"/>
-    <p:sldId id="266" r:id="rId13"/>
-    <p:sldId id="267" r:id="rId14"/>
-    <p:sldId id="269" r:id="rId15"/>
-    <p:sldId id="270" r:id="rId16"/>
-    <p:sldId id="268" r:id="rId17"/>
-    <p:sldId id="271" r:id="rId18"/>
-    <p:sldId id="276" r:id="rId19"/>
-    <p:sldId id="320" r:id="rId20"/>
-    <p:sldId id="322" r:id="rId21"/>
-    <p:sldId id="414" r:id="rId22"/>
-    <p:sldId id="323" r:id="rId23"/>
-    <p:sldId id="321" r:id="rId24"/>
-    <p:sldId id="319" r:id="rId25"/>
-    <p:sldId id="413" r:id="rId26"/>
+    <p:sldId id="522" r:id="rId2"/>
+    <p:sldId id="316" r:id="rId3"/>
+    <p:sldId id="318" r:id="rId4"/>
+    <p:sldId id="263" r:id="rId5"/>
+    <p:sldId id="258" r:id="rId6"/>
+    <p:sldId id="272" r:id="rId7"/>
+    <p:sldId id="265" r:id="rId8"/>
+    <p:sldId id="273" r:id="rId9"/>
+    <p:sldId id="317" r:id="rId10"/>
+    <p:sldId id="274" r:id="rId11"/>
+    <p:sldId id="275" r:id="rId12"/>
+    <p:sldId id="264" r:id="rId13"/>
+    <p:sldId id="266" r:id="rId14"/>
+    <p:sldId id="267" r:id="rId15"/>
+    <p:sldId id="269" r:id="rId16"/>
+    <p:sldId id="270" r:id="rId17"/>
+    <p:sldId id="268" r:id="rId18"/>
+    <p:sldId id="271" r:id="rId19"/>
+    <p:sldId id="276" r:id="rId20"/>
+    <p:sldId id="320" r:id="rId21"/>
+    <p:sldId id="322" r:id="rId22"/>
+    <p:sldId id="414" r:id="rId23"/>
+    <p:sldId id="323" r:id="rId24"/>
+    <p:sldId id="321" r:id="rId25"/>
+    <p:sldId id="319" r:id="rId26"/>
+    <p:sldId id="413" r:id="rId27"/>
   </p:sldIdLst>
   <p:sldSz cx="12192000" cy="6858000"/>
   <p:notesSz cx="6858000" cy="9144000"/>
@@ -221,7 +222,7 @@
           <a:p>
             <a:fld id="{D909500D-4EB3-4DFD-AF54-1D9757B83940}" type="datetimeFigureOut">
               <a:rPr lang="en-US" smtClean="0"/>
-              <a:t>11/9/2021</a:t>
+              <a:t>11/16/2021</a:t>
             </a:fld>
             <a:endParaRPr lang="en-US"/>
           </a:p>
@@ -553,7 +554,7 @@
           <a:p>
             <a:fld id="{5517D457-845E-4E96-87DA-84A589035CA1}" type="slidenum">
               <a:rPr lang="en-US" smtClean="0"/>
-              <a:t>1</a:t>
+              <a:t>2</a:t>
             </a:fld>
             <a:endParaRPr lang="en-US"/>
           </a:p>
@@ -611,7 +612,7 @@
                 <a:latin typeface="Arial" pitchFamily="-106" charset="0"/>
               </a:rPr>
               <a:pPr/>
-              <a:t>12</a:t>
+              <a:t>13</a:t>
             </a:fld>
             <a:endParaRPr lang="de-DE">
               <a:latin typeface="Arial" pitchFamily="-106" charset="0"/>
@@ -747,7 +748,7 @@
                 <a:latin typeface="Arial" pitchFamily="-106" charset="0"/>
               </a:rPr>
               <a:pPr/>
-              <a:t>13</a:t>
+              <a:t>14</a:t>
             </a:fld>
             <a:endParaRPr lang="de-DE">
               <a:latin typeface="Arial" pitchFamily="-106" charset="0"/>
@@ -883,7 +884,7 @@
                 <a:latin typeface="Arial" pitchFamily="-106" charset="0"/>
               </a:rPr>
               <a:pPr/>
-              <a:t>14</a:t>
+              <a:t>15</a:t>
             </a:fld>
             <a:endParaRPr lang="de-DE">
               <a:latin typeface="Arial" pitchFamily="-106" charset="0"/>
@@ -1019,7 +1020,7 @@
                 <a:latin typeface="Arial" pitchFamily="-106" charset="0"/>
               </a:rPr>
               <a:pPr/>
-              <a:t>15</a:t>
+              <a:t>16</a:t>
             </a:fld>
             <a:endParaRPr lang="de-DE">
               <a:latin typeface="Arial" pitchFamily="-106" charset="0"/>
@@ -1227,7 +1228,7 @@
                 <a:latin typeface="Arial" pitchFamily="-106" charset="0"/>
               </a:rPr>
               <a:pPr/>
-              <a:t>16</a:t>
+              <a:t>17</a:t>
             </a:fld>
             <a:endParaRPr lang="de-DE">
               <a:latin typeface="Arial" pitchFamily="-106" charset="0"/>
@@ -1363,7 +1364,7 @@
                 <a:latin typeface="Arial" pitchFamily="-106" charset="0"/>
               </a:rPr>
               <a:pPr/>
-              <a:t>17</a:t>
+              <a:t>18</a:t>
             </a:fld>
             <a:endParaRPr lang="de-DE">
               <a:latin typeface="Arial" pitchFamily="-106" charset="0"/>
@@ -1704,7 +1705,7 @@
                 <a:latin typeface="Arial" pitchFamily="-106" charset="0"/>
               </a:rPr>
               <a:pPr/>
-              <a:t>18</a:t>
+              <a:t>19</a:t>
             </a:fld>
             <a:endParaRPr lang="de-DE">
               <a:latin typeface="Arial" pitchFamily="-106" charset="0"/>
@@ -1974,7 +1975,7 @@
           <a:p>
             <a:fld id="{14AFBC83-0849-47CB-939E-954F49D0C8AD}" type="slidenum">
               <a:rPr lang="en-US" smtClean="0"/>
-              <a:t>25</a:t>
+              <a:t>26</a:t>
             </a:fld>
             <a:endParaRPr lang="en-US" dirty="0"/>
           </a:p>
@@ -2032,7 +2033,7 @@
                 <a:latin typeface="Arial" pitchFamily="-106" charset="0"/>
               </a:rPr>
               <a:pPr/>
-              <a:t>3</a:t>
+              <a:t>4</a:t>
             </a:fld>
             <a:endParaRPr lang="de-DE">
               <a:latin typeface="Arial" pitchFamily="-106" charset="0"/>
@@ -2176,7 +2177,7 @@
                 <a:latin typeface="Arial" pitchFamily="-106" charset="0"/>
               </a:rPr>
               <a:pPr/>
-              <a:t>4</a:t>
+              <a:t>5</a:t>
             </a:fld>
             <a:endParaRPr lang="de-DE">
               <a:latin typeface="Arial" pitchFamily="-106" charset="0"/>
@@ -2320,7 +2321,7 @@
                 <a:latin typeface="Arial" pitchFamily="-106" charset="0"/>
               </a:rPr>
               <a:pPr/>
-              <a:t>5</a:t>
+              <a:t>6</a:t>
             </a:fld>
             <a:endParaRPr lang="de-DE">
               <a:latin typeface="Arial" pitchFamily="-106" charset="0"/>
@@ -2528,7 +2529,7 @@
                 <a:latin typeface="Arial" pitchFamily="-106" charset="0"/>
               </a:rPr>
               <a:pPr/>
-              <a:t>6</a:t>
+              <a:t>7</a:t>
             </a:fld>
             <a:endParaRPr lang="de-DE">
               <a:latin typeface="Arial" pitchFamily="-106" charset="0"/>
@@ -2742,7 +2743,7 @@
                 <a:latin typeface="Arial" pitchFamily="-106" charset="0"/>
               </a:rPr>
               <a:pPr/>
-              <a:t>7</a:t>
+              <a:t>8</a:t>
             </a:fld>
             <a:endParaRPr lang="de-DE">
               <a:latin typeface="Arial" pitchFamily="-106" charset="0"/>
@@ -2866,7 +2867,7 @@
                 <a:latin typeface="Arial" pitchFamily="-106" charset="0"/>
               </a:rPr>
               <a:pPr/>
-              <a:t>9</a:t>
+              <a:t>10</a:t>
             </a:fld>
             <a:endParaRPr lang="de-DE">
               <a:latin typeface="Arial" pitchFamily="-106" charset="0"/>
@@ -3010,7 +3011,7 @@
                 <a:latin typeface="Arial" pitchFamily="-106" charset="0"/>
               </a:rPr>
               <a:pPr/>
-              <a:t>10</a:t>
+              <a:t>11</a:t>
             </a:fld>
             <a:endParaRPr lang="de-DE">
               <a:latin typeface="Arial" pitchFamily="-106" charset="0"/>
@@ -3154,7 +3155,7 @@
                 <a:latin typeface="Arial" pitchFamily="-106" charset="0"/>
               </a:rPr>
               <a:pPr/>
-              <a:t>11</a:t>
+              <a:t>12</a:t>
             </a:fld>
             <a:endParaRPr lang="de-DE">
               <a:latin typeface="Arial" pitchFamily="-106" charset="0"/>
@@ -4975,7 +4976,7 @@
           <a:p>
             <a:fld id="{AE298B4A-87B1-4007-AA25-063DBCB3DDE9}" type="datetimeFigureOut">
               <a:rPr lang="en-US" smtClean="0"/>
-              <a:t>11/9/2021</a:t>
+              <a:t>11/16/2021</a:t>
             </a:fld>
             <a:endParaRPr lang="en-US"/>
           </a:p>
@@ -5264,7 +5265,7 @@
           <a:p>
             <a:fld id="{AE298B4A-87B1-4007-AA25-063DBCB3DDE9}" type="datetimeFigureOut">
               <a:rPr lang="en-US" smtClean="0"/>
-              <a:t>11/9/2021</a:t>
+              <a:t>11/16/2021</a:t>
             </a:fld>
             <a:endParaRPr lang="en-US"/>
           </a:p>
@@ -5553,7 +5554,7 @@
           <a:p>
             <a:fld id="{AE298B4A-87B1-4007-AA25-063DBCB3DDE9}" type="datetimeFigureOut">
               <a:rPr lang="en-US" smtClean="0"/>
-              <a:t>11/9/2021</a:t>
+              <a:t>11/16/2021</a:t>
             </a:fld>
             <a:endParaRPr lang="en-US"/>
           </a:p>
@@ -5842,7 +5843,7 @@
           <a:p>
             <a:fld id="{AE298B4A-87B1-4007-AA25-063DBCB3DDE9}" type="datetimeFigureOut">
               <a:rPr lang="en-US" smtClean="0"/>
-              <a:t>11/9/2021</a:t>
+              <a:t>11/16/2021</a:t>
             </a:fld>
             <a:endParaRPr lang="en-US"/>
           </a:p>
@@ -6079,7 +6080,7 @@
           <a:p>
             <a:fld id="{AE298B4A-87B1-4007-AA25-063DBCB3DDE9}" type="datetimeFigureOut">
               <a:rPr lang="en-US" smtClean="0"/>
-              <a:t>11/9/2021</a:t>
+              <a:t>11/16/2021</a:t>
             </a:fld>
             <a:endParaRPr lang="en-US"/>
           </a:p>
@@ -6536,7 +6537,7 @@
           <a:p>
             <a:fld id="{AE298B4A-87B1-4007-AA25-063DBCB3DDE9}" type="datetimeFigureOut">
               <a:rPr lang="en-US" smtClean="0"/>
-              <a:t>11/9/2021</a:t>
+              <a:t>11/16/2021</a:t>
             </a:fld>
             <a:endParaRPr lang="en-US"/>
           </a:p>
@@ -6727,7 +6728,7 @@
           <a:p>
             <a:fld id="{AE298B4A-87B1-4007-AA25-063DBCB3DDE9}" type="datetimeFigureOut">
               <a:rPr lang="en-US" smtClean="0"/>
-              <a:t>11/9/2021</a:t>
+              <a:t>11/16/2021</a:t>
             </a:fld>
             <a:endParaRPr lang="en-US"/>
           </a:p>
@@ -8917,7 +8918,7 @@
           <a:p>
             <a:fld id="{AE298B4A-87B1-4007-AA25-063DBCB3DDE9}" type="datetimeFigureOut">
               <a:rPr lang="en-US" smtClean="0"/>
-              <a:t>11/9/2021</a:t>
+              <a:t>11/16/2021</a:t>
             </a:fld>
             <a:endParaRPr lang="en-US"/>
           </a:p>
@@ -9167,7 +9168,7 @@
           <a:p>
             <a:fld id="{AE298B4A-87B1-4007-AA25-063DBCB3DDE9}" type="datetimeFigureOut">
               <a:rPr lang="en-US" smtClean="0"/>
-              <a:t>11/9/2021</a:t>
+              <a:t>11/16/2021</a:t>
             </a:fld>
             <a:endParaRPr lang="en-US"/>
           </a:p>
@@ -9553,7 +9554,7 @@
           <a:p>
             <a:fld id="{AE298B4A-87B1-4007-AA25-063DBCB3DDE9}" type="datetimeFigureOut">
               <a:rPr lang="en-US" smtClean="0"/>
-              <a:t>11/9/2021</a:t>
+              <a:t>11/16/2021</a:t>
             </a:fld>
             <a:endParaRPr lang="en-US"/>
           </a:p>
@@ -9813,7 +9814,7 @@
           <a:p>
             <a:fld id="{AE298B4A-87B1-4007-AA25-063DBCB3DDE9}" type="datetimeFigureOut">
               <a:rPr lang="en-US" smtClean="0"/>
-              <a:t>11/9/2021</a:t>
+              <a:t>11/16/2021</a:t>
             </a:fld>
             <a:endParaRPr lang="en-US"/>
           </a:p>
@@ -11785,7 +11786,7 @@
           <p:cNvPr id="2" name="Title 1">
             <a:extLst>
               <a:ext uri="{FF2B5EF4-FFF2-40B4-BE49-F238E27FC236}">
-                <a16:creationId xmlns:a16="http://schemas.microsoft.com/office/drawing/2014/main" id="{82552EAD-7F88-4BB9-A8E0-32ACDF034DC0}"/>
+                <a16:creationId xmlns:a16="http://schemas.microsoft.com/office/drawing/2014/main" id="{DD8E0CF6-2036-4F2E-AD48-EAF5FFA7DFCB}"/>
               </a:ext>
             </a:extLst>
           </p:cNvPr>
@@ -11798,357 +11799,26 @@
         </p:nvSpPr>
         <p:spPr>
           <a:xfrm>
-            <a:off x="1524000" y="1420091"/>
-            <a:ext cx="7772400" cy="3364491"/>
+            <a:off x="5477522" y="1122363"/>
+            <a:ext cx="5190477" cy="3538414"/>
           </a:xfrm>
         </p:spPr>
         <p:txBody>
-          <a:bodyPr>
-            <a:noAutofit/>
-          </a:bodyPr>
-          <a:lstStyle/>
-          <a:p>
-            <a:r>
-              <a:rPr lang="en-US" altLang="x-none" sz="1600" dirty="0">
-                <a:ea typeface="ＭＳ Ｐゴシック" charset="-128"/>
-              </a:rPr>
-              <a:t>Winter Term 21/22</a:t>
+          <a:bodyPr/>
+          <a:lstStyle/>
+          <a:p>
+            <a:pPr algn="l"/>
+            <a:r>
+              <a:rPr lang="en-US" dirty="0"/>
+              <a:t>Please </a:t>
             </a:r>
             <a:br>
-              <a:rPr lang="en-US" altLang="x-none" sz="1600" dirty="0">
-                <a:ea typeface="ＭＳ Ｐゴシック" charset="-128"/>
-              </a:rPr>
+              <a:rPr lang="en-US" dirty="0"/>
             </a:br>
             <a:r>
-              <a:rPr lang="en-US" sz="3200" b="1" dirty="0"/>
-              <a:t>Artificial Intelligence, Ethics &amp; Engineering</a:t>
-            </a:r>
-            <a:br>
-              <a:rPr lang="en-US" sz="3200" b="1" dirty="0"/>
-            </a:br>
-            <a:br>
-              <a:rPr lang="en-US" sz="3200" dirty="0"/>
-            </a:br>
-            <a:r>
-              <a:rPr lang="en-US" sz="3200" b="1" dirty="0"/>
-              <a:t>Lecture-3: </a:t>
-            </a:r>
-            <a:r>
-              <a:rPr lang="en-US" sz="3200" b="1" dirty="0">
-                <a:ea typeface="ＭＳ Ｐゴシック" pitchFamily="-106" charset="-128"/>
-                <a:cs typeface="ＭＳ Ｐゴシック" pitchFamily="-106" charset="-128"/>
-              </a:rPr>
-              <a:t>Responsibilities &amp; Codes of Conduct</a:t>
-            </a:r>
-            <a:endParaRPr lang="en-US" sz="3200" dirty="0"/>
-          </a:p>
-        </p:txBody>
-      </p:sp>
-      <p:sp>
-        <p:nvSpPr>
-          <p:cNvPr id="3" name="Subtitle 2">
-            <a:extLst>
-              <a:ext uri="{FF2B5EF4-FFF2-40B4-BE49-F238E27FC236}">
-                <a16:creationId xmlns:a16="http://schemas.microsoft.com/office/drawing/2014/main" id="{FAAC66FE-098C-478E-A45A-7469400A3BF8}"/>
-              </a:ext>
-            </a:extLst>
-          </p:cNvPr>
-          <p:cNvSpPr>
-            <a:spLocks noGrp="1"/>
-          </p:cNvSpPr>
-          <p:nvPr>
-            <p:ph type="subTitle" idx="1"/>
-          </p:nvPr>
-        </p:nvSpPr>
-        <p:spPr>
-          <a:xfrm>
-            <a:off x="1524000" y="4907756"/>
-            <a:ext cx="9144000" cy="1655762"/>
-          </a:xfrm>
-        </p:spPr>
-        <p:txBody>
-          <a:bodyPr/>
-          <a:lstStyle/>
-          <a:p>
-            <a:pPr marL="0" marR="0" lvl="0" indent="0" algn="ctr" defTabSz="1219170" rtl="0" eaLnBrk="1" fontAlgn="auto" latinLnBrk="0" hangingPunct="1">
-              <a:lnSpc>
-                <a:spcPts val="2667"/>
-              </a:lnSpc>
-              <a:spcBef>
-                <a:spcPts val="400"/>
-              </a:spcBef>
-              <a:spcAft>
-                <a:spcPts val="400"/>
-              </a:spcAft>
-              <a:buClrTx/>
-              <a:buSzTx/>
-              <a:buFont typeface="Arial" panose="020B0604020202020204" pitchFamily="34" charset="0"/>
-              <a:buNone/>
-              <a:tabLst/>
-              <a:defRPr/>
-            </a:pPr>
-            <a:r>
-              <a:rPr kumimoji="0" lang="en-US" altLang="x-none" sz="1600" b="0" i="0" u="none" strike="noStrike" kern="1200" cap="none" spc="0" normalizeH="0" baseline="0" noProof="0" dirty="0">
-                <a:ln>
-                  <a:noFill/>
-                </a:ln>
-                <a:solidFill>
-                  <a:srgbClr val="323232"/>
-                </a:solidFill>
-                <a:effectLst/>
-                <a:uLnTx/>
-                <a:uFillTx/>
-                <a:latin typeface="Verdana"/>
-                <a:ea typeface="ＭＳ Ｐゴシック" charset="-128"/>
-                <a:cs typeface="+mn-cs"/>
-              </a:rPr>
-              <a:t>Prof. Dr. Holger Giese (</a:t>
-            </a:r>
-            <a:r>
-              <a:rPr kumimoji="0" lang="en-US" altLang="x-none" sz="1600" b="0" i="0" u="none" strike="noStrike" kern="1200" cap="none" spc="0" normalizeH="0" baseline="0" noProof="0" dirty="0">
-                <a:ln>
-                  <a:noFill/>
-                </a:ln>
-                <a:solidFill>
-                  <a:srgbClr val="323232"/>
-                </a:solidFill>
-                <a:effectLst/>
-                <a:uLnTx/>
-                <a:uFillTx/>
-                <a:latin typeface="Verdana"/>
-                <a:ea typeface="ＭＳ Ｐゴシック" charset="-128"/>
-                <a:cs typeface="+mn-cs"/>
-                <a:hlinkClick r:id="rId3"/>
-              </a:rPr>
-              <a:t>holger.giese@hpi.uni-potsdam.de)</a:t>
-            </a:r>
-            <a:r>
-              <a:rPr kumimoji="0" lang="en-US" altLang="x-none" sz="1600" b="0" i="0" u="none" strike="noStrike" kern="1200" cap="none" spc="0" normalizeH="0" baseline="0" noProof="0" dirty="0">
-                <a:ln>
-                  <a:noFill/>
-                </a:ln>
-                <a:solidFill>
-                  <a:srgbClr val="323232"/>
-                </a:solidFill>
-                <a:effectLst/>
-                <a:uLnTx/>
-                <a:uFillTx/>
-                <a:latin typeface="Verdana"/>
-                <a:ea typeface="ＭＳ Ｐゴシック" charset="-128"/>
-                <a:cs typeface="+mn-cs"/>
-              </a:rPr>
-              <a:t> </a:t>
-            </a:r>
-          </a:p>
-          <a:p>
-            <a:pPr marL="0" marR="0" lvl="0" indent="0" algn="ctr" defTabSz="1219170" rtl="0" eaLnBrk="1" fontAlgn="auto" latinLnBrk="0" hangingPunct="1">
-              <a:lnSpc>
-                <a:spcPts val="2667"/>
-              </a:lnSpc>
-              <a:spcBef>
-                <a:spcPts val="400"/>
-              </a:spcBef>
-              <a:spcAft>
-                <a:spcPts val="400"/>
-              </a:spcAft>
-              <a:buClrTx/>
-              <a:buSzTx/>
-              <a:buFont typeface="Arial" panose="020B0604020202020204" pitchFamily="34" charset="0"/>
-              <a:buNone/>
-              <a:tabLst/>
-              <a:defRPr/>
-            </a:pPr>
-            <a:r>
-              <a:rPr kumimoji="0" lang="en-US" altLang="x-none" sz="1600" b="0" i="0" u="none" strike="noStrike" kern="1200" cap="none" spc="0" normalizeH="0" baseline="0" noProof="0" dirty="0">
-                <a:ln>
-                  <a:noFill/>
-                </a:ln>
-                <a:solidFill>
-                  <a:srgbClr val="323232"/>
-                </a:solidFill>
-                <a:effectLst/>
-                <a:uLnTx/>
-                <a:uFillTx/>
-                <a:latin typeface="Verdana"/>
-                <a:ea typeface="ＭＳ Ｐゴシック" charset="-128"/>
-                <a:cs typeface="+mn-cs"/>
-              </a:rPr>
-              <a:t>Christian Medeiros Adriano (</a:t>
-            </a:r>
-            <a:r>
-              <a:rPr kumimoji="0" lang="en-US" altLang="x-none" sz="1600" b="0" i="0" u="none" strike="noStrike" kern="1200" cap="none" spc="0" normalizeH="0" baseline="0" noProof="0" dirty="0">
-                <a:ln>
-                  <a:noFill/>
-                </a:ln>
-                <a:solidFill>
-                  <a:srgbClr val="323232"/>
-                </a:solidFill>
-                <a:effectLst/>
-                <a:uLnTx/>
-                <a:uFillTx/>
-                <a:latin typeface="Verdana"/>
-                <a:ea typeface="ＭＳ Ｐゴシック" charset="-128"/>
-                <a:cs typeface="+mn-cs"/>
-                <a:hlinkClick r:id="rId4"/>
-              </a:rPr>
-              <a:t>christian.adriano@hpi.de</a:t>
-            </a:r>
-            <a:r>
-              <a:rPr kumimoji="0" lang="en-US" altLang="x-none" sz="1600" b="0" i="0" u="none" strike="noStrike" kern="1200" cap="none" spc="0" normalizeH="0" baseline="0" noProof="0" dirty="0">
-                <a:ln>
-                  <a:noFill/>
-                </a:ln>
-                <a:solidFill>
-                  <a:srgbClr val="323232"/>
-                </a:solidFill>
-                <a:effectLst/>
-                <a:uLnTx/>
-                <a:uFillTx/>
-                <a:latin typeface="Verdana"/>
-                <a:ea typeface="ＭＳ Ｐゴシック" charset="-128"/>
-                <a:cs typeface="+mn-cs"/>
-              </a:rPr>
-              <a:t>) - </a:t>
-            </a:r>
-            <a:r>
-              <a:rPr kumimoji="0" lang="en-US" altLang="x-none" sz="1600" b="1" i="0" u="none" strike="noStrike" kern="1200" cap="none" spc="0" normalizeH="0" baseline="0" noProof="0" dirty="0">
-                <a:ln>
-                  <a:noFill/>
-                </a:ln>
-                <a:solidFill>
-                  <a:srgbClr val="323232"/>
-                </a:solidFill>
-                <a:effectLst/>
-                <a:uLnTx/>
-                <a:uFillTx/>
-                <a:latin typeface="Verdana"/>
-                <a:ea typeface="ＭＳ Ｐゴシック" charset="-128"/>
-                <a:cs typeface="+mn-cs"/>
-              </a:rPr>
-              <a:t>“Chris”</a:t>
-            </a:r>
-            <a:endParaRPr kumimoji="0" lang="en-US" altLang="x-none" sz="1600" b="0" i="0" u="none" strike="noStrike" kern="1200" cap="none" spc="0" normalizeH="0" baseline="0" noProof="0" dirty="0">
-              <a:ln>
-                <a:noFill/>
-              </a:ln>
-              <a:solidFill>
-                <a:srgbClr val="323232"/>
-              </a:solidFill>
-              <a:effectLst/>
-              <a:uLnTx/>
-              <a:uFillTx/>
-              <a:latin typeface="Verdana"/>
-              <a:ea typeface="ＭＳ Ｐゴシック" charset="-128"/>
-              <a:cs typeface="+mn-cs"/>
-            </a:endParaRPr>
-          </a:p>
-          <a:p>
-            <a:pPr marL="0" marR="0" lvl="0" indent="0" algn="ctr" defTabSz="1219170" rtl="0" eaLnBrk="1" fontAlgn="auto" latinLnBrk="0" hangingPunct="1">
-              <a:lnSpc>
-                <a:spcPts val="2667"/>
-              </a:lnSpc>
-              <a:spcBef>
-                <a:spcPts val="400"/>
-              </a:spcBef>
-              <a:spcAft>
-                <a:spcPts val="400"/>
-              </a:spcAft>
-              <a:buClrTx/>
-              <a:buSzTx/>
-              <a:buFont typeface="Arial" panose="020B0604020202020204" pitchFamily="34" charset="0"/>
-              <a:buNone/>
-              <a:tabLst/>
-              <a:defRPr/>
-            </a:pPr>
-            <a:r>
-              <a:rPr kumimoji="0" lang="en-US" altLang="x-none" sz="1600" b="0" i="0" u="none" strike="noStrike" kern="1200" cap="none" spc="0" normalizeH="0" baseline="0" noProof="0" dirty="0">
-                <a:ln>
-                  <a:noFill/>
-                </a:ln>
-                <a:solidFill>
-                  <a:srgbClr val="323232"/>
-                </a:solidFill>
-                <a:effectLst/>
-                <a:uLnTx/>
-                <a:uFillTx/>
-                <a:latin typeface="Verdana"/>
-                <a:ea typeface="ＭＳ Ｐゴシック" charset="-128"/>
-                <a:cs typeface="+mn-cs"/>
-              </a:rPr>
-              <a:t>Christian Z</a:t>
-            </a:r>
-            <a:r>
-              <a:rPr kumimoji="0" lang="de-DE" altLang="x-none" sz="1600" b="0" i="0" u="none" strike="noStrike" kern="1200" cap="none" spc="0" normalizeH="0" baseline="0" noProof="0" dirty="0" err="1">
-                <a:ln>
-                  <a:noFill/>
-                </a:ln>
-                <a:solidFill>
-                  <a:srgbClr val="323232"/>
-                </a:solidFill>
-                <a:effectLst/>
-                <a:uLnTx/>
-                <a:uFillTx/>
-                <a:latin typeface="Verdana"/>
-                <a:ea typeface="ＭＳ Ｐゴシック" charset="-128"/>
-                <a:cs typeface="+mn-cs"/>
-              </a:rPr>
-              <a:t>öllner</a:t>
-            </a:r>
-            <a:r>
-              <a:rPr kumimoji="0" lang="en-US" altLang="x-none" sz="1600" b="0" i="0" u="none" strike="noStrike" kern="1200" cap="none" spc="0" normalizeH="0" baseline="0" noProof="0" dirty="0">
-                <a:ln>
-                  <a:noFill/>
-                </a:ln>
-                <a:solidFill>
-                  <a:srgbClr val="323232"/>
-                </a:solidFill>
-                <a:effectLst/>
-                <a:uLnTx/>
-                <a:uFillTx/>
-                <a:latin typeface="Verdana"/>
-                <a:ea typeface="ＭＳ Ｐゴシック" charset="-128"/>
-                <a:cs typeface="+mn-cs"/>
-              </a:rPr>
-              <a:t> (</a:t>
-            </a:r>
-            <a:r>
-              <a:rPr kumimoji="0" lang="en-US" altLang="x-none" sz="1600" b="0" i="0" u="none" strike="noStrike" kern="1200" cap="none" spc="0" normalizeH="0" baseline="0" noProof="0" dirty="0">
-                <a:ln>
-                  <a:noFill/>
-                </a:ln>
-                <a:solidFill>
-                  <a:srgbClr val="323232"/>
-                </a:solidFill>
-                <a:effectLst/>
-                <a:uLnTx/>
-                <a:uFillTx/>
-                <a:latin typeface="Verdana"/>
-                <a:ea typeface="ＭＳ Ｐゴシック" charset="-128"/>
-                <a:cs typeface="+mn-cs"/>
-                <a:hlinkClick r:id="rId5"/>
-              </a:rPr>
-              <a:t>Christian.zoellner@hpi.de</a:t>
-            </a:r>
-            <a:r>
-              <a:rPr kumimoji="0" lang="en-US" altLang="x-none" sz="1600" b="0" i="0" u="none" strike="noStrike" kern="1200" cap="none" spc="0" normalizeH="0" baseline="0" noProof="0" dirty="0">
-                <a:ln>
-                  <a:noFill/>
-                </a:ln>
-                <a:solidFill>
-                  <a:srgbClr val="323232"/>
-                </a:solidFill>
-                <a:effectLst/>
-                <a:uLnTx/>
-                <a:uFillTx/>
-                <a:latin typeface="Verdana"/>
-                <a:ea typeface="ＭＳ Ｐゴシック" charset="-128"/>
-                <a:cs typeface="+mn-cs"/>
-              </a:rPr>
-              <a:t>)</a:t>
-            </a:r>
-          </a:p>
-          <a:p>
-            <a:endParaRPr lang="en-US" dirty="0"/>
+              <a:rPr lang="en-US" dirty="0"/>
+              <a:t>check-in</a:t>
+            </a:r>
           </a:p>
         </p:txBody>
       </p:sp>
@@ -12157,7 +11827,7 @@
           <p:cNvPr id="4" name="Slide Number Placeholder 3">
             <a:extLst>
               <a:ext uri="{FF2B5EF4-FFF2-40B4-BE49-F238E27FC236}">
-                <a16:creationId xmlns:a16="http://schemas.microsoft.com/office/drawing/2014/main" id="{E98E4445-B9A3-412B-8C72-2D279B2D7325}"/>
+                <a16:creationId xmlns:a16="http://schemas.microsoft.com/office/drawing/2014/main" id="{EE4B1753-D780-48AA-8622-32852D419118}"/>
               </a:ext>
             </a:extLst>
           </p:cNvPr>
@@ -12181,10 +11851,40 @@
           </a:p>
         </p:txBody>
       </p:sp>
+      <p:pic>
+        <p:nvPicPr>
+          <p:cNvPr id="6" name="Picture 5">
+            <a:extLst>
+              <a:ext uri="{FF2B5EF4-FFF2-40B4-BE49-F238E27FC236}">
+                <a16:creationId xmlns:a16="http://schemas.microsoft.com/office/drawing/2014/main" id="{54A0EE22-E985-49AD-A106-404DD3CA0EDF}"/>
+              </a:ext>
+            </a:extLst>
+          </p:cNvPr>
+          <p:cNvPicPr>
+            <a:picLocks noChangeAspect="1"/>
+          </p:cNvPicPr>
+          <p:nvPr/>
+        </p:nvPicPr>
+        <p:blipFill>
+          <a:blip r:embed="rId2"/>
+          <a:stretch>
+            <a:fillRect/>
+          </a:stretch>
+        </p:blipFill>
+        <p:spPr>
+          <a:xfrm>
+            <a:off x="470516" y="1553025"/>
+            <a:ext cx="4732329" cy="4611235"/>
+          </a:xfrm>
+          <a:prstGeom prst="rect">
+            <a:avLst/>
+          </a:prstGeom>
+        </p:spPr>
+      </p:pic>
     </p:spTree>
     <p:extLst>
       <p:ext uri="{BB962C8B-B14F-4D97-AF65-F5344CB8AC3E}">
-        <p14:creationId xmlns:p14="http://schemas.microsoft.com/office/powerpoint/2010/main" val="109778453"/>
+        <p14:creationId xmlns:p14="http://schemas.microsoft.com/office/powerpoint/2010/main" val="2390084088"/>
       </p:ext>
     </p:extLst>
   </p:cSld>
@@ -12223,14 +11923,12 @@
         </p:nvSpPr>
         <p:spPr>
           <a:xfrm>
-            <a:off x="173182" y="0"/>
-            <a:ext cx="9767454" cy="1136650"/>
+            <a:off x="263236" y="0"/>
+            <a:ext cx="9621982" cy="699404"/>
           </a:xfrm>
         </p:spPr>
         <p:txBody>
-          <a:bodyPr>
-            <a:normAutofit/>
-          </a:bodyPr>
+          <a:bodyPr/>
           <a:lstStyle/>
           <a:p>
             <a:pPr eaLnBrk="1" hangingPunct="1"/>
@@ -12239,7 +11937,7 @@
                 <a:ea typeface="ＭＳ Ｐゴシック" pitchFamily="-106" charset="-128"/>
                 <a:cs typeface="ＭＳ Ｐゴシック" pitchFamily="-106" charset="-128"/>
               </a:rPr>
-              <a:t>Product Liability and its Limits ...</a:t>
+              <a:t>Negligence vs. Strict Liability</a:t>
             </a:r>
             <a:endParaRPr lang="de-DE" sz="3600" b="1" dirty="0">
               <a:ea typeface="ＭＳ Ｐゴシック" pitchFamily="-106" charset="-128"/>
@@ -12260,14 +11958,12 @@
         </p:nvSpPr>
         <p:spPr>
           <a:xfrm>
-            <a:off x="386630" y="1017091"/>
-            <a:ext cx="11251188" cy="4823817"/>
+            <a:off x="478369" y="1213308"/>
+            <a:ext cx="11473384" cy="4839723"/>
           </a:xfrm>
         </p:spPr>
         <p:txBody>
-          <a:bodyPr>
-            <a:normAutofit/>
-          </a:bodyPr>
+          <a:bodyPr/>
           <a:lstStyle/>
           <a:p>
             <a:pPr eaLnBrk="1" hangingPunct="1">
@@ -12279,82 +11975,21 @@
               <a:buChar char="◼︎"/>
             </a:pPr>
             <a:r>
-              <a:rPr lang="en-US" b="1" dirty="0">
+              <a:rPr lang="en-US" sz="2000" b="1" dirty="0">
                 <a:solidFill>
                   <a:schemeClr val="accent1"/>
                 </a:solidFill>
                 <a:ea typeface="ＭＳ Ｐゴシック" pitchFamily="-106" charset="-128"/>
                 <a:cs typeface="ＭＳ Ｐゴシック" pitchFamily="-106" charset="-128"/>
               </a:rPr>
-              <a:t>Product Liability</a:t>
-            </a:r>
-            <a:r>
-              <a:rPr lang="en-US" dirty="0">
+              <a:t>Negligence</a:t>
+            </a:r>
+            <a:r>
+              <a:rPr lang="en-US" sz="2000" dirty="0">
                 <a:ea typeface="ＭＳ Ｐゴシック" pitchFamily="-106" charset="-128"/>
                 <a:cs typeface="ＭＳ Ｐゴシック" pitchFamily="-106" charset="-128"/>
               </a:rPr>
-              <a:t>: Liability of manufactures for defects in a product, without the need to proof that those manufactures acted negligently.</a:t>
-            </a:r>
-            <a:br>
-              <a:rPr lang="en-US" dirty="0">
-                <a:ea typeface="ＭＳ Ｐゴシック" pitchFamily="-106" charset="-128"/>
-                <a:cs typeface="ＭＳ Ｐゴシック" pitchFamily="-106" charset="-128"/>
-              </a:rPr>
-            </a:br>
-            <a:r>
-              <a:rPr lang="en-US" b="1" dirty="0">
-                <a:ea typeface="ＭＳ Ｐゴシック" pitchFamily="-106" charset="-128"/>
-                <a:cs typeface="ＭＳ Ｐゴシック" pitchFamily="-106" charset="-128"/>
-              </a:rPr>
-              <a:t>BUT: </a:t>
-            </a:r>
-            <a:r>
-              <a:rPr lang="en-US" dirty="0">
-                <a:ea typeface="ＭＳ Ｐゴシック" pitchFamily="-106" charset="-128"/>
-                <a:cs typeface="ＭＳ Ｐゴシック" pitchFamily="-106" charset="-128"/>
-              </a:rPr>
-              <a:t>exception for development defects (e.g., EU directives):</a:t>
-            </a:r>
-          </a:p>
-          <a:p>
-            <a:pPr lvl="1" eaLnBrk="1" hangingPunct="1">
-              <a:buSzPct val="80000"/>
-              <a:buFont typeface=".AppleSDGothicNeoI-Regular" charset="-127"/>
-              <a:buChar char="◼︎"/>
-            </a:pPr>
-            <a:r>
-              <a:rPr lang="en-US" b="1" dirty="0">
-                <a:solidFill>
-                  <a:schemeClr val="accent1"/>
-                </a:solidFill>
-                <a:ea typeface="ＭＳ Ｐゴシック" pitchFamily="-106" charset="-128"/>
-                <a:cs typeface="ＭＳ Ｐゴシック" pitchFamily="-106" charset="-128"/>
-              </a:rPr>
-              <a:t>Development Risk</a:t>
-            </a:r>
-            <a:r>
-              <a:rPr lang="en-US" dirty="0">
-                <a:ea typeface="ＭＳ Ｐゴシック" pitchFamily="-106" charset="-128"/>
-                <a:cs typeface="ＭＳ Ｐゴシック" pitchFamily="-106" charset="-128"/>
-              </a:rPr>
-              <a:t>: In the context of product liability : Risk that could not have been foreseen given the </a:t>
-            </a:r>
-            <a:r>
-              <a:rPr lang="en-US" b="1" dirty="0">
-                <a:solidFill>
-                  <a:schemeClr val="accent1"/>
-                </a:solidFill>
-                <a:ea typeface="ＭＳ Ｐゴシック" pitchFamily="-106" charset="-128"/>
-                <a:cs typeface="ＭＳ Ｐゴシック" pitchFamily="-106" charset="-128"/>
-              </a:rPr>
-              <a:t>state of scientific and technical knowledge</a:t>
-            </a:r>
-            <a:r>
-              <a:rPr lang="en-US" dirty="0">
-                <a:ea typeface="ＭＳ Ｐゴシック" pitchFamily="-106" charset="-128"/>
-                <a:cs typeface="ＭＳ Ｐゴシック" pitchFamily="-106" charset="-128"/>
-              </a:rPr>
-              <a:t> at the time the product was put into circulation.</a:t>
+              <a:t>: Not living by certain duties. Negligence is often a main condition for legal liability. In order to show negligence for the law, usually proof must be given of a duty owed, a breach of that duty, an injury or damage, a causal connection between the breach and the injury or damage.</a:t>
             </a:r>
           </a:p>
           <a:p>
@@ -12366,67 +12001,10 @@
               <a:buFont typeface=".AppleSDGothicNeoI-Regular" charset="-127"/>
               <a:buChar char="◼︎"/>
             </a:pPr>
-            <a:r>
-              <a:rPr lang="en-US" b="1" dirty="0">
-                <a:solidFill>
-                  <a:schemeClr val="accent1"/>
-                </a:solidFill>
-                <a:ea typeface="ＭＳ Ｐゴシック" pitchFamily="-106" charset="-128"/>
-                <a:cs typeface="ＭＳ Ｐゴシック" pitchFamily="-106" charset="-128"/>
-              </a:rPr>
-              <a:t>Corporate Liability</a:t>
-            </a:r>
-            <a:r>
-              <a:rPr lang="en-US" dirty="0">
-                <a:ea typeface="ＭＳ Ｐゴシック" pitchFamily="-106" charset="-128"/>
-                <a:cs typeface="ＭＳ Ｐゴシック" pitchFamily="-106" charset="-128"/>
-              </a:rPr>
-              <a:t>: Liability of a company (corporation) when it is treated as a legal person.</a:t>
-            </a:r>
-            <a:br>
-              <a:rPr lang="en-US" dirty="0">
-                <a:ea typeface="ＭＳ Ｐゴシック" pitchFamily="-106" charset="-128"/>
-                <a:cs typeface="ＭＳ Ｐゴシック" pitchFamily="-106" charset="-128"/>
-              </a:rPr>
-            </a:br>
-            <a:r>
-              <a:rPr lang="en-US" b="1" dirty="0">
-                <a:ea typeface="ＭＳ Ｐゴシック" pitchFamily="-106" charset="-128"/>
-                <a:cs typeface="ＭＳ Ｐゴシック" pitchFamily="-106" charset="-128"/>
-              </a:rPr>
-              <a:t>BUT: </a:t>
-            </a:r>
-            <a:r>
-              <a:rPr lang="en-US" dirty="0">
-                <a:ea typeface="ＭＳ Ｐゴシック" pitchFamily="-106" charset="-128"/>
-                <a:cs typeface="ＭＳ Ｐゴシック" pitchFamily="-106" charset="-128"/>
-              </a:rPr>
-              <a:t>liability of a corporation may be limited:</a:t>
-            </a:r>
-          </a:p>
-          <a:p>
-            <a:pPr lvl="1" eaLnBrk="1" hangingPunct="1">
-              <a:buSzPct val="80000"/>
-              <a:buFont typeface=".AppleSDGothicNeoI-Regular" charset="-127"/>
-              <a:buChar char="◼︎"/>
-            </a:pPr>
-            <a:r>
-              <a:rPr lang="en-US" b="1" dirty="0">
-                <a:solidFill>
-                  <a:schemeClr val="accent1"/>
-                </a:solidFill>
-                <a:ea typeface="ＭＳ Ｐゴシック" pitchFamily="-106" charset="-128"/>
-                <a:cs typeface="ＭＳ Ｐゴシック" pitchFamily="-106" charset="-128"/>
-              </a:rPr>
-              <a:t>Limited Liability</a:t>
-            </a:r>
-            <a:r>
-              <a:rPr lang="en-US" dirty="0">
-                <a:ea typeface="ＭＳ Ｐゴシック" pitchFamily="-106" charset="-128"/>
-                <a:cs typeface="ＭＳ Ｐゴシック" pitchFamily="-106" charset="-128"/>
-              </a:rPr>
-              <a:t>: The principle that the liability of shareholders for the cooperation's debts and obligations is limited to the value of their shares.</a:t>
-            </a:r>
+            <a:endParaRPr lang="en-US" sz="2000" dirty="0">
+              <a:ea typeface="ＭＳ Ｐゴシック" pitchFamily="-106" charset="-128"/>
+              <a:cs typeface="ＭＳ Ｐゴシック" pitchFamily="-106" charset="-128"/>
+            </a:endParaRPr>
           </a:p>
           <a:p>
             <a:pPr eaLnBrk="1" hangingPunct="1">
@@ -12437,10 +12015,23 @@
               <a:buFont typeface=".AppleSDGothicNeoI-Regular" charset="-127"/>
               <a:buChar char="◼︎"/>
             </a:pPr>
-            <a:endParaRPr lang="en-US" dirty="0">
-              <a:ea typeface="ＭＳ Ｐゴシック" pitchFamily="-106" charset="-128"/>
-              <a:cs typeface="ＭＳ Ｐゴシック" pitchFamily="-106" charset="-128"/>
-            </a:endParaRPr>
+            <a:r>
+              <a:rPr lang="en-US" sz="2000" b="1" dirty="0">
+                <a:solidFill>
+                  <a:schemeClr val="accent1"/>
+                </a:solidFill>
+                <a:ea typeface="ＭＳ Ｐゴシック" pitchFamily="-106" charset="-128"/>
+                <a:cs typeface="ＭＳ Ｐゴシック" pitchFamily="-106" charset="-128"/>
+              </a:rPr>
+              <a:t>Duty of Care</a:t>
+            </a:r>
+            <a:r>
+              <a:rPr lang="en-US" sz="2000" dirty="0">
+                <a:ea typeface="ＭＳ Ｐゴシック" pitchFamily="-106" charset="-128"/>
+                <a:cs typeface="ＭＳ Ｐゴシック" pitchFamily="-106" charset="-128"/>
+              </a:rPr>
+              <a:t>: The legal obligation to adhere to a reasonable standard of care when performing any acts that could foreseeably harm others.</a:t>
+            </a:r>
           </a:p>
           <a:p>
             <a:pPr eaLnBrk="1" hangingPunct="1">
@@ -12451,7 +12042,10 @@
               <a:buFont typeface=".AppleSDGothicNeoI-Regular" charset="-127"/>
               <a:buChar char="◼︎"/>
             </a:pPr>
-            <a:endParaRPr lang="en-US" dirty="0">
+            <a:endParaRPr lang="en-US" sz="2000" b="1" dirty="0">
+              <a:solidFill>
+                <a:schemeClr val="accent1"/>
+              </a:solidFill>
               <a:ea typeface="ＭＳ Ｐゴシック" pitchFamily="-106" charset="-128"/>
               <a:cs typeface="ＭＳ Ｐゴシック" pitchFamily="-106" charset="-128"/>
             </a:endParaRPr>
@@ -12465,7 +12059,62 @@
               <a:buFont typeface=".AppleSDGothicNeoI-Regular" charset="-127"/>
               <a:buChar char="◼︎"/>
             </a:pPr>
-            <a:endParaRPr lang="en-US" dirty="0">
+            <a:r>
+              <a:rPr lang="en-US" sz="2000" b="1" dirty="0">
+                <a:solidFill>
+                  <a:schemeClr val="accent1"/>
+                </a:solidFill>
+                <a:ea typeface="ＭＳ Ｐゴシック" pitchFamily="-106" charset="-128"/>
+                <a:cs typeface="ＭＳ Ｐゴシック" pitchFamily="-106" charset="-128"/>
+              </a:rPr>
+              <a:t>Strict Liability</a:t>
+            </a:r>
+            <a:r>
+              <a:rPr lang="en-US" sz="2000" dirty="0">
+                <a:ea typeface="ＭＳ Ｐゴシック" pitchFamily="-106" charset="-128"/>
+                <a:cs typeface="ＭＳ Ｐゴシック" pitchFamily="-106" charset="-128"/>
+              </a:rPr>
+              <a:t>: A form of liability that does not require the defendant to be negligent.</a:t>
+            </a:r>
+          </a:p>
+          <a:p>
+            <a:pPr eaLnBrk="1" hangingPunct="1">
+              <a:buClr>
+                <a:schemeClr val="accent1"/>
+              </a:buClr>
+              <a:buSzPct val="80000"/>
+              <a:buFont typeface=".AppleSDGothicNeoI-Regular" charset="-127"/>
+              <a:buChar char="◼︎"/>
+            </a:pPr>
+            <a:endParaRPr lang="en-US" sz="2000" dirty="0">
+              <a:ea typeface="ＭＳ Ｐゴシック" pitchFamily="-106" charset="-128"/>
+              <a:cs typeface="ＭＳ Ｐゴシック" pitchFamily="-106" charset="-128"/>
+            </a:endParaRPr>
+          </a:p>
+          <a:p>
+            <a:pPr eaLnBrk="1" hangingPunct="1">
+              <a:buClr>
+                <a:schemeClr val="accent1"/>
+              </a:buClr>
+              <a:buSzPct val="80000"/>
+              <a:buFont typeface=".AppleSDGothicNeoI-Regular" charset="-127"/>
+              <a:buChar char="◼︎"/>
+            </a:pPr>
+            <a:endParaRPr lang="en-US" sz="2000" dirty="0">
+              <a:ea typeface="ＭＳ Ｐゴシック" pitchFamily="-106" charset="-128"/>
+              <a:cs typeface="ＭＳ Ｐゴシック" pitchFamily="-106" charset="-128"/>
+            </a:endParaRPr>
+          </a:p>
+          <a:p>
+            <a:pPr eaLnBrk="1" hangingPunct="1">
+              <a:buClr>
+                <a:schemeClr val="accent1"/>
+              </a:buClr>
+              <a:buSzPct val="80000"/>
+              <a:buFont typeface=".AppleSDGothicNeoI-Regular" charset="-127"/>
+              <a:buChar char="◼︎"/>
+            </a:pPr>
+            <a:endParaRPr lang="en-US" sz="2000" dirty="0">
               <a:ea typeface="ＭＳ Ｐゴシック" pitchFamily="-106" charset="-128"/>
               <a:cs typeface="ＭＳ Ｐゴシック" pitchFamily="-106" charset="-128"/>
             </a:endParaRPr>
@@ -12509,7 +12158,7 @@
         </p:nvSpPr>
         <p:spPr>
           <a:xfrm>
-            <a:off x="9191601" y="5471576"/>
+            <a:off x="9201181" y="5900586"/>
             <a:ext cx="2835007" cy="369332"/>
           </a:xfrm>
           <a:prstGeom prst="rect">
@@ -12538,7 +12187,7 @@
     </p:spTree>
     <p:extLst>
       <p:ext uri="{BB962C8B-B14F-4D97-AF65-F5344CB8AC3E}">
-        <p14:creationId xmlns:p14="http://schemas.microsoft.com/office/powerpoint/2010/main" val="1604096492"/>
+        <p14:creationId xmlns:p14="http://schemas.microsoft.com/office/powerpoint/2010/main" val="346527477"/>
       </p:ext>
     </p:extLst>
   </p:cSld>
@@ -12577,12 +12226,14 @@
         </p:nvSpPr>
         <p:spPr>
           <a:xfrm>
-            <a:off x="263236" y="0"/>
-            <a:ext cx="8353044" cy="1136650"/>
+            <a:off x="173182" y="0"/>
+            <a:ext cx="9767454" cy="1136650"/>
           </a:xfrm>
         </p:spPr>
         <p:txBody>
-          <a:bodyPr/>
+          <a:bodyPr>
+            <a:normAutofit/>
+          </a:bodyPr>
           <a:lstStyle/>
           <a:p>
             <a:pPr eaLnBrk="1" hangingPunct="1"/>
@@ -12591,7 +12242,7 @@
                 <a:ea typeface="ＭＳ Ｐゴシック" pitchFamily="-106" charset="-128"/>
                 <a:cs typeface="ＭＳ Ｐゴシック" pitchFamily="-106" charset="-128"/>
               </a:rPr>
-              <a:t>Active Responsibility</a:t>
+              <a:t>Product Liability and its Limits ...</a:t>
             </a:r>
             <a:endParaRPr lang="de-DE" sz="3600" b="1" dirty="0">
               <a:ea typeface="ＭＳ Ｐゴシック" pitchFamily="-106" charset="-128"/>
@@ -12612,123 +12263,212 @@
         </p:nvSpPr>
         <p:spPr>
           <a:xfrm>
-            <a:off x="263236" y="1017091"/>
-            <a:ext cx="11688520" cy="3800977"/>
+            <a:off x="386630" y="1017091"/>
+            <a:ext cx="11251188" cy="4823817"/>
           </a:xfrm>
         </p:spPr>
         <p:txBody>
-          <a:bodyPr/>
-          <a:lstStyle/>
-          <a:p>
-            <a:pPr marL="0" indent="0">
+          <a:bodyPr>
+            <a:normAutofit/>
+          </a:bodyPr>
+          <a:lstStyle/>
+          <a:p>
+            <a:pPr eaLnBrk="1" hangingPunct="1">
               <a:buClr>
                 <a:schemeClr val="accent1"/>
               </a:buClr>
               <a:buSzPct val="80000"/>
+              <a:buFont typeface=".AppleSDGothicNeoI-Regular" charset="-127"/>
+              <a:buChar char="◼︎"/>
             </a:pPr>
             <a:r>
-              <a:rPr lang="en-US" sz="2000" dirty="0">
+              <a:rPr lang="en-US" b="1" dirty="0">
+                <a:solidFill>
+                  <a:schemeClr val="accent1"/>
+                </a:solidFill>
                 <a:ea typeface="ＭＳ Ｐゴシック" pitchFamily="-106" charset="-128"/>
                 <a:cs typeface="ＭＳ Ｐゴシック" pitchFamily="-106" charset="-128"/>
               </a:rPr>
-              <a:t>Responsibility before something has happened referring to a duty or task to care for certain state-of-affairs or person.</a:t>
-            </a:r>
-          </a:p>
-          <a:p>
-            <a:pPr marL="0" indent="0">
+              <a:t>Product Liability</a:t>
+            </a:r>
+            <a:r>
+              <a:rPr lang="en-US" dirty="0">
+                <a:ea typeface="ＭＳ Ｐゴシック" pitchFamily="-106" charset="-128"/>
+                <a:cs typeface="ＭＳ Ｐゴシック" pitchFamily="-106" charset="-128"/>
+              </a:rPr>
+              <a:t>: Liability of manufactures for defects in a product, without the need to proof that those manufactures acted negligently.</a:t>
+            </a:r>
+            <a:br>
+              <a:rPr lang="en-US" dirty="0">
+                <a:ea typeface="ＭＳ Ｐゴシック" pitchFamily="-106" charset="-128"/>
+                <a:cs typeface="ＭＳ Ｐゴシック" pitchFamily="-106" charset="-128"/>
+              </a:rPr>
+            </a:br>
+            <a:r>
+              <a:rPr lang="en-US" b="1" dirty="0">
+                <a:ea typeface="ＭＳ Ｐゴシック" pitchFamily="-106" charset="-128"/>
+                <a:cs typeface="ＭＳ Ｐゴシック" pitchFamily="-106" charset="-128"/>
+              </a:rPr>
+              <a:t>BUT: </a:t>
+            </a:r>
+            <a:r>
+              <a:rPr lang="en-US" dirty="0">
+                <a:ea typeface="ＭＳ Ｐゴシック" pitchFamily="-106" charset="-128"/>
+                <a:cs typeface="ＭＳ Ｐゴシック" pitchFamily="-106" charset="-128"/>
+              </a:rPr>
+              <a:t>exception for development defects (e.g., EU directives):</a:t>
+            </a:r>
+          </a:p>
+          <a:p>
+            <a:pPr lvl="1" eaLnBrk="1" hangingPunct="1">
+              <a:buSzPct val="80000"/>
+              <a:buFont typeface=".AppleSDGothicNeoI-Regular" charset="-127"/>
+              <a:buChar char="◼︎"/>
+            </a:pPr>
+            <a:r>
+              <a:rPr lang="en-US" b="1" dirty="0">
+                <a:solidFill>
+                  <a:schemeClr val="accent1"/>
+                </a:solidFill>
+                <a:ea typeface="ＭＳ Ｐゴシック" pitchFamily="-106" charset="-128"/>
+                <a:cs typeface="ＭＳ Ｐゴシック" pitchFamily="-106" charset="-128"/>
+              </a:rPr>
+              <a:t>Development Risk</a:t>
+            </a:r>
+            <a:r>
+              <a:rPr lang="en-US" dirty="0">
+                <a:ea typeface="ＭＳ Ｐゴシック" pitchFamily="-106" charset="-128"/>
+                <a:cs typeface="ＭＳ Ｐゴシック" pitchFamily="-106" charset="-128"/>
+              </a:rPr>
+              <a:t>: In the context of product liability : Risk that could not have been foreseen given the </a:t>
+            </a:r>
+            <a:r>
+              <a:rPr lang="en-US" b="1" dirty="0">
+                <a:solidFill>
+                  <a:schemeClr val="accent1"/>
+                </a:solidFill>
+                <a:ea typeface="ＭＳ Ｐゴシック" pitchFamily="-106" charset="-128"/>
+                <a:cs typeface="ＭＳ Ｐゴシック" pitchFamily="-106" charset="-128"/>
+              </a:rPr>
+              <a:t>state of scientific and technical knowledge</a:t>
+            </a:r>
+            <a:r>
+              <a:rPr lang="en-US" dirty="0">
+                <a:ea typeface="ＭＳ Ｐゴシック" pitchFamily="-106" charset="-128"/>
+                <a:cs typeface="ＭＳ Ｐゴシック" pitchFamily="-106" charset="-128"/>
+              </a:rPr>
+              <a:t> at the time the product was put into circulation.</a:t>
+            </a:r>
+          </a:p>
+          <a:p>
+            <a:pPr eaLnBrk="1" hangingPunct="1">
               <a:buClr>
                 <a:schemeClr val="accent1"/>
               </a:buClr>
               <a:buSzPct val="80000"/>
+              <a:buFont typeface=".AppleSDGothicNeoI-Regular" charset="-127"/>
+              <a:buChar char="◼︎"/>
             </a:pPr>
             <a:r>
-              <a:rPr lang="en-US" sz="2000" b="1" dirty="0">
+              <a:rPr lang="en-US" b="1" dirty="0">
+                <a:solidFill>
+                  <a:schemeClr val="accent1"/>
+                </a:solidFill>
                 <a:ea typeface="ＭＳ Ｐゴシック" pitchFamily="-106" charset="-128"/>
                 <a:cs typeface="ＭＳ Ｐゴシック" pitchFamily="-106" charset="-128"/>
               </a:rPr>
-              <a:t>Features </a:t>
-            </a:r>
-            <a:r>
-              <a:rPr lang="en-US" sz="2000" dirty="0">
+              <a:t>Corporate Liability</a:t>
+            </a:r>
+            <a:r>
+              <a:rPr lang="en-US" dirty="0">
                 <a:ea typeface="ＭＳ Ｐゴシック" pitchFamily="-106" charset="-128"/>
                 <a:cs typeface="ＭＳ Ｐゴシック" pitchFamily="-106" charset="-128"/>
               </a:rPr>
-              <a:t>(according to [Bovens1998]): </a:t>
-            </a:r>
-          </a:p>
-          <a:p>
-            <a:pPr lvl="1">
+              <a:t>: Liability of a company (corporation) when it is treated as a legal person.</a:t>
+            </a:r>
+            <a:br>
+              <a:rPr lang="en-US" dirty="0">
+                <a:ea typeface="ＭＳ Ｐゴシック" pitchFamily="-106" charset="-128"/>
+                <a:cs typeface="ＭＳ Ｐゴシック" pitchFamily="-106" charset="-128"/>
+              </a:rPr>
+            </a:br>
+            <a:r>
+              <a:rPr lang="en-US" b="1" dirty="0">
+                <a:ea typeface="ＭＳ Ｐゴシック" pitchFamily="-106" charset="-128"/>
+                <a:cs typeface="ＭＳ Ｐゴシック" pitchFamily="-106" charset="-128"/>
+              </a:rPr>
+              <a:t>BUT: </a:t>
+            </a:r>
+            <a:r>
+              <a:rPr lang="en-US" dirty="0">
+                <a:ea typeface="ＭＳ Ｐゴシック" pitchFamily="-106" charset="-128"/>
+                <a:cs typeface="ＭＳ Ｐゴシック" pitchFamily="-106" charset="-128"/>
+              </a:rPr>
+              <a:t>liability of a corporation may be limited:</a:t>
+            </a:r>
+          </a:p>
+          <a:p>
+            <a:pPr lvl="1" eaLnBrk="1" hangingPunct="1">
               <a:buSzPct val="80000"/>
               <a:buFont typeface=".AppleSDGothicNeoI-Regular" charset="-127"/>
               <a:buChar char="◼︎"/>
             </a:pPr>
             <a:r>
-              <a:rPr lang="en-US" sz="2000" dirty="0">
+              <a:rPr lang="en-US" b="1" dirty="0">
+                <a:solidFill>
+                  <a:schemeClr val="accent1"/>
+                </a:solidFill>
                 <a:ea typeface="ＭＳ Ｐゴシック" pitchFamily="-106" charset="-128"/>
                 <a:cs typeface="ＭＳ Ｐゴシック" pitchFamily="-106" charset="-128"/>
               </a:rPr>
-              <a:t>Adequate perception of threatened violations of norms;</a:t>
-            </a:r>
-          </a:p>
-          <a:p>
-            <a:pPr lvl="1">
+              <a:t>Limited Liability</a:t>
+            </a:r>
+            <a:r>
+              <a:rPr lang="en-US" dirty="0">
+                <a:ea typeface="ＭＳ Ｐゴシック" pitchFamily="-106" charset="-128"/>
+                <a:cs typeface="ＭＳ Ｐゴシック" pitchFamily="-106" charset="-128"/>
+              </a:rPr>
+              <a:t>: The principle that the liability of shareholders for the cooperation's debts and obligations is limited to the value of their shares.</a:t>
+            </a:r>
+          </a:p>
+          <a:p>
+            <a:pPr eaLnBrk="1" hangingPunct="1">
+              <a:buClr>
+                <a:schemeClr val="accent1"/>
+              </a:buClr>
               <a:buSzPct val="80000"/>
               <a:buFont typeface=".AppleSDGothicNeoI-Regular" charset="-127"/>
               <a:buChar char="◼︎"/>
             </a:pPr>
-            <a:r>
-              <a:rPr lang="en-US" sz="2000" dirty="0">
-                <a:ea typeface="ＭＳ Ｐゴシック" pitchFamily="-106" charset="-128"/>
-                <a:cs typeface="ＭＳ Ｐゴシック" pitchFamily="-106" charset="-128"/>
-              </a:rPr>
-              <a:t>Consideration of the consequences;</a:t>
-            </a:r>
-          </a:p>
-          <a:p>
-            <a:pPr lvl="1">
+            <a:endParaRPr lang="en-US" dirty="0">
+              <a:ea typeface="ＭＳ Ｐゴシック" pitchFamily="-106" charset="-128"/>
+              <a:cs typeface="ＭＳ Ｐゴシック" pitchFamily="-106" charset="-128"/>
+            </a:endParaRPr>
+          </a:p>
+          <a:p>
+            <a:pPr eaLnBrk="1" hangingPunct="1">
+              <a:buClr>
+                <a:schemeClr val="accent1"/>
+              </a:buClr>
               <a:buSzPct val="80000"/>
               <a:buFont typeface=".AppleSDGothicNeoI-Regular" charset="-127"/>
               <a:buChar char="◼︎"/>
             </a:pPr>
-            <a:r>
-              <a:rPr lang="en-US" sz="2000" dirty="0">
-                <a:ea typeface="ＭＳ Ｐゴシック" pitchFamily="-106" charset="-128"/>
-                <a:cs typeface="ＭＳ Ｐゴシック" pitchFamily="-106" charset="-128"/>
-              </a:rPr>
-              <a:t>Autonomy, i.e., the ability to make one’s own independent moral decisions;</a:t>
-            </a:r>
-          </a:p>
-          <a:p>
-            <a:pPr lvl="1">
+            <a:endParaRPr lang="en-US" dirty="0">
+              <a:ea typeface="ＭＳ Ｐゴシック" pitchFamily="-106" charset="-128"/>
+              <a:cs typeface="ＭＳ Ｐゴシック" pitchFamily="-106" charset="-128"/>
+            </a:endParaRPr>
+          </a:p>
+          <a:p>
+            <a:pPr eaLnBrk="1" hangingPunct="1">
+              <a:buClr>
+                <a:schemeClr val="accent1"/>
+              </a:buClr>
               <a:buSzPct val="80000"/>
               <a:buFont typeface=".AppleSDGothicNeoI-Regular" charset="-127"/>
               <a:buChar char="◼︎"/>
             </a:pPr>
-            <a:r>
-              <a:rPr lang="en-US" sz="2000" dirty="0">
-                <a:ea typeface="ＭＳ Ｐゴシック" pitchFamily="-106" charset="-128"/>
-                <a:cs typeface="ＭＳ Ｐゴシック" pitchFamily="-106" charset="-128"/>
-              </a:rPr>
-              <a:t>Displaying conduct that is based on a verifiable and consistent code; and</a:t>
-            </a:r>
-          </a:p>
-          <a:p>
-            <a:pPr lvl="1">
-              <a:buSzPct val="80000"/>
-              <a:buFont typeface=".AppleSDGothicNeoI-Regular" charset="-127"/>
-              <a:buChar char="◼︎"/>
-            </a:pPr>
-            <a:r>
-              <a:rPr lang="en-US" sz="2000" dirty="0">
-                <a:ea typeface="ＭＳ Ｐゴシック" pitchFamily="-106" charset="-128"/>
-                <a:cs typeface="ＭＳ Ｐゴシック" pitchFamily="-106" charset="-128"/>
-              </a:rPr>
-              <a:t>Taking role obligations seriously.</a:t>
-            </a:r>
-          </a:p>
-          <a:p>
-            <a:pPr marL="0" indent="0"/>
-            <a:endParaRPr lang="de-DE" sz="2000" dirty="0">
+            <a:endParaRPr lang="en-US" dirty="0">
               <a:ea typeface="ＭＳ Ｐゴシック" pitchFamily="-106" charset="-128"/>
               <a:cs typeface="ＭＳ Ｐゴシック" pitchFamily="-106" charset="-128"/>
             </a:endParaRPr>
@@ -12772,7 +12512,7 @@
         </p:nvSpPr>
         <p:spPr>
           <a:xfrm>
-            <a:off x="9356993" y="5778414"/>
+            <a:off x="9191601" y="5471576"/>
             <a:ext cx="2835007" cy="369332"/>
           </a:xfrm>
           <a:prstGeom prst="rect">
@@ -12787,7 +12527,7 @@
           <a:lstStyle/>
           <a:p>
             <a:r>
-              <a:rPr lang="en-GB">
+              <a:rPr lang="en-GB" dirty="0">
                 <a:latin typeface="Arial" pitchFamily="-112" charset="0"/>
                 <a:ea typeface="ＭＳ Ｐゴシック" pitchFamily="-112" charset="-128"/>
                 <a:cs typeface="ＭＳ Ｐゴシック" pitchFamily="-112" charset="-128"/>
@@ -12801,7 +12541,7 @@
     </p:spTree>
     <p:extLst>
       <p:ext uri="{BB962C8B-B14F-4D97-AF65-F5344CB8AC3E}">
-        <p14:creationId xmlns:p14="http://schemas.microsoft.com/office/powerpoint/2010/main" val="1976200955"/>
+        <p14:creationId xmlns:p14="http://schemas.microsoft.com/office/powerpoint/2010/main" val="1604096492"/>
       </p:ext>
     </p:extLst>
   </p:cSld>
@@ -12840,8 +12580,8 @@
         </p:nvSpPr>
         <p:spPr>
           <a:xfrm>
-            <a:off x="221673" y="0"/>
-            <a:ext cx="9836727" cy="637849"/>
+            <a:off x="263236" y="0"/>
+            <a:ext cx="8353044" cy="1136650"/>
           </a:xfrm>
         </p:spPr>
         <p:txBody>
@@ -12850,13 +12590,13 @@
           <a:p>
             <a:pPr eaLnBrk="1" hangingPunct="1"/>
             <a:r>
-              <a:rPr lang="en-US" sz="3200" b="1" dirty="0">
+              <a:rPr lang="en-US" sz="3600" b="1" dirty="0">
                 <a:ea typeface="ＭＳ Ｐゴシック" pitchFamily="-106" charset="-128"/>
                 <a:cs typeface="ＭＳ Ｐゴシック" pitchFamily="-106" charset="-128"/>
               </a:rPr>
-              <a:t>Active Responsibility &amp; Engineering Ideals</a:t>
-            </a:r>
-            <a:endParaRPr lang="de-DE" sz="3200" b="1" dirty="0">
+              <a:t>Active Responsibility</a:t>
+            </a:r>
+            <a:endParaRPr lang="de-DE" sz="3600" b="1" dirty="0">
               <a:ea typeface="ＭＳ Ｐゴシック" pitchFamily="-106" charset="-128"/>
               <a:cs typeface="ＭＳ Ｐゴシック" pitchFamily="-106" charset="-128"/>
             </a:endParaRPr>
@@ -12875,246 +12615,123 @@
         </p:nvSpPr>
         <p:spPr>
           <a:xfrm>
-            <a:off x="303502" y="897246"/>
-            <a:ext cx="11285825" cy="4823817"/>
+            <a:off x="263236" y="1017091"/>
+            <a:ext cx="11688520" cy="3800977"/>
           </a:xfrm>
         </p:spPr>
         <p:txBody>
-          <a:bodyPr>
-            <a:normAutofit/>
-          </a:bodyPr>
-          <a:lstStyle/>
-          <a:p>
-            <a:pPr eaLnBrk="1" hangingPunct="1">
+          <a:bodyPr/>
+          <a:lstStyle/>
+          <a:p>
+            <a:pPr marL="0" indent="0">
               <a:buClr>
                 <a:schemeClr val="accent1"/>
               </a:buClr>
               <a:buSzPct val="80000"/>
-              <a:buFont typeface=".AppleSDGothicNeoI-Regular" charset="-127"/>
-              <a:buChar char="◼︎"/>
             </a:pPr>
             <a:r>
-              <a:rPr lang="en-US" b="1" dirty="0">
-                <a:solidFill>
-                  <a:schemeClr val="accent1"/>
-                </a:solidFill>
+              <a:rPr lang="en-US" sz="2000" dirty="0">
                 <a:ea typeface="ＭＳ Ｐゴシック" pitchFamily="-106" charset="-128"/>
                 <a:cs typeface="ＭＳ Ｐゴシック" pitchFamily="-106" charset="-128"/>
               </a:rPr>
-              <a:t>Ideals</a:t>
-            </a:r>
-            <a:r>
-              <a:rPr lang="en-US" dirty="0">
-                <a:solidFill>
-                  <a:schemeClr val="accent1"/>
-                </a:solidFill>
-                <a:ea typeface="ＭＳ Ｐゴシック" pitchFamily="-106" charset="-128"/>
-                <a:cs typeface="ＭＳ Ｐゴシック" pitchFamily="-106" charset="-128"/>
-              </a:rPr>
-              <a:t> </a:t>
-            </a:r>
-            <a:r>
-              <a:rPr lang="en-US" dirty="0">
-                <a:ea typeface="ＭＳ Ｐゴシック" pitchFamily="-106" charset="-128"/>
-                <a:cs typeface="ＭＳ Ｐゴシック" pitchFamily="-106" charset="-128"/>
-              </a:rPr>
-              <a:t>or strivings which are particularly motivating and inspiring for the person having them, and which aim at achieving an optimum or maximum.</a:t>
-            </a:r>
-          </a:p>
-          <a:p>
-            <a:pPr eaLnBrk="1" hangingPunct="1">
+              <a:t>Responsibility before something has happened referring to a duty or task to care for certain state-of-affairs or person.</a:t>
+            </a:r>
+          </a:p>
+          <a:p>
+            <a:pPr marL="0" indent="0">
               <a:buClr>
                 <a:schemeClr val="accent1"/>
               </a:buClr>
               <a:buSzPct val="80000"/>
-              <a:buFont typeface=".AppleSDGothicNeoI-Regular" charset="-127"/>
-              <a:buChar char="◼︎"/>
             </a:pPr>
             <a:r>
-              <a:rPr lang="en-US" b="1" dirty="0">
-                <a:solidFill>
-                  <a:schemeClr val="accent1"/>
-                </a:solidFill>
+              <a:rPr lang="en-US" sz="2000" b="1" dirty="0">
                 <a:ea typeface="ＭＳ Ｐゴシック" pitchFamily="-106" charset="-128"/>
                 <a:cs typeface="ＭＳ Ｐゴシック" pitchFamily="-106" charset="-128"/>
               </a:rPr>
-              <a:t>Professional ideals </a:t>
-            </a:r>
-            <a:r>
-              <a:rPr lang="en-US" dirty="0">
+              <a:t>Features </a:t>
+            </a:r>
+            <a:r>
+              <a:rPr lang="en-US" sz="2000" dirty="0">
                 <a:ea typeface="ＭＳ Ｐゴシック" pitchFamily="-106" charset="-128"/>
                 <a:cs typeface="ＭＳ Ｐゴシック" pitchFamily="-106" charset="-128"/>
               </a:rPr>
-              <a:t>are closely aligned to a profession and can only be aspired to by carrying out the profession.</a:t>
-            </a:r>
-          </a:p>
-          <a:p>
-            <a:pPr lvl="1" eaLnBrk="1" hangingPunct="1">
+              <a:t>(according to [Bovens1998]): </a:t>
+            </a:r>
+          </a:p>
+          <a:p>
+            <a:pPr lvl="1">
               <a:buSzPct val="80000"/>
               <a:buFont typeface=".AppleSDGothicNeoI-Regular" charset="-127"/>
               <a:buChar char="◼︎"/>
             </a:pPr>
             <a:r>
-              <a:rPr lang="en-US" sz="1600" b="1" dirty="0">
-                <a:solidFill>
-                  <a:schemeClr val="accent1"/>
-                </a:solidFill>
+              <a:rPr lang="en-US" sz="2000" dirty="0">
                 <a:ea typeface="ＭＳ Ｐゴシック" pitchFamily="-106" charset="-128"/>
                 <a:cs typeface="ＭＳ Ｐゴシック" pitchFamily="-106" charset="-128"/>
               </a:rPr>
-              <a:t>Technological enthusiasm</a:t>
-            </a:r>
-            <a:r>
-              <a:rPr lang="en-US" sz="1600" dirty="0">
-                <a:ea typeface="ＭＳ Ｐゴシック" pitchFamily="-106" charset="-128"/>
-                <a:cs typeface="ＭＳ Ｐゴシック" pitchFamily="-106" charset="-128"/>
-              </a:rPr>
-              <a:t>: The ideal of wanting to develop new technological possibilities and taking up technological challenges. Not morally improper, but leads to easily overlook moral issues ...</a:t>
-            </a:r>
-          </a:p>
-          <a:p>
-            <a:pPr marL="179388" lvl="1" indent="0" algn="r">
-              <a:buSzPct val="80000"/>
-              <a:buNone/>
-            </a:pPr>
-            <a:r>
-              <a:rPr lang="en-US" sz="1200" dirty="0">
-                <a:ea typeface="ＭＳ Ｐゴシック" pitchFamily="-106" charset="-128"/>
-                <a:cs typeface="ＭＳ Ｐゴシック" pitchFamily="-106" charset="-128"/>
-              </a:rPr>
-              <a:t>(</a:t>
-            </a:r>
-            <a:r>
-              <a:rPr lang="en-US" sz="1200" dirty="0" err="1">
-                <a:ea typeface="ＭＳ Ｐゴシック" pitchFamily="-106" charset="-128"/>
-                <a:cs typeface="ＭＳ Ｐゴシック" pitchFamily="-106" charset="-128"/>
-              </a:rPr>
-              <a:t>Wernher</a:t>
-            </a:r>
-            <a:r>
-              <a:rPr lang="en-US" sz="1200" dirty="0">
-                <a:ea typeface="ＭＳ Ｐゴシック" pitchFamily="-106" charset="-128"/>
-                <a:cs typeface="ＭＳ Ｐゴシック" pitchFamily="-106" charset="-128"/>
-              </a:rPr>
-              <a:t> von Braun (1912-1977)</a:t>
-            </a:r>
-          </a:p>
-          <a:p>
-            <a:pPr lvl="1" eaLnBrk="1" hangingPunct="1">
+              <a:t>Adequate perception of threatened violations of norms;</a:t>
+            </a:r>
+          </a:p>
+          <a:p>
+            <a:pPr lvl="1">
               <a:buSzPct val="80000"/>
               <a:buFont typeface=".AppleSDGothicNeoI-Regular" charset="-127"/>
               <a:buChar char="◼︎"/>
             </a:pPr>
             <a:r>
-              <a:rPr lang="en-US" sz="1600" b="1" dirty="0">
-                <a:solidFill>
-                  <a:schemeClr val="accent1"/>
-                </a:solidFill>
+              <a:rPr lang="en-US" sz="2000" dirty="0">
                 <a:ea typeface="ＭＳ Ｐゴシック" pitchFamily="-106" charset="-128"/>
                 <a:cs typeface="ＭＳ Ｐゴシック" pitchFamily="-106" charset="-128"/>
               </a:rPr>
-              <a:t>Effectiveness</a:t>
-            </a:r>
-            <a:r>
-              <a:rPr lang="en-US" sz="1600" dirty="0">
-                <a:solidFill>
-                  <a:schemeClr val="accent1"/>
-                </a:solidFill>
-                <a:ea typeface="ＭＳ Ｐゴシック" pitchFamily="-106" charset="-128"/>
-                <a:cs typeface="ＭＳ Ｐゴシック" pitchFamily="-106" charset="-128"/>
-              </a:rPr>
-              <a:t> </a:t>
-            </a:r>
-            <a:r>
-              <a:rPr lang="en-US" sz="1600" dirty="0">
-                <a:ea typeface="ＭＳ Ｐゴシック" pitchFamily="-106" charset="-128"/>
-                <a:cs typeface="ＭＳ Ｐゴシック" pitchFamily="-106" charset="-128"/>
-              </a:rPr>
-              <a:t>is the extent to which an established goal is achieved, and </a:t>
-            </a:r>
-            <a:r>
-              <a:rPr lang="en-US" sz="1600" b="1" dirty="0">
-                <a:solidFill>
-                  <a:schemeClr val="accent1"/>
-                </a:solidFill>
-                <a:ea typeface="ＭＳ Ｐゴシック" pitchFamily="-106" charset="-128"/>
-                <a:cs typeface="ＭＳ Ｐゴシック" pitchFamily="-106" charset="-128"/>
-              </a:rPr>
-              <a:t>efficiency</a:t>
-            </a:r>
-            <a:r>
-              <a:rPr lang="en-US" sz="1600" dirty="0">
-                <a:ea typeface="ＭＳ Ｐゴシック" pitchFamily="-106" charset="-128"/>
-                <a:cs typeface="ＭＳ Ｐゴシック" pitchFamily="-106" charset="-128"/>
-              </a:rPr>
-              <a:t> is the ratio between the goal achieved and the effort required. But the goal may be not morally justified ...</a:t>
-            </a:r>
-          </a:p>
-          <a:p>
-            <a:pPr marL="179388" lvl="1" indent="0" algn="r">
-              <a:buSzPct val="80000"/>
-              <a:buNone/>
-            </a:pPr>
-            <a:r>
-              <a:rPr lang="en-US" sz="1200" dirty="0">
-                <a:ea typeface="ＭＳ Ｐゴシック" pitchFamily="-106" charset="-128"/>
-                <a:cs typeface="ＭＳ Ｐゴシック" pitchFamily="-106" charset="-128"/>
-              </a:rPr>
-              <a:t>(Frederick W. Taylor (1856-1915), Adolf Eichmann (1906-1962</a:t>
-            </a:r>
-            <a:r>
-              <a:rPr lang="en-US" sz="1200" b="1" baseline="30000" dirty="0">
-                <a:ea typeface="ＭＳ Ｐゴシック" pitchFamily="-106" charset="-128"/>
-                <a:cs typeface="ＭＳ Ｐゴシック" pitchFamily="-106" charset="-128"/>
-              </a:rPr>
-              <a:t>+</a:t>
-            </a:r>
-            <a:r>
-              <a:rPr lang="en-US" sz="1200" dirty="0">
-                <a:ea typeface="ＭＳ Ｐゴシック" pitchFamily="-106" charset="-128"/>
-                <a:cs typeface="ＭＳ Ｐゴシック" pitchFamily="-106" charset="-128"/>
-              </a:rPr>
-              <a:t>))</a:t>
-            </a:r>
-          </a:p>
-          <a:p>
-            <a:pPr lvl="1" eaLnBrk="1" hangingPunct="1">
+              <a:t>Consideration of the consequences;</a:t>
+            </a:r>
+          </a:p>
+          <a:p>
+            <a:pPr lvl="1">
               <a:buSzPct val="80000"/>
               <a:buFont typeface=".AppleSDGothicNeoI-Regular" charset="-127"/>
               <a:buChar char="◼︎"/>
             </a:pPr>
             <a:r>
-              <a:rPr lang="en-US" sz="1600" b="1" dirty="0">
-                <a:solidFill>
-                  <a:schemeClr val="accent1"/>
-                </a:solidFill>
+              <a:rPr lang="en-US" sz="2000" dirty="0">
                 <a:ea typeface="ＭＳ Ｐゴシック" pitchFamily="-106" charset="-128"/>
                 <a:cs typeface="ＭＳ Ｐゴシック" pitchFamily="-106" charset="-128"/>
               </a:rPr>
-              <a:t>Human welfare</a:t>
-            </a:r>
-            <a:r>
-              <a:rPr lang="en-US" sz="1600" dirty="0">
-                <a:ea typeface="ＭＳ Ｐゴシック" pitchFamily="-106" charset="-128"/>
-                <a:cs typeface="ＭＳ Ｐゴシック" pitchFamily="-106" charset="-128"/>
-              </a:rPr>
-              <a:t>: It is for sure laudable, but is a moral obligation for all engineers? Shows that engineering is not morally neutral!</a:t>
-            </a:r>
-          </a:p>
-          <a:p>
-            <a:pPr lvl="1" eaLnBrk="1" hangingPunct="1">
+              <a:t>Autonomy, i.e., the ability to make one’s own independent moral decisions;</a:t>
+            </a:r>
+          </a:p>
+          <a:p>
+            <a:pPr lvl="1">
               <a:buSzPct val="80000"/>
               <a:buFont typeface=".AppleSDGothicNeoI-Regular" charset="-127"/>
               <a:buChar char="◼︎"/>
             </a:pPr>
-            <a:endParaRPr lang="en-US" dirty="0">
-              <a:ea typeface="ＭＳ Ｐゴシック" pitchFamily="-106" charset="-128"/>
-              <a:cs typeface="ＭＳ Ｐゴシック" pitchFamily="-106" charset="-128"/>
-            </a:endParaRPr>
+            <a:r>
+              <a:rPr lang="en-US" sz="2000" dirty="0">
+                <a:ea typeface="ＭＳ Ｐゴシック" pitchFamily="-106" charset="-128"/>
+                <a:cs typeface="ＭＳ Ｐゴシック" pitchFamily="-106" charset="-128"/>
+              </a:rPr>
+              <a:t>Displaying conduct that is based on a verifiable and consistent code; and</a:t>
+            </a:r>
+          </a:p>
+          <a:p>
+            <a:pPr lvl="1">
+              <a:buSzPct val="80000"/>
+              <a:buFont typeface=".AppleSDGothicNeoI-Regular" charset="-127"/>
+              <a:buChar char="◼︎"/>
+            </a:pPr>
+            <a:r>
+              <a:rPr lang="en-US" sz="2000" dirty="0">
+                <a:ea typeface="ＭＳ Ｐゴシック" pitchFamily="-106" charset="-128"/>
+                <a:cs typeface="ＭＳ Ｐゴシック" pitchFamily="-106" charset="-128"/>
+              </a:rPr>
+              <a:t>Taking role obligations seriously.</a:t>
+            </a:r>
           </a:p>
           <a:p>
             <a:pPr marL="0" indent="0"/>
-            <a:endParaRPr lang="de-DE" dirty="0">
+            <a:endParaRPr lang="de-DE" sz="2000" dirty="0">
               <a:ea typeface="ＭＳ Ｐゴシック" pitchFamily="-106" charset="-128"/>
               <a:cs typeface="ＭＳ Ｐゴシック" pitchFamily="-106" charset="-128"/>
             </a:endParaRPr>
@@ -13158,7 +12775,7 @@
         </p:nvSpPr>
         <p:spPr>
           <a:xfrm>
-            <a:off x="9253947" y="5980460"/>
+            <a:off x="9356993" y="5778414"/>
             <a:ext cx="2835007" cy="369332"/>
           </a:xfrm>
           <a:prstGeom prst="rect">
@@ -13173,7 +12790,7 @@
           <a:lstStyle/>
           <a:p>
             <a:r>
-              <a:rPr lang="en-GB" dirty="0">
+              <a:rPr lang="en-GB">
                 <a:latin typeface="Arial" pitchFamily="-112" charset="0"/>
                 <a:ea typeface="ＭＳ Ｐゴシック" pitchFamily="-112" charset="-128"/>
                 <a:cs typeface="ＭＳ Ｐゴシック" pitchFamily="-112" charset="-128"/>
@@ -13187,7 +12804,7 @@
     </p:spTree>
     <p:extLst>
       <p:ext uri="{BB962C8B-B14F-4D97-AF65-F5344CB8AC3E}">
-        <p14:creationId xmlns:p14="http://schemas.microsoft.com/office/powerpoint/2010/main" val="1769299956"/>
+        <p14:creationId xmlns:p14="http://schemas.microsoft.com/office/powerpoint/2010/main" val="1976200955"/>
       </p:ext>
     </p:extLst>
   </p:cSld>
@@ -13226,6 +12843,392 @@
         </p:nvSpPr>
         <p:spPr>
           <a:xfrm>
+            <a:off x="221673" y="0"/>
+            <a:ext cx="9836727" cy="637849"/>
+          </a:xfrm>
+        </p:spPr>
+        <p:txBody>
+          <a:bodyPr/>
+          <a:lstStyle/>
+          <a:p>
+            <a:pPr eaLnBrk="1" hangingPunct="1"/>
+            <a:r>
+              <a:rPr lang="en-US" sz="3200" b="1" dirty="0">
+                <a:ea typeface="ＭＳ Ｐゴシック" pitchFamily="-106" charset="-128"/>
+                <a:cs typeface="ＭＳ Ｐゴシック" pitchFamily="-106" charset="-128"/>
+              </a:rPr>
+              <a:t>Active Responsibility &amp; Engineering Ideals</a:t>
+            </a:r>
+            <a:endParaRPr lang="de-DE" sz="3200" b="1" dirty="0">
+              <a:ea typeface="ＭＳ Ｐゴシック" pitchFamily="-106" charset="-128"/>
+              <a:cs typeface="ＭＳ Ｐゴシック" pitchFamily="-106" charset="-128"/>
+            </a:endParaRPr>
+          </a:p>
+        </p:txBody>
+      </p:sp>
+      <p:sp>
+        <p:nvSpPr>
+          <p:cNvPr id="32773" name="Rectangle 3"/>
+          <p:cNvSpPr>
+            <a:spLocks noGrp="1" noChangeArrowheads="1"/>
+          </p:cNvSpPr>
+          <p:nvPr>
+            <p:ph idx="1"/>
+          </p:nvPr>
+        </p:nvSpPr>
+        <p:spPr>
+          <a:xfrm>
+            <a:off x="303502" y="897246"/>
+            <a:ext cx="11285825" cy="4823817"/>
+          </a:xfrm>
+        </p:spPr>
+        <p:txBody>
+          <a:bodyPr>
+            <a:normAutofit/>
+          </a:bodyPr>
+          <a:lstStyle/>
+          <a:p>
+            <a:pPr eaLnBrk="1" hangingPunct="1">
+              <a:buClr>
+                <a:schemeClr val="accent1"/>
+              </a:buClr>
+              <a:buSzPct val="80000"/>
+              <a:buFont typeface=".AppleSDGothicNeoI-Regular" charset="-127"/>
+              <a:buChar char="◼︎"/>
+            </a:pPr>
+            <a:r>
+              <a:rPr lang="en-US" b="1" dirty="0">
+                <a:solidFill>
+                  <a:schemeClr val="accent1"/>
+                </a:solidFill>
+                <a:ea typeface="ＭＳ Ｐゴシック" pitchFamily="-106" charset="-128"/>
+                <a:cs typeface="ＭＳ Ｐゴシック" pitchFamily="-106" charset="-128"/>
+              </a:rPr>
+              <a:t>Ideals</a:t>
+            </a:r>
+            <a:r>
+              <a:rPr lang="en-US" dirty="0">
+                <a:solidFill>
+                  <a:schemeClr val="accent1"/>
+                </a:solidFill>
+                <a:ea typeface="ＭＳ Ｐゴシック" pitchFamily="-106" charset="-128"/>
+                <a:cs typeface="ＭＳ Ｐゴシック" pitchFamily="-106" charset="-128"/>
+              </a:rPr>
+              <a:t> </a:t>
+            </a:r>
+            <a:r>
+              <a:rPr lang="en-US" dirty="0">
+                <a:ea typeface="ＭＳ Ｐゴシック" pitchFamily="-106" charset="-128"/>
+                <a:cs typeface="ＭＳ Ｐゴシック" pitchFamily="-106" charset="-128"/>
+              </a:rPr>
+              <a:t>or strivings which are particularly motivating and inspiring for the person having them, and which aim at achieving an optimum or maximum.</a:t>
+            </a:r>
+          </a:p>
+          <a:p>
+            <a:pPr eaLnBrk="1" hangingPunct="1">
+              <a:buClr>
+                <a:schemeClr val="accent1"/>
+              </a:buClr>
+              <a:buSzPct val="80000"/>
+              <a:buFont typeface=".AppleSDGothicNeoI-Regular" charset="-127"/>
+              <a:buChar char="◼︎"/>
+            </a:pPr>
+            <a:r>
+              <a:rPr lang="en-US" b="1" dirty="0">
+                <a:solidFill>
+                  <a:schemeClr val="accent1"/>
+                </a:solidFill>
+                <a:ea typeface="ＭＳ Ｐゴシック" pitchFamily="-106" charset="-128"/>
+                <a:cs typeface="ＭＳ Ｐゴシック" pitchFamily="-106" charset="-128"/>
+              </a:rPr>
+              <a:t>Professional ideals </a:t>
+            </a:r>
+            <a:r>
+              <a:rPr lang="en-US" dirty="0">
+                <a:ea typeface="ＭＳ Ｐゴシック" pitchFamily="-106" charset="-128"/>
+                <a:cs typeface="ＭＳ Ｐゴシック" pitchFamily="-106" charset="-128"/>
+              </a:rPr>
+              <a:t>are closely aligned to a profession and can only be aspired to by carrying out the profession.</a:t>
+            </a:r>
+          </a:p>
+          <a:p>
+            <a:pPr lvl="1" eaLnBrk="1" hangingPunct="1">
+              <a:buSzPct val="80000"/>
+              <a:buFont typeface=".AppleSDGothicNeoI-Regular" charset="-127"/>
+              <a:buChar char="◼︎"/>
+            </a:pPr>
+            <a:r>
+              <a:rPr lang="en-US" sz="1600" b="1" dirty="0">
+                <a:solidFill>
+                  <a:schemeClr val="accent1"/>
+                </a:solidFill>
+                <a:ea typeface="ＭＳ Ｐゴシック" pitchFamily="-106" charset="-128"/>
+                <a:cs typeface="ＭＳ Ｐゴシック" pitchFamily="-106" charset="-128"/>
+              </a:rPr>
+              <a:t>Technological enthusiasm</a:t>
+            </a:r>
+            <a:r>
+              <a:rPr lang="en-US" sz="1600" dirty="0">
+                <a:ea typeface="ＭＳ Ｐゴシック" pitchFamily="-106" charset="-128"/>
+                <a:cs typeface="ＭＳ Ｐゴシック" pitchFamily="-106" charset="-128"/>
+              </a:rPr>
+              <a:t>: The ideal of wanting to develop new technological possibilities and taking up technological challenges. Not morally improper, but leads to easily overlook moral issues ...</a:t>
+            </a:r>
+          </a:p>
+          <a:p>
+            <a:pPr marL="179388" lvl="1" indent="0" algn="r">
+              <a:buSzPct val="80000"/>
+              <a:buNone/>
+            </a:pPr>
+            <a:r>
+              <a:rPr lang="en-US" sz="1200" dirty="0">
+                <a:ea typeface="ＭＳ Ｐゴシック" pitchFamily="-106" charset="-128"/>
+                <a:cs typeface="ＭＳ Ｐゴシック" pitchFamily="-106" charset="-128"/>
+              </a:rPr>
+              <a:t>(</a:t>
+            </a:r>
+            <a:r>
+              <a:rPr lang="en-US" sz="1200" dirty="0" err="1">
+                <a:ea typeface="ＭＳ Ｐゴシック" pitchFamily="-106" charset="-128"/>
+                <a:cs typeface="ＭＳ Ｐゴシック" pitchFamily="-106" charset="-128"/>
+              </a:rPr>
+              <a:t>Wernher</a:t>
+            </a:r>
+            <a:r>
+              <a:rPr lang="en-US" sz="1200" dirty="0">
+                <a:ea typeface="ＭＳ Ｐゴシック" pitchFamily="-106" charset="-128"/>
+                <a:cs typeface="ＭＳ Ｐゴシック" pitchFamily="-106" charset="-128"/>
+              </a:rPr>
+              <a:t> von Braun (1912-1977)</a:t>
+            </a:r>
+          </a:p>
+          <a:p>
+            <a:pPr lvl="1" eaLnBrk="1" hangingPunct="1">
+              <a:buSzPct val="80000"/>
+              <a:buFont typeface=".AppleSDGothicNeoI-Regular" charset="-127"/>
+              <a:buChar char="◼︎"/>
+            </a:pPr>
+            <a:r>
+              <a:rPr lang="en-US" sz="1600" b="1" dirty="0">
+                <a:solidFill>
+                  <a:schemeClr val="accent1"/>
+                </a:solidFill>
+                <a:ea typeface="ＭＳ Ｐゴシック" pitchFamily="-106" charset="-128"/>
+                <a:cs typeface="ＭＳ Ｐゴシック" pitchFamily="-106" charset="-128"/>
+              </a:rPr>
+              <a:t>Effectiveness</a:t>
+            </a:r>
+            <a:r>
+              <a:rPr lang="en-US" sz="1600" dirty="0">
+                <a:solidFill>
+                  <a:schemeClr val="accent1"/>
+                </a:solidFill>
+                <a:ea typeface="ＭＳ Ｐゴシック" pitchFamily="-106" charset="-128"/>
+                <a:cs typeface="ＭＳ Ｐゴシック" pitchFamily="-106" charset="-128"/>
+              </a:rPr>
+              <a:t> </a:t>
+            </a:r>
+            <a:r>
+              <a:rPr lang="en-US" sz="1600" dirty="0">
+                <a:ea typeface="ＭＳ Ｐゴシック" pitchFamily="-106" charset="-128"/>
+                <a:cs typeface="ＭＳ Ｐゴシック" pitchFamily="-106" charset="-128"/>
+              </a:rPr>
+              <a:t>is the extent to which an established goal is achieved, and </a:t>
+            </a:r>
+            <a:r>
+              <a:rPr lang="en-US" sz="1600" b="1" dirty="0">
+                <a:solidFill>
+                  <a:schemeClr val="accent1"/>
+                </a:solidFill>
+                <a:ea typeface="ＭＳ Ｐゴシック" pitchFamily="-106" charset="-128"/>
+                <a:cs typeface="ＭＳ Ｐゴシック" pitchFamily="-106" charset="-128"/>
+              </a:rPr>
+              <a:t>efficiency</a:t>
+            </a:r>
+            <a:r>
+              <a:rPr lang="en-US" sz="1600" dirty="0">
+                <a:ea typeface="ＭＳ Ｐゴシック" pitchFamily="-106" charset="-128"/>
+                <a:cs typeface="ＭＳ Ｐゴシック" pitchFamily="-106" charset="-128"/>
+              </a:rPr>
+              <a:t> is the ratio between the goal achieved and the effort required. But the goal may be not morally justified ...</a:t>
+            </a:r>
+          </a:p>
+          <a:p>
+            <a:pPr marL="179388" lvl="1" indent="0" algn="r">
+              <a:buSzPct val="80000"/>
+              <a:buNone/>
+            </a:pPr>
+            <a:r>
+              <a:rPr lang="en-US" sz="1200" dirty="0">
+                <a:ea typeface="ＭＳ Ｐゴシック" pitchFamily="-106" charset="-128"/>
+                <a:cs typeface="ＭＳ Ｐゴシック" pitchFamily="-106" charset="-128"/>
+              </a:rPr>
+              <a:t>(Frederick W. Taylor (1856-1915), Adolf Eichmann (1906-1962</a:t>
+            </a:r>
+            <a:r>
+              <a:rPr lang="en-US" sz="1200" b="1" baseline="30000" dirty="0">
+                <a:ea typeface="ＭＳ Ｐゴシック" pitchFamily="-106" charset="-128"/>
+                <a:cs typeface="ＭＳ Ｐゴシック" pitchFamily="-106" charset="-128"/>
+              </a:rPr>
+              <a:t>+</a:t>
+            </a:r>
+            <a:r>
+              <a:rPr lang="en-US" sz="1200" dirty="0">
+                <a:ea typeface="ＭＳ Ｐゴシック" pitchFamily="-106" charset="-128"/>
+                <a:cs typeface="ＭＳ Ｐゴシック" pitchFamily="-106" charset="-128"/>
+              </a:rPr>
+              <a:t>))</a:t>
+            </a:r>
+          </a:p>
+          <a:p>
+            <a:pPr lvl="1" eaLnBrk="1" hangingPunct="1">
+              <a:buSzPct val="80000"/>
+              <a:buFont typeface=".AppleSDGothicNeoI-Regular" charset="-127"/>
+              <a:buChar char="◼︎"/>
+            </a:pPr>
+            <a:r>
+              <a:rPr lang="en-US" sz="1600" b="1" dirty="0">
+                <a:solidFill>
+                  <a:schemeClr val="accent1"/>
+                </a:solidFill>
+                <a:ea typeface="ＭＳ Ｐゴシック" pitchFamily="-106" charset="-128"/>
+                <a:cs typeface="ＭＳ Ｐゴシック" pitchFamily="-106" charset="-128"/>
+              </a:rPr>
+              <a:t>Human welfare</a:t>
+            </a:r>
+            <a:r>
+              <a:rPr lang="en-US" sz="1600" dirty="0">
+                <a:ea typeface="ＭＳ Ｐゴシック" pitchFamily="-106" charset="-128"/>
+                <a:cs typeface="ＭＳ Ｐゴシック" pitchFamily="-106" charset="-128"/>
+              </a:rPr>
+              <a:t>: It is for sure laudable, but is a moral obligation for all engineers? Shows that engineering is not morally neutral!</a:t>
+            </a:r>
+          </a:p>
+          <a:p>
+            <a:pPr lvl="1" eaLnBrk="1" hangingPunct="1">
+              <a:buSzPct val="80000"/>
+              <a:buFont typeface=".AppleSDGothicNeoI-Regular" charset="-127"/>
+              <a:buChar char="◼︎"/>
+            </a:pPr>
+            <a:endParaRPr lang="en-US" dirty="0">
+              <a:ea typeface="ＭＳ Ｐゴシック" pitchFamily="-106" charset="-128"/>
+              <a:cs typeface="ＭＳ Ｐゴシック" pitchFamily="-106" charset="-128"/>
+            </a:endParaRPr>
+          </a:p>
+          <a:p>
+            <a:pPr marL="0" indent="0"/>
+            <a:endParaRPr lang="de-DE" dirty="0">
+              <a:ea typeface="ＭＳ Ｐゴシック" pitchFamily="-106" charset="-128"/>
+              <a:cs typeface="ＭＳ Ｐゴシック" pitchFamily="-106" charset="-128"/>
+            </a:endParaRPr>
+          </a:p>
+        </p:txBody>
+      </p:sp>
+      <p:sp>
+        <p:nvSpPr>
+          <p:cNvPr id="5" name="Slide Number Placeholder 4"/>
+          <p:cNvSpPr>
+            <a:spLocks noGrp="1"/>
+          </p:cNvSpPr>
+          <p:nvPr>
+            <p:ph type="sldNum" sz="quarter" idx="12"/>
+          </p:nvPr>
+        </p:nvSpPr>
+        <p:spPr/>
+        <p:txBody>
+          <a:bodyPr/>
+          <a:lstStyle/>
+          <a:p>
+            <a:pPr>
+              <a:defRPr/>
+            </a:pPr>
+            <a:fld id="{0DF685E1-000B-FF46-B3AC-A509A8EDE44A}" type="slidenum">
+              <a:rPr lang="de-DE" smtClean="0"/>
+              <a:pPr>
+                <a:defRPr/>
+              </a:pPr>
+              <a:t>13</a:t>
+            </a:fld>
+            <a:endParaRPr lang="de-DE"/>
+          </a:p>
+        </p:txBody>
+      </p:sp>
+      <p:sp>
+        <p:nvSpPr>
+          <p:cNvPr id="2" name="TextBox 1"/>
+          <p:cNvSpPr txBox="1"/>
+          <p:nvPr/>
+        </p:nvSpPr>
+        <p:spPr>
+          <a:xfrm>
+            <a:off x="9253947" y="5980460"/>
+            <a:ext cx="2835007" cy="369332"/>
+          </a:xfrm>
+          <a:prstGeom prst="rect">
+            <a:avLst/>
+          </a:prstGeom>
+          <a:noFill/>
+        </p:spPr>
+        <p:txBody>
+          <a:bodyPr wrap="none" rtlCol="0">
+            <a:spAutoFit/>
+          </a:bodyPr>
+          <a:lstStyle/>
+          <a:p>
+            <a:r>
+              <a:rPr lang="en-GB" dirty="0">
+                <a:latin typeface="Arial" pitchFamily="-112" charset="0"/>
+                <a:ea typeface="ＭＳ Ｐゴシック" pitchFamily="-112" charset="-128"/>
+                <a:cs typeface="ＭＳ Ｐゴシック" pitchFamily="-112" charset="-128"/>
+              </a:rPr>
+              <a:t>[dePoel&amp;Royakkers2011] </a:t>
+            </a:r>
+            <a:endParaRPr lang="en-US" dirty="0"/>
+          </a:p>
+        </p:txBody>
+      </p:sp>
+    </p:spTree>
+    <p:extLst>
+      <p:ext uri="{BB962C8B-B14F-4D97-AF65-F5344CB8AC3E}">
+        <p14:creationId xmlns:p14="http://schemas.microsoft.com/office/powerpoint/2010/main" val="1769299956"/>
+      </p:ext>
+    </p:extLst>
+  </p:cSld>
+  <p:clrMapOvr>
+    <a:masterClrMapping/>
+  </p:clrMapOvr>
+</p:sld>
+</file>
+
+<file path=ppt/slides/slide14.xml><?xml version="1.0" encoding="utf-8"?>
+<p:sld xmlns:a="http://schemas.openxmlformats.org/drawingml/2006/main" xmlns:r="http://schemas.openxmlformats.org/officeDocument/2006/relationships" xmlns:p="http://schemas.openxmlformats.org/presentationml/2006/main">
+  <p:cSld>
+    <p:spTree>
+      <p:nvGrpSpPr>
+        <p:cNvPr id="1" name=""/>
+        <p:cNvGrpSpPr/>
+        <p:nvPr/>
+      </p:nvGrpSpPr>
+      <p:grpSpPr>
+        <a:xfrm>
+          <a:off x="0" y="0"/>
+          <a:ext cx="0" cy="0"/>
+          <a:chOff x="0" y="0"/>
+          <a:chExt cx="0" cy="0"/>
+        </a:xfrm>
+      </p:grpSpPr>
+      <p:sp>
+        <p:nvSpPr>
+          <p:cNvPr id="32772" name="Rectangle 2"/>
+          <p:cNvSpPr>
+            <a:spLocks noGrp="1" noChangeArrowheads="1"/>
+          </p:cNvSpPr>
+          <p:nvPr>
+            <p:ph type="title"/>
+          </p:nvPr>
+        </p:nvSpPr>
+        <p:spPr>
+          <a:xfrm>
             <a:off x="187036" y="0"/>
             <a:ext cx="9968346" cy="1007181"/>
           </a:xfrm>
@@ -13507,7 +13510,7 @@
               <a:pPr>
                 <a:defRPr/>
               </a:pPr>
-              <a:t>13</a:t>
+              <a:t>14</a:t>
             </a:fld>
             <a:endParaRPr lang="de-DE"/>
           </a:p>
@@ -13778,7 +13781,7 @@
 </p:sld>
 </file>
 
-<file path=ppt/slides/slide14.xml><?xml version="1.0" encoding="utf-8"?>
+<file path=ppt/slides/slide15.xml><?xml version="1.0" encoding="utf-8"?>
 <p:sld xmlns:a="http://schemas.openxmlformats.org/drawingml/2006/main" xmlns:r="http://schemas.openxmlformats.org/officeDocument/2006/relationships" xmlns:p="http://schemas.openxmlformats.org/presentationml/2006/main">
   <p:cSld>
     <p:spTree>
@@ -13955,7 +13958,7 @@
               <a:pPr>
                 <a:defRPr/>
               </a:pPr>
-              <a:t>14</a:t>
+              <a:t>15</a:t>
             </a:fld>
             <a:endParaRPr lang="de-DE"/>
           </a:p>
@@ -14401,287 +14404,6 @@
 </p:sld>
 </file>
 
-<file path=ppt/slides/slide15.xml><?xml version="1.0" encoding="utf-8"?>
-<p:sld xmlns:a="http://schemas.openxmlformats.org/drawingml/2006/main" xmlns:r="http://schemas.openxmlformats.org/officeDocument/2006/relationships" xmlns:p="http://schemas.openxmlformats.org/presentationml/2006/main">
-  <p:cSld>
-    <p:spTree>
-      <p:nvGrpSpPr>
-        <p:cNvPr id="1" name=""/>
-        <p:cNvGrpSpPr/>
-        <p:nvPr/>
-      </p:nvGrpSpPr>
-      <p:grpSpPr>
-        <a:xfrm>
-          <a:off x="0" y="0"/>
-          <a:ext cx="0" cy="0"/>
-          <a:chOff x="0" y="0"/>
-          <a:chExt cx="0" cy="0"/>
-        </a:xfrm>
-      </p:grpSpPr>
-      <p:sp>
-        <p:nvSpPr>
-          <p:cNvPr id="32772" name="Rectangle 2"/>
-          <p:cNvSpPr>
-            <a:spLocks noGrp="1" noChangeArrowheads="1"/>
-          </p:cNvSpPr>
-          <p:nvPr>
-            <p:ph type="title"/>
-          </p:nvPr>
-        </p:nvSpPr>
-        <p:spPr>
-          <a:xfrm>
-            <a:off x="207817" y="0"/>
-            <a:ext cx="9940637" cy="576293"/>
-          </a:xfrm>
-        </p:spPr>
-        <p:txBody>
-          <a:bodyPr/>
-          <a:lstStyle/>
-          <a:p>
-            <a:pPr eaLnBrk="1" hangingPunct="1"/>
-            <a:r>
-              <a:rPr lang="en-US" sz="2800" b="1" dirty="0">
-                <a:ea typeface="ＭＳ Ｐゴシック" pitchFamily="-106" charset="-128"/>
-                <a:cs typeface="ＭＳ Ｐゴシック" pitchFamily="-106" charset="-128"/>
-              </a:rPr>
-              <a:t>Active Responsibility: Technology Assessment</a:t>
-            </a:r>
-            <a:endParaRPr lang="de-DE" sz="2800" b="1" dirty="0">
-              <a:ea typeface="ＭＳ Ｐゴシック" pitchFamily="-106" charset="-128"/>
-              <a:cs typeface="ＭＳ Ｐゴシック" pitchFamily="-106" charset="-128"/>
-            </a:endParaRPr>
-          </a:p>
-        </p:txBody>
-      </p:sp>
-      <p:sp>
-        <p:nvSpPr>
-          <p:cNvPr id="32773" name="Rectangle 3"/>
-          <p:cNvSpPr>
-            <a:spLocks noGrp="1" noChangeArrowheads="1"/>
-          </p:cNvSpPr>
-          <p:nvPr>
-            <p:ph idx="1"/>
-          </p:nvPr>
-        </p:nvSpPr>
-        <p:spPr>
-          <a:xfrm>
-            <a:off x="374073" y="1017091"/>
-            <a:ext cx="11478491" cy="4823817"/>
-          </a:xfrm>
-        </p:spPr>
-        <p:txBody>
-          <a:bodyPr>
-            <a:normAutofit/>
-          </a:bodyPr>
-          <a:lstStyle/>
-          <a:p>
-            <a:pPr eaLnBrk="1" hangingPunct="1">
-              <a:buClr>
-                <a:schemeClr val="accent1"/>
-              </a:buClr>
-              <a:buSzPct val="80000"/>
-              <a:buFont typeface=".AppleSDGothicNeoI-Regular" charset="-127"/>
-              <a:buChar char="◼︎"/>
-            </a:pPr>
-            <a:r>
-              <a:rPr lang="en-US" b="1" dirty="0">
-                <a:solidFill>
-                  <a:schemeClr val="accent1"/>
-                </a:solidFill>
-                <a:ea typeface="ＭＳ Ｐゴシック" pitchFamily="-106" charset="-128"/>
-                <a:cs typeface="ＭＳ Ｐゴシック" pitchFamily="-106" charset="-128"/>
-              </a:rPr>
-              <a:t>Technology Assessment (TA)</a:t>
-            </a:r>
-            <a:r>
-              <a:rPr lang="en-US" dirty="0">
-                <a:ea typeface="ＭＳ Ｐゴシック" pitchFamily="-106" charset="-128"/>
-                <a:cs typeface="ＭＳ Ｐゴシック" pitchFamily="-106" charset="-128"/>
-              </a:rPr>
-              <a:t>: Systematic method for exploring future technology developments and assessing their potential societal consequences.</a:t>
-            </a:r>
-          </a:p>
-          <a:p>
-            <a:pPr eaLnBrk="1" hangingPunct="1">
-              <a:buClr>
-                <a:schemeClr val="accent1"/>
-              </a:buClr>
-              <a:buSzPct val="80000"/>
-              <a:buFont typeface=".AppleSDGothicNeoI-Regular" charset="-127"/>
-              <a:buChar char="◼︎"/>
-            </a:pPr>
-            <a:endParaRPr lang="en-US" dirty="0">
-              <a:ea typeface="ＭＳ Ｐゴシック" pitchFamily="-106" charset="-128"/>
-              <a:cs typeface="ＭＳ Ｐゴシック" pitchFamily="-106" charset="-128"/>
-            </a:endParaRPr>
-          </a:p>
-          <a:p>
-            <a:pPr eaLnBrk="1" hangingPunct="1">
-              <a:buClr>
-                <a:schemeClr val="accent1"/>
-              </a:buClr>
-              <a:buSzPct val="80000"/>
-              <a:buFont typeface=".AppleSDGothicNeoI-Regular" charset="-127"/>
-              <a:buChar char="◼︎"/>
-            </a:pPr>
-            <a:r>
-              <a:rPr lang="en-US" b="1" dirty="0" err="1">
-                <a:solidFill>
-                  <a:schemeClr val="accent1"/>
-                </a:solidFill>
-                <a:ea typeface="ＭＳ Ｐゴシック" pitchFamily="-106" charset="-128"/>
-                <a:cs typeface="ＭＳ Ｐゴシック" pitchFamily="-106" charset="-128"/>
-              </a:rPr>
-              <a:t>Collingridge</a:t>
-            </a:r>
-            <a:r>
-              <a:rPr lang="en-US" b="1" dirty="0">
-                <a:solidFill>
-                  <a:schemeClr val="accent1"/>
-                </a:solidFill>
-                <a:ea typeface="ＭＳ Ｐゴシック" pitchFamily="-106" charset="-128"/>
-                <a:cs typeface="ＭＳ Ｐゴシック" pitchFamily="-106" charset="-128"/>
-              </a:rPr>
-              <a:t> Dilemma</a:t>
-            </a:r>
-            <a:r>
-              <a:rPr lang="en-US" dirty="0">
-                <a:ea typeface="ＭＳ Ｐゴシック" pitchFamily="-106" charset="-128"/>
-                <a:cs typeface="ＭＳ Ｐゴシック" pitchFamily="-106" charset="-128"/>
-              </a:rPr>
-              <a:t>: The double-blind problem to control the direction of technological development. On the one hand, it is often not possible to predict the consequences of new technology early on. On the other hand, once the (negative) consequences materialize, it often has become difficult to change the direction. </a:t>
-            </a:r>
-          </a:p>
-          <a:p>
-            <a:pPr eaLnBrk="1" hangingPunct="1">
-              <a:buClr>
-                <a:schemeClr val="accent1"/>
-              </a:buClr>
-              <a:buSzPct val="80000"/>
-            </a:pPr>
-            <a:r>
-              <a:rPr lang="en-US" dirty="0">
-                <a:ea typeface="ＭＳ Ｐゴシック" pitchFamily="-106" charset="-128"/>
-                <a:cs typeface="ＭＳ Ｐゴシック" pitchFamily="-106" charset="-128"/>
-              </a:rPr>
-              <a:t> </a:t>
-            </a:r>
-          </a:p>
-          <a:p>
-            <a:pPr eaLnBrk="1" hangingPunct="1">
-              <a:buClr>
-                <a:schemeClr val="accent1"/>
-              </a:buClr>
-              <a:buSzPct val="80000"/>
-              <a:buFont typeface=".AppleSDGothicNeoI-Regular" charset="-127"/>
-              <a:buChar char="◼︎"/>
-            </a:pPr>
-            <a:r>
-              <a:rPr lang="en-US" b="1" dirty="0">
-                <a:solidFill>
-                  <a:schemeClr val="accent1"/>
-                </a:solidFill>
-                <a:ea typeface="ＭＳ Ｐゴシック" pitchFamily="-106" charset="-128"/>
-                <a:cs typeface="ＭＳ Ｐゴシック" pitchFamily="-106" charset="-128"/>
-              </a:rPr>
-              <a:t>Constructive Technology Assessment (CTA)</a:t>
-            </a:r>
-            <a:r>
-              <a:rPr lang="en-US" dirty="0">
-                <a:ea typeface="ＭＳ Ｐゴシック" pitchFamily="-106" charset="-128"/>
-                <a:cs typeface="ＭＳ Ｐゴシック" pitchFamily="-106" charset="-128"/>
-              </a:rPr>
-              <a:t>: TA approach in which TA-like efforts are carried out parallel to the process of technological development and are fed back to the development and design process.</a:t>
-            </a:r>
-            <a:br>
-              <a:rPr lang="en-US" dirty="0">
-                <a:ea typeface="ＭＳ Ｐゴシック" pitchFamily="-106" charset="-128"/>
-                <a:cs typeface="ＭＳ Ｐゴシック" pitchFamily="-106" charset="-128"/>
-              </a:rPr>
-            </a:br>
-            <a:endParaRPr lang="en-US" dirty="0">
-              <a:ea typeface="ＭＳ Ｐゴシック" pitchFamily="-106" charset="-128"/>
-              <a:cs typeface="ＭＳ Ｐゴシック" pitchFamily="-106" charset="-128"/>
-            </a:endParaRPr>
-          </a:p>
-        </p:txBody>
-      </p:sp>
-      <p:sp>
-        <p:nvSpPr>
-          <p:cNvPr id="5" name="Slide Number Placeholder 4"/>
-          <p:cNvSpPr>
-            <a:spLocks noGrp="1"/>
-          </p:cNvSpPr>
-          <p:nvPr>
-            <p:ph type="sldNum" sz="quarter" idx="12"/>
-          </p:nvPr>
-        </p:nvSpPr>
-        <p:spPr/>
-        <p:txBody>
-          <a:bodyPr/>
-          <a:lstStyle/>
-          <a:p>
-            <a:pPr>
-              <a:defRPr/>
-            </a:pPr>
-            <a:fld id="{0DF685E1-000B-FF46-B3AC-A509A8EDE44A}" type="slidenum">
-              <a:rPr lang="de-DE" smtClean="0"/>
-              <a:pPr>
-                <a:defRPr/>
-              </a:pPr>
-              <a:t>15</a:t>
-            </a:fld>
-            <a:endParaRPr lang="de-DE" dirty="0"/>
-          </a:p>
-        </p:txBody>
-      </p:sp>
-      <p:sp>
-        <p:nvSpPr>
-          <p:cNvPr id="2" name="TextBox 1"/>
-          <p:cNvSpPr txBox="1"/>
-          <p:nvPr/>
-        </p:nvSpPr>
-        <p:spPr>
-          <a:xfrm>
-            <a:off x="9017557" y="6097040"/>
-            <a:ext cx="2835007" cy="369332"/>
-          </a:xfrm>
-          <a:prstGeom prst="rect">
-            <a:avLst/>
-          </a:prstGeom>
-          <a:noFill/>
-        </p:spPr>
-        <p:txBody>
-          <a:bodyPr wrap="none" rtlCol="0">
-            <a:spAutoFit/>
-          </a:bodyPr>
-          <a:lstStyle/>
-          <a:p>
-            <a:r>
-              <a:rPr lang="en-GB" dirty="0">
-                <a:latin typeface="Arial" pitchFamily="-112" charset="0"/>
-                <a:ea typeface="ＭＳ Ｐゴシック" pitchFamily="-112" charset="-128"/>
-                <a:cs typeface="ＭＳ Ｐゴシック" pitchFamily="-112" charset="-128"/>
-              </a:rPr>
-              <a:t>[dePoel&amp;Royakkers2011] </a:t>
-            </a:r>
-            <a:endParaRPr lang="en-US" dirty="0"/>
-          </a:p>
-        </p:txBody>
-      </p:sp>
-    </p:spTree>
-    <p:extLst>
-      <p:ext uri="{BB962C8B-B14F-4D97-AF65-F5344CB8AC3E}">
-        <p14:creationId xmlns:p14="http://schemas.microsoft.com/office/powerpoint/2010/main" val="371519299"/>
-      </p:ext>
-    </p:extLst>
-  </p:cSld>
-  <p:clrMapOvr>
-    <a:masterClrMapping/>
-  </p:clrMapOvr>
-</p:sld>
-</file>
-
 <file path=ppt/slides/slide16.xml><?xml version="1.0" encoding="utf-8"?>
 <p:sld xmlns:a="http://schemas.openxmlformats.org/drawingml/2006/main" xmlns:r="http://schemas.openxmlformats.org/officeDocument/2006/relationships" xmlns:p="http://schemas.openxmlformats.org/presentationml/2006/main">
   <p:cSld>
@@ -14711,8 +14433,8 @@
         </p:nvSpPr>
         <p:spPr>
           <a:xfrm>
-            <a:off x="290945" y="0"/>
-            <a:ext cx="9892146" cy="637849"/>
+            <a:off x="207817" y="0"/>
+            <a:ext cx="9940637" cy="576293"/>
           </a:xfrm>
         </p:spPr>
         <p:txBody>
@@ -14721,13 +14443,13 @@
           <a:p>
             <a:pPr eaLnBrk="1" hangingPunct="1"/>
             <a:r>
-              <a:rPr lang="en-US" sz="3200" b="1" dirty="0">
+              <a:rPr lang="en-US" sz="2800" b="1" dirty="0">
                 <a:ea typeface="ＭＳ Ｐゴシック" pitchFamily="-106" charset="-128"/>
                 <a:cs typeface="ＭＳ Ｐゴシック" pitchFamily="-106" charset="-128"/>
               </a:rPr>
-              <a:t>Active Responsibility: Whistle-Blowing</a:t>
-            </a:r>
-            <a:endParaRPr lang="de-DE" sz="3200" b="1" dirty="0">
+              <a:t>Active Responsibility: Technology Assessment</a:t>
+            </a:r>
+            <a:endParaRPr lang="de-DE" sz="2800" b="1" dirty="0">
               <a:ea typeface="ＭＳ Ｐゴシック" pitchFamily="-106" charset="-128"/>
               <a:cs typeface="ＭＳ Ｐゴシック" pitchFamily="-106" charset="-128"/>
             </a:endParaRPr>
@@ -14746,13 +14468,93 @@
         </p:nvSpPr>
         <p:spPr>
           <a:xfrm>
-            <a:off x="290945" y="1128158"/>
-            <a:ext cx="11610110" cy="4623958"/>
+            <a:off x="374073" y="1017091"/>
+            <a:ext cx="11478491" cy="4823817"/>
           </a:xfrm>
         </p:spPr>
         <p:txBody>
-          <a:bodyPr/>
-          <a:lstStyle/>
+          <a:bodyPr>
+            <a:normAutofit/>
+          </a:bodyPr>
+          <a:lstStyle/>
+          <a:p>
+            <a:pPr eaLnBrk="1" hangingPunct="1">
+              <a:buClr>
+                <a:schemeClr val="accent1"/>
+              </a:buClr>
+              <a:buSzPct val="80000"/>
+              <a:buFont typeface=".AppleSDGothicNeoI-Regular" charset="-127"/>
+              <a:buChar char="◼︎"/>
+            </a:pPr>
+            <a:r>
+              <a:rPr lang="en-US" b="1" dirty="0">
+                <a:solidFill>
+                  <a:schemeClr val="accent1"/>
+                </a:solidFill>
+                <a:ea typeface="ＭＳ Ｐゴシック" pitchFamily="-106" charset="-128"/>
+                <a:cs typeface="ＭＳ Ｐゴシック" pitchFamily="-106" charset="-128"/>
+              </a:rPr>
+              <a:t>Technology Assessment (TA)</a:t>
+            </a:r>
+            <a:r>
+              <a:rPr lang="en-US" dirty="0">
+                <a:ea typeface="ＭＳ Ｐゴシック" pitchFamily="-106" charset="-128"/>
+                <a:cs typeface="ＭＳ Ｐゴシック" pitchFamily="-106" charset="-128"/>
+              </a:rPr>
+              <a:t>: Systematic method for exploring future technology developments and assessing their potential societal consequences.</a:t>
+            </a:r>
+          </a:p>
+          <a:p>
+            <a:pPr eaLnBrk="1" hangingPunct="1">
+              <a:buClr>
+                <a:schemeClr val="accent1"/>
+              </a:buClr>
+              <a:buSzPct val="80000"/>
+              <a:buFont typeface=".AppleSDGothicNeoI-Regular" charset="-127"/>
+              <a:buChar char="◼︎"/>
+            </a:pPr>
+            <a:endParaRPr lang="en-US" dirty="0">
+              <a:ea typeface="ＭＳ Ｐゴシック" pitchFamily="-106" charset="-128"/>
+              <a:cs typeface="ＭＳ Ｐゴシック" pitchFamily="-106" charset="-128"/>
+            </a:endParaRPr>
+          </a:p>
+          <a:p>
+            <a:pPr eaLnBrk="1" hangingPunct="1">
+              <a:buClr>
+                <a:schemeClr val="accent1"/>
+              </a:buClr>
+              <a:buSzPct val="80000"/>
+              <a:buFont typeface=".AppleSDGothicNeoI-Regular" charset="-127"/>
+              <a:buChar char="◼︎"/>
+            </a:pPr>
+            <a:r>
+              <a:rPr lang="en-US" b="1" dirty="0" err="1">
+                <a:solidFill>
+                  <a:schemeClr val="accent1"/>
+                </a:solidFill>
+                <a:ea typeface="ＭＳ Ｐゴシック" pitchFamily="-106" charset="-128"/>
+                <a:cs typeface="ＭＳ Ｐゴシック" pitchFamily="-106" charset="-128"/>
+              </a:rPr>
+              <a:t>Collingridge</a:t>
+            </a:r>
+            <a:r>
+              <a:rPr lang="en-US" b="1" dirty="0">
+                <a:solidFill>
+                  <a:schemeClr val="accent1"/>
+                </a:solidFill>
+                <a:ea typeface="ＭＳ Ｐゴシック" pitchFamily="-106" charset="-128"/>
+                <a:cs typeface="ＭＳ Ｐゴシック" pitchFamily="-106" charset="-128"/>
+              </a:rPr>
+              <a:t> Dilemma</a:t>
+            </a:r>
+            <a:r>
+              <a:rPr lang="en-US" dirty="0">
+                <a:ea typeface="ＭＳ Ｐゴシック" pitchFamily="-106" charset="-128"/>
+                <a:cs typeface="ＭＳ Ｐゴシック" pitchFamily="-106" charset="-128"/>
+              </a:rPr>
+              <a:t>: The double-blind problem to control the direction of technological development. On the one hand, it is often not possible to predict the consequences of new technology early on. On the other hand, once the (negative) consequences materialize, it often has become difficult to change the direction. </a:t>
+            </a:r>
+          </a:p>
           <a:p>
             <a:pPr eaLnBrk="1" hangingPunct="1">
               <a:buClr>
@@ -14761,92 +14563,49 @@
               <a:buSzPct val="80000"/>
             </a:pPr>
             <a:r>
-              <a:rPr lang="en-US" b="1" dirty="0">
-                <a:solidFill>
-                  <a:schemeClr val="accent1"/>
-                </a:solidFill>
-                <a:ea typeface="ＭＳ Ｐゴシック" pitchFamily="-106" charset="-128"/>
-                <a:cs typeface="ＭＳ Ｐゴシック" pitchFamily="-106" charset="-128"/>
-              </a:rPr>
-              <a:t>Whistle-Blowing</a:t>
-            </a:r>
-            <a:r>
               <a:rPr lang="en-US" dirty="0">
                 <a:ea typeface="ＭＳ Ｐゴシック" pitchFamily="-106" charset="-128"/>
                 <a:cs typeface="ＭＳ Ｐゴシック" pitchFamily="-106" charset="-128"/>
               </a:rPr>
-              <a:t>: The disclosure of certain abuses in a company by an employee in which he or she is employed, without the consent of his/her superiors, and in order to remedy these abuses and/or to warn the public about these abuses. Guidelines:</a:t>
-            </a:r>
-          </a:p>
-          <a:p>
-            <a:pPr lvl="1" eaLnBrk="1" hangingPunct="1">
+              <a:t> </a:t>
+            </a:r>
+          </a:p>
+          <a:p>
+            <a:pPr eaLnBrk="1" hangingPunct="1">
+              <a:buClr>
+                <a:schemeClr val="accent1"/>
+              </a:buClr>
               <a:buSzPct val="80000"/>
               <a:buFont typeface=".AppleSDGothicNeoI-Regular" charset="-127"/>
               <a:buChar char="◼︎"/>
             </a:pPr>
             <a:r>
-              <a:rPr lang="en-US" sz="1600" dirty="0">
+              <a:rPr lang="en-US" b="1" dirty="0">
+                <a:solidFill>
+                  <a:schemeClr val="accent1"/>
+                </a:solidFill>
                 <a:ea typeface="ＭＳ Ｐゴシック" pitchFamily="-106" charset="-128"/>
                 <a:cs typeface="ＭＳ Ｐゴシック" pitchFamily="-106" charset="-128"/>
               </a:rPr>
-              <a:t>Reason must be to prevent serious and considerable harm to the public</a:t>
-            </a:r>
-          </a:p>
-          <a:p>
-            <a:pPr lvl="1" eaLnBrk="1" hangingPunct="1">
-              <a:buSzPct val="80000"/>
-              <a:buFont typeface=".AppleSDGothicNeoI-Regular" charset="-127"/>
-              <a:buChar char="◼︎"/>
-            </a:pPr>
-            <a:r>
-              <a:rPr lang="en-US" sz="1600" dirty="0">
+              <a:t>Constructive Technology Assessment (CTA)</a:t>
+            </a:r>
+            <a:r>
+              <a:rPr lang="en-US" dirty="0">
                 <a:ea typeface="ＭＳ Ｐゴシック" pitchFamily="-106" charset="-128"/>
                 <a:cs typeface="ＭＳ Ｐゴシック" pitchFamily="-106" charset="-128"/>
               </a:rPr>
-              <a:t>The whistle-blower has identified the threat of harm, reported it to its superiors making clear the treat, and concluded that the superior will nothing effective.</a:t>
-            </a:r>
-          </a:p>
-          <a:p>
-            <a:pPr lvl="1" eaLnBrk="1" hangingPunct="1">
-              <a:buSzPct val="80000"/>
-              <a:buFont typeface=".AppleSDGothicNeoI-Regular" charset="-127"/>
-              <a:buChar char="◼︎"/>
-            </a:pPr>
-            <a:r>
-              <a:rPr lang="en-US" sz="1600" dirty="0">
+              <a:t>: TA approach in which TA-like efforts are carried out parallel to the process of technological development and are fed back to the development and design process.</a:t>
+            </a:r>
+            <a:br>
+              <a:rPr lang="en-US" dirty="0">
                 <a:ea typeface="ＭＳ Ｐゴシック" pitchFamily="-106" charset="-128"/>
                 <a:cs typeface="ＭＳ Ｐゴシック" pitchFamily="-106" charset="-128"/>
               </a:rPr>
-              <a:t>The whistle-blower has exhausted other internal procedures within the organization (as the danger to others and her own safety make reasonable)</a:t>
-            </a:r>
-          </a:p>
-          <a:p>
-            <a:pPr lvl="1" eaLnBrk="1" hangingPunct="1">
-              <a:buSzPct val="80000"/>
-              <a:buFont typeface=".AppleSDGothicNeoI-Regular" charset="-127"/>
-              <a:buChar char="◼︎"/>
-            </a:pPr>
-            <a:r>
-              <a:rPr lang="en-US" sz="1600" dirty="0">
-                <a:ea typeface="ＭＳ Ｐゴシック" pitchFamily="-106" charset="-128"/>
-                <a:cs typeface="ＭＳ Ｐゴシック" pitchFamily="-106" charset="-128"/>
-              </a:rPr>
-              <a:t>The whistle-blower has evidence that convince a reasonable, impartial observer that her view of the threat is correct.</a:t>
-            </a:r>
-          </a:p>
-          <a:p>
-            <a:pPr lvl="1" eaLnBrk="1" hangingPunct="1">
-              <a:buSzPct val="80000"/>
-              <a:buFont typeface=".AppleSDGothicNeoI-Regular" charset="-127"/>
-              <a:buChar char="◼︎"/>
-            </a:pPr>
-            <a:r>
-              <a:rPr lang="en-US" sz="1600" dirty="0">
-                <a:ea typeface="ＭＳ Ｐゴシック" pitchFamily="-106" charset="-128"/>
-                <a:cs typeface="ＭＳ Ｐゴシック" pitchFamily="-106" charset="-128"/>
-              </a:rPr>
-              <a:t>The whistle-blower has good reasons to believe that revealing the threat will (probably) prevent the harm at reasonable cost.</a:t>
-            </a:r>
+            </a:br>
+            <a:endParaRPr lang="en-US" dirty="0">
+              <a:ea typeface="ＭＳ Ｐゴシック" pitchFamily="-106" charset="-128"/>
+              <a:cs typeface="ＭＳ Ｐゴシック" pitchFamily="-106" charset="-128"/>
+            </a:endParaRPr>
           </a:p>
         </p:txBody>
       </p:sp>
@@ -14875,7 +14634,7 @@
               </a:pPr>
               <a:t>16</a:t>
             </a:fld>
-            <a:endParaRPr lang="de-DE"/>
+            <a:endParaRPr lang="de-DE" dirty="0"/>
           </a:p>
         </p:txBody>
       </p:sp>
@@ -14887,7 +14646,7 @@
         </p:nvSpPr>
         <p:spPr>
           <a:xfrm>
-            <a:off x="9356993" y="6034724"/>
+            <a:off x="9017557" y="6097040"/>
             <a:ext cx="2835007" cy="369332"/>
           </a:xfrm>
           <a:prstGeom prst="rect">
@@ -14916,7 +14675,7 @@
     </p:spTree>
     <p:extLst>
       <p:ext uri="{BB962C8B-B14F-4D97-AF65-F5344CB8AC3E}">
-        <p14:creationId xmlns:p14="http://schemas.microsoft.com/office/powerpoint/2010/main" val="1698281757"/>
+        <p14:creationId xmlns:p14="http://schemas.microsoft.com/office/powerpoint/2010/main" val="371519299"/>
       </p:ext>
     </p:extLst>
   </p:cSld>
@@ -14955,8 +14714,8 @@
         </p:nvSpPr>
         <p:spPr>
           <a:xfrm>
-            <a:off x="240244" y="0"/>
-            <a:ext cx="8376036" cy="734291"/>
+            <a:off x="290945" y="0"/>
+            <a:ext cx="9892146" cy="637849"/>
           </a:xfrm>
         </p:spPr>
         <p:txBody>
@@ -14965,13 +14724,13 @@
           <a:p>
             <a:pPr eaLnBrk="1" hangingPunct="1"/>
             <a:r>
-              <a:rPr lang="en-US" sz="3600" b="1" dirty="0">
+              <a:rPr lang="en-US" sz="3200" b="1" dirty="0">
                 <a:ea typeface="ＭＳ Ｐゴシック" pitchFamily="-106" charset="-128"/>
                 <a:cs typeface="ＭＳ Ｐゴシック" pitchFamily="-106" charset="-128"/>
               </a:rPr>
-              <a:t>Codes of Conduct</a:t>
-            </a:r>
-            <a:endParaRPr lang="de-DE" sz="3600" b="1" dirty="0">
+              <a:t>Active Responsibility: Whistle-Blowing</a:t>
+            </a:r>
+            <a:endParaRPr lang="de-DE" sz="3200" b="1" dirty="0">
               <a:ea typeface="ＭＳ Ｐゴシック" pitchFamily="-106" charset="-128"/>
               <a:cs typeface="ＭＳ Ｐゴシック" pitchFamily="-106" charset="-128"/>
             </a:endParaRPr>
@@ -14990,8 +14749,8 @@
         </p:nvSpPr>
         <p:spPr>
           <a:xfrm>
-            <a:off x="261026" y="924955"/>
-            <a:ext cx="11690730" cy="5718300"/>
+            <a:off x="290945" y="1128158"/>
+            <a:ext cx="11610110" cy="4623958"/>
           </a:xfrm>
         </p:spPr>
         <p:txBody>
@@ -15003,25 +14762,23 @@
                 <a:schemeClr val="accent1"/>
               </a:buClr>
               <a:buSzPct val="80000"/>
-              <a:buFont typeface=".AppleSDGothicNeoI-Regular" charset="-127"/>
-              <a:buChar char="◼︎"/>
             </a:pPr>
             <a:r>
-              <a:rPr lang="en-US" sz="2000" b="1" dirty="0">
+              <a:rPr lang="en-US" b="1" dirty="0">
                 <a:solidFill>
                   <a:schemeClr val="accent1"/>
                 </a:solidFill>
                 <a:ea typeface="ＭＳ Ｐゴシック" pitchFamily="-106" charset="-128"/>
                 <a:cs typeface="ＭＳ Ｐゴシック" pitchFamily="-106" charset="-128"/>
               </a:rPr>
-              <a:t>Codes of Conduct</a:t>
-            </a:r>
-            <a:r>
-              <a:rPr lang="en-US" sz="2000" dirty="0">
+              <a:t>Whistle-Blowing</a:t>
+            </a:r>
+            <a:r>
+              <a:rPr lang="en-US" dirty="0">
                 <a:ea typeface="ＭＳ Ｐゴシック" pitchFamily="-106" charset="-128"/>
                 <a:cs typeface="ＭＳ Ｐゴシック" pitchFamily="-106" charset="-128"/>
               </a:rPr>
-              <a:t>: A code in which organizations lay down guidelines for responsible behavior of their members. Types:</a:t>
+              <a:t>: The disclosure of certain abuses in a company by an employee in which he or she is employed, without the consent of his/her superiors, and in order to remedy these abuses and/or to warn the public about these abuses. Guidelines:</a:t>
             </a:r>
           </a:p>
           <a:p>
@@ -15031,77 +14788,11 @@
               <a:buChar char="◼︎"/>
             </a:pPr>
             <a:r>
-              <a:rPr lang="en-US" b="1" dirty="0">
-                <a:solidFill>
-                  <a:schemeClr val="accent1"/>
-                </a:solidFill>
+              <a:rPr lang="en-US" sz="1600" dirty="0">
                 <a:ea typeface="ＭＳ Ｐゴシック" pitchFamily="-106" charset="-128"/>
                 <a:cs typeface="ＭＳ Ｐゴシック" pitchFamily="-106" charset="-128"/>
               </a:rPr>
-              <a:t>Professional Code</a:t>
-            </a:r>
-            <a:r>
-              <a:rPr lang="en-US" dirty="0">
-                <a:ea typeface="ＭＳ Ｐゴシック" pitchFamily="-106" charset="-128"/>
-                <a:cs typeface="ＭＳ Ｐゴシック" pitchFamily="-106" charset="-128"/>
-              </a:rPr>
-              <a:t>: Code of conduct that is formulated by a professional association (e.g., IEEE, ACM, ...).</a:t>
-            </a:r>
-          </a:p>
-          <a:p>
-            <a:pPr lvl="2" eaLnBrk="1" hangingPunct="1">
-              <a:buSzPct val="80000"/>
-              <a:buFont typeface=".AppleSDGothicNeoI-Regular" charset="-127"/>
-              <a:buChar char="◼︎"/>
-            </a:pPr>
-            <a:r>
-              <a:rPr lang="en-US" sz="1200" dirty="0"/>
-              <a:t>IEEE-CS/ACM Joint Task Force on Software Engineering Ethics and Professional Practices: Software Engineering Code of Ethics https://</a:t>
-            </a:r>
-            <a:r>
-              <a:rPr lang="en-US" sz="1200" dirty="0" err="1"/>
-              <a:t>www.computer.org</a:t>
-            </a:r>
-            <a:r>
-              <a:rPr lang="en-US" sz="1200" dirty="0"/>
-              <a:t>/web/education/code-of-ethics</a:t>
-            </a:r>
-          </a:p>
-          <a:p>
-            <a:pPr lvl="2" eaLnBrk="1" hangingPunct="1">
-              <a:buSzPct val="80000"/>
-              <a:buFont typeface=".AppleSDGothicNeoI-Regular" charset="-127"/>
-              <a:buChar char="◼︎"/>
-            </a:pPr>
-            <a:r>
-              <a:rPr lang="en-US" sz="1200" dirty="0"/>
-              <a:t>IEEE https://</a:t>
-            </a:r>
-            <a:r>
-              <a:rPr lang="en-US" sz="1200" dirty="0" err="1"/>
-              <a:t>www.ieee.org</a:t>
-            </a:r>
-            <a:r>
-              <a:rPr lang="en-US" sz="1200" dirty="0"/>
-              <a:t>/about/corporate/governance/p7-8.html</a:t>
-            </a:r>
-          </a:p>
-          <a:p>
-            <a:pPr lvl="2" eaLnBrk="1" hangingPunct="1">
-              <a:buSzPct val="80000"/>
-              <a:buFont typeface=".AppleSDGothicNeoI-Regular" charset="-127"/>
-              <a:buChar char="◼︎"/>
-            </a:pPr>
-            <a:r>
-              <a:rPr lang="en-US" sz="1200" dirty="0"/>
-              <a:t>ACM </a:t>
-            </a:r>
-            <a:r>
-              <a:rPr lang="en-US" sz="1200" dirty="0">
-                <a:ea typeface="ＭＳ Ｐゴシック" pitchFamily="-106" charset="-128"/>
-                <a:cs typeface="ＭＳ Ｐゴシック" pitchFamily="-106" charset="-128"/>
-              </a:rPr>
-              <a:t>https://www.acm.org/about-acm/acm-code-of-ethics-and-professional-conduct</a:t>
+              <a:t>Reason must be to prevent serious and considerable harm to the public</a:t>
             </a:r>
           </a:p>
           <a:p>
@@ -15111,70 +14802,11 @@
               <a:buChar char="◼︎"/>
             </a:pPr>
             <a:r>
-              <a:rPr lang="en-US" b="1" dirty="0">
-                <a:solidFill>
-                  <a:schemeClr val="accent1"/>
-                </a:solidFill>
+              <a:rPr lang="en-US" sz="1600" dirty="0">
                 <a:ea typeface="ＭＳ Ｐゴシック" pitchFamily="-106" charset="-128"/>
                 <a:cs typeface="ＭＳ Ｐゴシック" pitchFamily="-106" charset="-128"/>
               </a:rPr>
-              <a:t>Corporate Code</a:t>
-            </a:r>
-            <a:r>
-              <a:rPr lang="en-US" dirty="0">
-                <a:ea typeface="ＭＳ Ｐゴシック" pitchFamily="-106" charset="-128"/>
-                <a:cs typeface="ＭＳ Ｐゴシック" pitchFamily="-106" charset="-128"/>
-              </a:rPr>
-              <a:t>: Code of conduct that is formulated by a company.</a:t>
-            </a:r>
-          </a:p>
-          <a:p>
-            <a:pPr lvl="2" eaLnBrk="1" hangingPunct="1">
-              <a:buSzPct val="80000"/>
-              <a:buFont typeface=".AppleSDGothicNeoI-Regular" charset="-127"/>
-              <a:buChar char="◼︎"/>
-            </a:pPr>
-            <a:r>
-              <a:rPr lang="en-US" sz="1200" dirty="0"/>
-              <a:t>Tesla’s Code of Business Conduct and Ethics </a:t>
-            </a:r>
-            <a:br>
-              <a:rPr lang="en-US" sz="1200" dirty="0"/>
-            </a:br>
-            <a:r>
-              <a:rPr lang="en-US" sz="1200" dirty="0">
-                <a:ea typeface="ＭＳ Ｐゴシック" pitchFamily="-106" charset="-128"/>
-                <a:cs typeface="ＭＳ Ｐゴシック" pitchFamily="-106" charset="-128"/>
-              </a:rPr>
-              <a:t>http://</a:t>
-            </a:r>
-            <a:r>
-              <a:rPr lang="en-US" sz="1200" dirty="0" err="1">
-                <a:ea typeface="ＭＳ Ｐゴシック" pitchFamily="-106" charset="-128"/>
-                <a:cs typeface="ＭＳ Ｐゴシック" pitchFamily="-106" charset="-128"/>
-              </a:rPr>
-              <a:t>ir.tesla.com</a:t>
-            </a:r>
-            <a:r>
-              <a:rPr lang="en-US" sz="1200" dirty="0">
-                <a:ea typeface="ＭＳ Ｐゴシック" pitchFamily="-106" charset="-128"/>
-                <a:cs typeface="ＭＳ Ｐゴシック" pitchFamily="-106" charset="-128"/>
-              </a:rPr>
-              <a:t>/</a:t>
-            </a:r>
-            <a:r>
-              <a:rPr lang="en-US" sz="1200" dirty="0" err="1">
-                <a:ea typeface="ＭＳ Ｐゴシック" pitchFamily="-106" charset="-128"/>
-                <a:cs typeface="ＭＳ Ｐゴシック" pitchFamily="-106" charset="-128"/>
-              </a:rPr>
-              <a:t>corporate-governance-document.cfm?documentid</a:t>
-            </a:r>
-            <a:r>
-              <a:rPr lang="en-US" sz="1200" dirty="0">
-                <a:ea typeface="ＭＳ Ｐゴシック" pitchFamily="-106" charset="-128"/>
-                <a:cs typeface="ＭＳ Ｐゴシック" pitchFamily="-106" charset="-128"/>
-              </a:rPr>
-              <a:t>=7159</a:t>
+              <a:t>The whistle-blower has identified the threat of harm, reported it to its superiors making clear the treat, and concluded that the superior will nothing effective.</a:t>
             </a:r>
           </a:p>
           <a:p>
@@ -15184,60 +14816,40 @@
               <a:buChar char="◼︎"/>
             </a:pPr>
             <a:r>
-              <a:rPr lang="en-US" b="1" dirty="0">
-                <a:solidFill>
-                  <a:schemeClr val="accent1"/>
-                </a:solidFill>
+              <a:rPr lang="en-US" sz="1600" dirty="0">
                 <a:ea typeface="ＭＳ Ｐゴシック" pitchFamily="-106" charset="-128"/>
                 <a:cs typeface="ＭＳ Ｐゴシック" pitchFamily="-106" charset="-128"/>
               </a:rPr>
-              <a:t>Global Code</a:t>
-            </a:r>
-            <a:r>
-              <a:rPr lang="en-US" dirty="0">
-                <a:ea typeface="ＭＳ Ｐゴシック" pitchFamily="-106" charset="-128"/>
-                <a:cs typeface="ＭＳ Ｐゴシック" pitchFamily="-106" charset="-128"/>
-              </a:rPr>
-              <a:t>: Code of conduct that is believed to apply worldwide.</a:t>
-            </a:r>
-          </a:p>
-          <a:p>
-            <a:pPr lvl="2" eaLnBrk="1" hangingPunct="1">
+              <a:t>The whistle-blower has exhausted other internal procedures within the organization (as the danger to others and her own safety make reasonable)</a:t>
+            </a:r>
+          </a:p>
+          <a:p>
+            <a:pPr lvl="1" eaLnBrk="1" hangingPunct="1">
               <a:buSzPct val="80000"/>
               <a:buFont typeface=".AppleSDGothicNeoI-Regular" charset="-127"/>
               <a:buChar char="◼︎"/>
             </a:pPr>
             <a:r>
-              <a:rPr lang="en-US" sz="1200" dirty="0"/>
-              <a:t>The Ten Principles of the UN Global Compact </a:t>
-            </a:r>
-            <a:br>
-              <a:rPr lang="en-US" sz="1200" dirty="0"/>
-            </a:br>
-            <a:r>
-              <a:rPr lang="en-US" sz="1200" dirty="0"/>
-              <a:t>https://</a:t>
-            </a:r>
-            <a:r>
-              <a:rPr lang="en-US" sz="1200" dirty="0" err="1"/>
-              <a:t>www.unglobalcompact.org</a:t>
-            </a:r>
-            <a:r>
-              <a:rPr lang="en-US" sz="1200" dirty="0"/>
-              <a:t>/what-is-</a:t>
-            </a:r>
-            <a:r>
-              <a:rPr lang="en-US" sz="1200" dirty="0" err="1"/>
-              <a:t>gc</a:t>
-            </a:r>
-            <a:r>
-              <a:rPr lang="en-US" sz="1200" dirty="0"/>
-              <a:t>/mission/principles</a:t>
-            </a:r>
-            <a:endParaRPr lang="en-US" sz="1200" dirty="0">
-              <a:ea typeface="ＭＳ Ｐゴシック" pitchFamily="-106" charset="-128"/>
-              <a:cs typeface="ＭＳ Ｐゴシック" pitchFamily="-106" charset="-128"/>
-            </a:endParaRPr>
+              <a:rPr lang="en-US" sz="1600" dirty="0">
+                <a:ea typeface="ＭＳ Ｐゴシック" pitchFamily="-106" charset="-128"/>
+                <a:cs typeface="ＭＳ Ｐゴシック" pitchFamily="-106" charset="-128"/>
+              </a:rPr>
+              <a:t>The whistle-blower has evidence that convince a reasonable, impartial observer that her view of the threat is correct.</a:t>
+            </a:r>
+          </a:p>
+          <a:p>
+            <a:pPr lvl="1" eaLnBrk="1" hangingPunct="1">
+              <a:buSzPct val="80000"/>
+              <a:buFont typeface=".AppleSDGothicNeoI-Regular" charset="-127"/>
+              <a:buChar char="◼︎"/>
+            </a:pPr>
+            <a:r>
+              <a:rPr lang="en-US" sz="1600" dirty="0">
+                <a:ea typeface="ＭＳ Ｐゴシック" pitchFamily="-106" charset="-128"/>
+                <a:cs typeface="ＭＳ Ｐゴシック" pitchFamily="-106" charset="-128"/>
+              </a:rPr>
+              <a:t>The whistle-blower has good reasons to believe that revealing the threat will (probably) prevent the harm at reasonable cost.</a:t>
+            </a:r>
           </a:p>
         </p:txBody>
       </p:sp>
@@ -15278,7 +14890,7 @@
         </p:nvSpPr>
         <p:spPr>
           <a:xfrm>
-            <a:off x="9356993" y="6013131"/>
+            <a:off x="9356993" y="6034724"/>
             <a:ext cx="2835007" cy="369332"/>
           </a:xfrm>
           <a:prstGeom prst="rect">
@@ -15307,7 +14919,7 @@
     </p:spTree>
     <p:extLst>
       <p:ext uri="{BB962C8B-B14F-4D97-AF65-F5344CB8AC3E}">
-        <p14:creationId xmlns:p14="http://schemas.microsoft.com/office/powerpoint/2010/main" val="1731073369"/>
+        <p14:creationId xmlns:p14="http://schemas.microsoft.com/office/powerpoint/2010/main" val="1698281757"/>
       </p:ext>
     </p:extLst>
   </p:cSld>
@@ -15346,8 +14958,8 @@
         </p:nvSpPr>
         <p:spPr>
           <a:xfrm>
-            <a:off x="233318" y="0"/>
-            <a:ext cx="8382962" cy="741218"/>
+            <a:off x="240244" y="0"/>
+            <a:ext cx="8376036" cy="734291"/>
           </a:xfrm>
         </p:spPr>
         <p:txBody>
@@ -15360,7 +14972,7 @@
                 <a:ea typeface="ＭＳ Ｐゴシック" pitchFamily="-106" charset="-128"/>
                 <a:cs typeface="ＭＳ Ｐゴシック" pitchFamily="-106" charset="-128"/>
               </a:rPr>
-              <a:t>Education and Licensing</a:t>
+              <a:t>Codes of Conduct</a:t>
             </a:r>
             <a:endParaRPr lang="de-DE" sz="3600" b="1" dirty="0">
               <a:ea typeface="ＭＳ Ｐゴシック" pitchFamily="-106" charset="-128"/>
@@ -15381,14 +14993,12 @@
         </p:nvSpPr>
         <p:spPr>
           <a:xfrm>
-            <a:off x="233318" y="1084282"/>
-            <a:ext cx="11840918" cy="3550063"/>
+            <a:off x="261026" y="924955"/>
+            <a:ext cx="11690730" cy="5718300"/>
           </a:xfrm>
         </p:spPr>
         <p:txBody>
-          <a:bodyPr>
-            <a:normAutofit/>
-          </a:bodyPr>
+          <a:bodyPr/>
           <a:lstStyle/>
           <a:p>
             <a:pPr eaLnBrk="1" hangingPunct="1">
@@ -15400,146 +15010,234 @@
               <a:buChar char="◼︎"/>
             </a:pPr>
             <a:r>
-              <a:rPr lang="en-US" b="1" dirty="0">
+              <a:rPr lang="en-US" sz="2000" b="1" dirty="0">
                 <a:solidFill>
                   <a:schemeClr val="accent1"/>
                 </a:solidFill>
                 <a:ea typeface="ＭＳ Ｐゴシック" pitchFamily="-106" charset="-128"/>
                 <a:cs typeface="ＭＳ Ｐゴシック" pitchFamily="-106" charset="-128"/>
               </a:rPr>
-              <a:t>Formal Education</a:t>
-            </a:r>
-            <a:r>
-              <a:rPr lang="en-US" dirty="0">
+              <a:t>Codes of Conduct</a:t>
+            </a:r>
+            <a:r>
+              <a:rPr lang="en-US" sz="2000" dirty="0">
                 <a:ea typeface="ＭＳ Ｐゴシック" pitchFamily="-106" charset="-128"/>
                 <a:cs typeface="ＭＳ Ｐゴシック" pitchFamily="-106" charset="-128"/>
               </a:rPr>
-              <a:t>: include material in the curriculum</a:t>
-            </a:r>
-            <a:r>
-              <a:rPr lang="en-GB" sz="2000" dirty="0">
-                <a:latin typeface="Arial" pitchFamily="-112" charset="0"/>
-                <a:ea typeface="ＭＳ Ｐゴシック" pitchFamily="-112" charset="-128"/>
-                <a:cs typeface="ＭＳ Ｐゴシック" pitchFamily="-112" charset="-128"/>
-              </a:rPr>
-              <a:t> [Kizza2013] </a:t>
-            </a:r>
-            <a:endParaRPr lang="en-US" dirty="0">
-              <a:ea typeface="ＭＳ Ｐゴシック" pitchFamily="-106" charset="-128"/>
-              <a:cs typeface="ＭＳ Ｐゴシック" pitchFamily="-106" charset="-128"/>
-            </a:endParaRPr>
-          </a:p>
-          <a:p>
-            <a:pPr lvl="2">
+              <a:t>: A code in which organizations lay down guidelines for responsible behavior of their members. Types:</a:t>
+            </a:r>
+          </a:p>
+          <a:p>
+            <a:pPr lvl="1" eaLnBrk="1" hangingPunct="1">
               <a:buSzPct val="80000"/>
               <a:buFont typeface=".AppleSDGothicNeoI-Regular" charset="-127"/>
               <a:buChar char="◼︎"/>
             </a:pPr>
             <a:r>
+              <a:rPr lang="en-US" b="1" dirty="0">
+                <a:solidFill>
+                  <a:schemeClr val="accent1"/>
+                </a:solidFill>
+                <a:ea typeface="ＭＳ Ｐゴシック" pitchFamily="-106" charset="-128"/>
+                <a:cs typeface="ＭＳ Ｐゴシック" pitchFamily="-106" charset="-128"/>
+              </a:rPr>
+              <a:t>Professional Code</a:t>
+            </a:r>
+            <a:r>
               <a:rPr lang="en-US" dirty="0">
                 <a:ea typeface="ＭＳ Ｐゴシック" pitchFamily="-106" charset="-128"/>
                 <a:cs typeface="ＭＳ Ｐゴシック" pitchFamily="-106" charset="-128"/>
               </a:rPr>
-              <a:t>Ensuring that individuals posses the necessary technical skills</a:t>
-            </a:r>
-          </a:p>
-          <a:p>
-            <a:pPr lvl="2">
+              <a:t>: Code of conduct that is formulated by a professional association (e.g., IEEE, ACM, ...).</a:t>
+            </a:r>
+          </a:p>
+          <a:p>
+            <a:pPr lvl="2" eaLnBrk="1" hangingPunct="1">
               <a:buSzPct val="80000"/>
               <a:buFont typeface=".AppleSDGothicNeoI-Regular" charset="-127"/>
               <a:buChar char="◼︎"/>
             </a:pPr>
             <a:r>
-              <a:rPr lang="en-US" dirty="0">
-                <a:ea typeface="ＭＳ Ｐゴシック" pitchFamily="-106" charset="-128"/>
-                <a:cs typeface="ＭＳ Ｐゴシック" pitchFamily="-106" charset="-128"/>
-              </a:rPr>
-              <a:t>Enforcing that individuals understand the codes of conduct</a:t>
-            </a:r>
-          </a:p>
-          <a:p>
-            <a:pPr eaLnBrk="1" hangingPunct="1">
-              <a:buClr>
-                <a:schemeClr val="accent1"/>
-              </a:buClr>
+              <a:rPr lang="en-US" sz="1200" dirty="0"/>
+              <a:t>IEEE-CS/ACM Joint Task Force on Software Engineering Ethics and Professional Practices: Software Engineering Code of Ethics https://</a:t>
+            </a:r>
+            <a:r>
+              <a:rPr lang="en-US" sz="1200" dirty="0" err="1"/>
+              <a:t>www.computer.org</a:t>
+            </a:r>
+            <a:r>
+              <a:rPr lang="en-US" sz="1200" dirty="0"/>
+              <a:t>/web/education/code-of-ethics</a:t>
+            </a:r>
+          </a:p>
+          <a:p>
+            <a:pPr lvl="2" eaLnBrk="1" hangingPunct="1">
               <a:buSzPct val="80000"/>
               <a:buFont typeface=".AppleSDGothicNeoI-Regular" charset="-127"/>
               <a:buChar char="◼︎"/>
             </a:pPr>
             <a:r>
-              <a:rPr lang="en-US" b="1" dirty="0">
-                <a:solidFill>
-                  <a:schemeClr val="accent1"/>
-                </a:solidFill>
-                <a:ea typeface="ＭＳ Ｐゴシック" pitchFamily="-106" charset="-128"/>
-                <a:cs typeface="ＭＳ Ｐゴシック" pitchFamily="-106" charset="-128"/>
-              </a:rPr>
-              <a:t>Licensing</a:t>
-            </a:r>
-            <a:r>
-              <a:rPr lang="en-US" dirty="0">
-                <a:ea typeface="ＭＳ Ｐゴシック" pitchFamily="-106" charset="-128"/>
-                <a:cs typeface="ＭＳ Ｐゴシック" pitchFamily="-106" charset="-128"/>
-              </a:rPr>
-              <a:t>: grants individuals formal and legal permission to practice their profession</a:t>
-            </a:r>
-          </a:p>
-          <a:p>
-            <a:pPr lvl="2">
+              <a:rPr lang="en-US" sz="1200" dirty="0"/>
+              <a:t>IEEE https://</a:t>
+            </a:r>
+            <a:r>
+              <a:rPr lang="en-US" sz="1200" dirty="0" err="1"/>
+              <a:t>www.ieee.org</a:t>
+            </a:r>
+            <a:r>
+              <a:rPr lang="en-US" sz="1200" dirty="0"/>
+              <a:t>/about/corporate/governance/p7-8.html</a:t>
+            </a:r>
+          </a:p>
+          <a:p>
+            <a:pPr lvl="2" eaLnBrk="1" hangingPunct="1">
               <a:buSzPct val="80000"/>
               <a:buFont typeface=".AppleSDGothicNeoI-Regular" charset="-127"/>
               <a:buChar char="◼︎"/>
             </a:pPr>
             <a:r>
-              <a:rPr lang="en-US" dirty="0">
+              <a:rPr lang="en-US" sz="1200" dirty="0"/>
+              <a:t>ACM </a:t>
+            </a:r>
+            <a:r>
+              <a:rPr lang="en-US" sz="1200" dirty="0">
                 <a:ea typeface="ＭＳ Ｐゴシック" pitchFamily="-106" charset="-128"/>
                 <a:cs typeface="ＭＳ Ｐゴシック" pitchFamily="-106" charset="-128"/>
               </a:rPr>
-              <a:t>Can be bound to a certain formal education</a:t>
-            </a:r>
-          </a:p>
-          <a:p>
-            <a:pPr lvl="2">
+              <a:t>https://www.acm.org/about-acm/acm-code-of-ethics-and-professional-conduct</a:t>
+            </a:r>
+          </a:p>
+          <a:p>
+            <a:pPr lvl="1" eaLnBrk="1" hangingPunct="1">
               <a:buSzPct val="80000"/>
               <a:buFont typeface=".AppleSDGothicNeoI-Regular" charset="-127"/>
               <a:buChar char="◼︎"/>
             </a:pPr>
             <a:r>
+              <a:rPr lang="en-US" b="1" dirty="0">
+                <a:solidFill>
+                  <a:schemeClr val="accent1"/>
+                </a:solidFill>
+                <a:ea typeface="ＭＳ Ｐゴシック" pitchFamily="-106" charset="-128"/>
+                <a:cs typeface="ＭＳ Ｐゴシック" pitchFamily="-106" charset="-128"/>
+              </a:rPr>
+              <a:t>Corporate Code</a:t>
+            </a:r>
+            <a:r>
               <a:rPr lang="en-US" dirty="0">
                 <a:ea typeface="ＭＳ Ｐゴシック" pitchFamily="-106" charset="-128"/>
                 <a:cs typeface="ＭＳ Ｐゴシック" pitchFamily="-106" charset="-128"/>
               </a:rPr>
-              <a:t>Can require to demonstrate skill in dedicated tests</a:t>
-            </a:r>
-          </a:p>
-          <a:p>
-            <a:pPr lvl="2">
+              <a:t>: Code of conduct that is formulated by a company.</a:t>
+            </a:r>
+          </a:p>
+          <a:p>
+            <a:pPr lvl="2" eaLnBrk="1" hangingPunct="1">
               <a:buSzPct val="80000"/>
               <a:buFont typeface=".AppleSDGothicNeoI-Regular" charset="-127"/>
               <a:buChar char="◼︎"/>
             </a:pPr>
             <a:r>
-              <a:rPr lang="en-US" dirty="0">
+              <a:rPr lang="en-US" sz="1200" dirty="0"/>
+              <a:t>Tesla’s Code of Business Conduct and Ethics </a:t>
+            </a:r>
+            <a:br>
+              <a:rPr lang="en-US" sz="1200" dirty="0"/>
+            </a:br>
+            <a:r>
+              <a:rPr lang="en-US" sz="1200" dirty="0">
                 <a:ea typeface="ＭＳ Ｐゴシック" pitchFamily="-106" charset="-128"/>
                 <a:cs typeface="ＭＳ Ｐゴシック" pitchFamily="-106" charset="-128"/>
               </a:rPr>
-              <a:t>Ensuring that professionals posses the necessary technical skills</a:t>
-            </a:r>
-          </a:p>
-          <a:p>
-            <a:pPr lvl="2">
+              <a:t>http://</a:t>
+            </a:r>
+            <a:r>
+              <a:rPr lang="en-US" sz="1200" dirty="0" err="1">
+                <a:ea typeface="ＭＳ Ｐゴシック" pitchFamily="-106" charset="-128"/>
+                <a:cs typeface="ＭＳ Ｐゴシック" pitchFamily="-106" charset="-128"/>
+              </a:rPr>
+              <a:t>ir.tesla.com</a:t>
+            </a:r>
+            <a:r>
+              <a:rPr lang="en-US" sz="1200" dirty="0">
+                <a:ea typeface="ＭＳ Ｐゴシック" pitchFamily="-106" charset="-128"/>
+                <a:cs typeface="ＭＳ Ｐゴシック" pitchFamily="-106" charset="-128"/>
+              </a:rPr>
+              <a:t>/</a:t>
+            </a:r>
+            <a:r>
+              <a:rPr lang="en-US" sz="1200" dirty="0" err="1">
+                <a:ea typeface="ＭＳ Ｐゴシック" pitchFamily="-106" charset="-128"/>
+                <a:cs typeface="ＭＳ Ｐゴシック" pitchFamily="-106" charset="-128"/>
+              </a:rPr>
+              <a:t>corporate-governance-document.cfm?documentid</a:t>
+            </a:r>
+            <a:r>
+              <a:rPr lang="en-US" sz="1200" dirty="0">
+                <a:ea typeface="ＭＳ Ｐゴシック" pitchFamily="-106" charset="-128"/>
+                <a:cs typeface="ＭＳ Ｐゴシック" pitchFamily="-106" charset="-128"/>
+              </a:rPr>
+              <a:t>=7159</a:t>
+            </a:r>
+          </a:p>
+          <a:p>
+            <a:pPr lvl="1" eaLnBrk="1" hangingPunct="1">
               <a:buSzPct val="80000"/>
               <a:buFont typeface=".AppleSDGothicNeoI-Regular" charset="-127"/>
               <a:buChar char="◼︎"/>
             </a:pPr>
             <a:r>
+              <a:rPr lang="en-US" b="1" dirty="0">
+                <a:solidFill>
+                  <a:schemeClr val="accent1"/>
+                </a:solidFill>
+                <a:ea typeface="ＭＳ Ｐゴシック" pitchFamily="-106" charset="-128"/>
+                <a:cs typeface="ＭＳ Ｐゴシック" pitchFamily="-106" charset="-128"/>
+              </a:rPr>
+              <a:t>Global Code</a:t>
+            </a:r>
+            <a:r>
               <a:rPr lang="en-US" dirty="0">
                 <a:ea typeface="ＭＳ Ｐゴシック" pitchFamily="-106" charset="-128"/>
                 <a:cs typeface="ＭＳ Ｐゴシック" pitchFamily="-106" charset="-128"/>
               </a:rPr>
-              <a:t>Enforcing that professionals understand the codes of conduct</a:t>
-            </a:r>
-            <a:endParaRPr lang="en-US" sz="800" dirty="0">
+              <a:t>: Code of conduct that is believed to apply worldwide.</a:t>
+            </a:r>
+          </a:p>
+          <a:p>
+            <a:pPr lvl="2" eaLnBrk="1" hangingPunct="1">
+              <a:buSzPct val="80000"/>
+              <a:buFont typeface=".AppleSDGothicNeoI-Regular" charset="-127"/>
+              <a:buChar char="◼︎"/>
+            </a:pPr>
+            <a:r>
+              <a:rPr lang="en-US" sz="1200" dirty="0"/>
+              <a:t>The Ten Principles of the UN Global Compact </a:t>
+            </a:r>
+            <a:br>
+              <a:rPr lang="en-US" sz="1200" dirty="0"/>
+            </a:br>
+            <a:r>
+              <a:rPr lang="en-US" sz="1200" dirty="0"/>
+              <a:t>https://</a:t>
+            </a:r>
+            <a:r>
+              <a:rPr lang="en-US" sz="1200" dirty="0" err="1"/>
+              <a:t>www.unglobalcompact.org</a:t>
+            </a:r>
+            <a:r>
+              <a:rPr lang="en-US" sz="1200" dirty="0"/>
+              <a:t>/what-is-</a:t>
+            </a:r>
+            <a:r>
+              <a:rPr lang="en-US" sz="1200" dirty="0" err="1"/>
+              <a:t>gc</a:t>
+            </a:r>
+            <a:r>
+              <a:rPr lang="en-US" sz="1200" dirty="0"/>
+              <a:t>/mission/principles</a:t>
+            </a:r>
+            <a:endParaRPr lang="en-US" sz="1200" dirty="0">
               <a:ea typeface="ＭＳ Ｐゴシック" pitchFamily="-106" charset="-128"/>
               <a:cs typeface="ＭＳ Ｐゴシック" pitchFamily="-106" charset="-128"/>
             </a:endParaRPr>
@@ -15570,6 +15268,311 @@
                 <a:defRPr/>
               </a:pPr>
               <a:t>18</a:t>
+            </a:fld>
+            <a:endParaRPr lang="de-DE"/>
+          </a:p>
+        </p:txBody>
+      </p:sp>
+      <p:sp>
+        <p:nvSpPr>
+          <p:cNvPr id="2" name="TextBox 1"/>
+          <p:cNvSpPr txBox="1"/>
+          <p:nvPr/>
+        </p:nvSpPr>
+        <p:spPr>
+          <a:xfrm>
+            <a:off x="9356993" y="6013131"/>
+            <a:ext cx="2835007" cy="369332"/>
+          </a:xfrm>
+          <a:prstGeom prst="rect">
+            <a:avLst/>
+          </a:prstGeom>
+          <a:noFill/>
+        </p:spPr>
+        <p:txBody>
+          <a:bodyPr wrap="none" rtlCol="0">
+            <a:spAutoFit/>
+          </a:bodyPr>
+          <a:lstStyle/>
+          <a:p>
+            <a:r>
+              <a:rPr lang="en-GB" dirty="0">
+                <a:latin typeface="Arial" pitchFamily="-112" charset="0"/>
+                <a:ea typeface="ＭＳ Ｐゴシック" pitchFamily="-112" charset="-128"/>
+                <a:cs typeface="ＭＳ Ｐゴシック" pitchFamily="-112" charset="-128"/>
+              </a:rPr>
+              <a:t>[dePoel&amp;Royakkers2011] </a:t>
+            </a:r>
+            <a:endParaRPr lang="en-US" dirty="0"/>
+          </a:p>
+        </p:txBody>
+      </p:sp>
+    </p:spTree>
+    <p:extLst>
+      <p:ext uri="{BB962C8B-B14F-4D97-AF65-F5344CB8AC3E}">
+        <p14:creationId xmlns:p14="http://schemas.microsoft.com/office/powerpoint/2010/main" val="1731073369"/>
+      </p:ext>
+    </p:extLst>
+  </p:cSld>
+  <p:clrMapOvr>
+    <a:masterClrMapping/>
+  </p:clrMapOvr>
+</p:sld>
+</file>
+
+<file path=ppt/slides/slide19.xml><?xml version="1.0" encoding="utf-8"?>
+<p:sld xmlns:a="http://schemas.openxmlformats.org/drawingml/2006/main" xmlns:r="http://schemas.openxmlformats.org/officeDocument/2006/relationships" xmlns:p="http://schemas.openxmlformats.org/presentationml/2006/main">
+  <p:cSld>
+    <p:spTree>
+      <p:nvGrpSpPr>
+        <p:cNvPr id="1" name=""/>
+        <p:cNvGrpSpPr/>
+        <p:nvPr/>
+      </p:nvGrpSpPr>
+      <p:grpSpPr>
+        <a:xfrm>
+          <a:off x="0" y="0"/>
+          <a:ext cx="0" cy="0"/>
+          <a:chOff x="0" y="0"/>
+          <a:chExt cx="0" cy="0"/>
+        </a:xfrm>
+      </p:grpSpPr>
+      <p:sp>
+        <p:nvSpPr>
+          <p:cNvPr id="32772" name="Rectangle 2"/>
+          <p:cNvSpPr>
+            <a:spLocks noGrp="1" noChangeArrowheads="1"/>
+          </p:cNvSpPr>
+          <p:nvPr>
+            <p:ph type="title"/>
+          </p:nvPr>
+        </p:nvSpPr>
+        <p:spPr>
+          <a:xfrm>
+            <a:off x="233318" y="0"/>
+            <a:ext cx="8382962" cy="741218"/>
+          </a:xfrm>
+        </p:spPr>
+        <p:txBody>
+          <a:bodyPr/>
+          <a:lstStyle/>
+          <a:p>
+            <a:pPr eaLnBrk="1" hangingPunct="1"/>
+            <a:r>
+              <a:rPr lang="en-US" sz="3600" b="1" dirty="0">
+                <a:ea typeface="ＭＳ Ｐゴシック" pitchFamily="-106" charset="-128"/>
+                <a:cs typeface="ＭＳ Ｐゴシック" pitchFamily="-106" charset="-128"/>
+              </a:rPr>
+              <a:t>Education and Licensing</a:t>
+            </a:r>
+            <a:endParaRPr lang="de-DE" sz="3600" b="1" dirty="0">
+              <a:ea typeface="ＭＳ Ｐゴシック" pitchFamily="-106" charset="-128"/>
+              <a:cs typeface="ＭＳ Ｐゴシック" pitchFamily="-106" charset="-128"/>
+            </a:endParaRPr>
+          </a:p>
+        </p:txBody>
+      </p:sp>
+      <p:sp>
+        <p:nvSpPr>
+          <p:cNvPr id="32773" name="Rectangle 3"/>
+          <p:cNvSpPr>
+            <a:spLocks noGrp="1" noChangeArrowheads="1"/>
+          </p:cNvSpPr>
+          <p:nvPr>
+            <p:ph idx="1"/>
+          </p:nvPr>
+        </p:nvSpPr>
+        <p:spPr>
+          <a:xfrm>
+            <a:off x="233318" y="1084282"/>
+            <a:ext cx="11840918" cy="3550063"/>
+          </a:xfrm>
+        </p:spPr>
+        <p:txBody>
+          <a:bodyPr>
+            <a:normAutofit/>
+          </a:bodyPr>
+          <a:lstStyle/>
+          <a:p>
+            <a:pPr eaLnBrk="1" hangingPunct="1">
+              <a:buClr>
+                <a:schemeClr val="accent1"/>
+              </a:buClr>
+              <a:buSzPct val="80000"/>
+              <a:buFont typeface=".AppleSDGothicNeoI-Regular" charset="-127"/>
+              <a:buChar char="◼︎"/>
+            </a:pPr>
+            <a:r>
+              <a:rPr lang="en-US" b="1" dirty="0">
+                <a:solidFill>
+                  <a:schemeClr val="accent1"/>
+                </a:solidFill>
+                <a:ea typeface="ＭＳ Ｐゴシック" pitchFamily="-106" charset="-128"/>
+                <a:cs typeface="ＭＳ Ｐゴシック" pitchFamily="-106" charset="-128"/>
+              </a:rPr>
+              <a:t>Formal Education</a:t>
+            </a:r>
+            <a:r>
+              <a:rPr lang="en-US" dirty="0">
+                <a:ea typeface="ＭＳ Ｐゴシック" pitchFamily="-106" charset="-128"/>
+                <a:cs typeface="ＭＳ Ｐゴシック" pitchFamily="-106" charset="-128"/>
+              </a:rPr>
+              <a:t>: include material in the curriculum</a:t>
+            </a:r>
+            <a:r>
+              <a:rPr lang="en-GB" sz="2000" dirty="0">
+                <a:latin typeface="Arial" pitchFamily="-112" charset="0"/>
+                <a:ea typeface="ＭＳ Ｐゴシック" pitchFamily="-112" charset="-128"/>
+                <a:cs typeface="ＭＳ Ｐゴシック" pitchFamily="-112" charset="-128"/>
+              </a:rPr>
+              <a:t> [Kizza2013] </a:t>
+            </a:r>
+            <a:endParaRPr lang="en-US" dirty="0">
+              <a:ea typeface="ＭＳ Ｐゴシック" pitchFamily="-106" charset="-128"/>
+              <a:cs typeface="ＭＳ Ｐゴシック" pitchFamily="-106" charset="-128"/>
+            </a:endParaRPr>
+          </a:p>
+          <a:p>
+            <a:pPr lvl="2">
+              <a:buSzPct val="80000"/>
+              <a:buFont typeface=".AppleSDGothicNeoI-Regular" charset="-127"/>
+              <a:buChar char="◼︎"/>
+            </a:pPr>
+            <a:r>
+              <a:rPr lang="en-US" dirty="0">
+                <a:ea typeface="ＭＳ Ｐゴシック" pitchFamily="-106" charset="-128"/>
+                <a:cs typeface="ＭＳ Ｐゴシック" pitchFamily="-106" charset="-128"/>
+              </a:rPr>
+              <a:t>Ensuring that individuals posses the necessary technical skills</a:t>
+            </a:r>
+          </a:p>
+          <a:p>
+            <a:pPr lvl="2">
+              <a:buSzPct val="80000"/>
+              <a:buFont typeface=".AppleSDGothicNeoI-Regular" charset="-127"/>
+              <a:buChar char="◼︎"/>
+            </a:pPr>
+            <a:r>
+              <a:rPr lang="en-US" dirty="0">
+                <a:ea typeface="ＭＳ Ｐゴシック" pitchFamily="-106" charset="-128"/>
+                <a:cs typeface="ＭＳ Ｐゴシック" pitchFamily="-106" charset="-128"/>
+              </a:rPr>
+              <a:t>Enforcing that individuals understand the codes of conduct</a:t>
+            </a:r>
+          </a:p>
+          <a:p>
+            <a:pPr eaLnBrk="1" hangingPunct="1">
+              <a:buClr>
+                <a:schemeClr val="accent1"/>
+              </a:buClr>
+              <a:buSzPct val="80000"/>
+              <a:buFont typeface=".AppleSDGothicNeoI-Regular" charset="-127"/>
+              <a:buChar char="◼︎"/>
+            </a:pPr>
+            <a:r>
+              <a:rPr lang="en-US" b="1" dirty="0">
+                <a:solidFill>
+                  <a:schemeClr val="accent1"/>
+                </a:solidFill>
+                <a:ea typeface="ＭＳ Ｐゴシック" pitchFamily="-106" charset="-128"/>
+                <a:cs typeface="ＭＳ Ｐゴシック" pitchFamily="-106" charset="-128"/>
+              </a:rPr>
+              <a:t>Licensing</a:t>
+            </a:r>
+            <a:r>
+              <a:rPr lang="en-US" dirty="0">
+                <a:ea typeface="ＭＳ Ｐゴシック" pitchFamily="-106" charset="-128"/>
+                <a:cs typeface="ＭＳ Ｐゴシック" pitchFamily="-106" charset="-128"/>
+              </a:rPr>
+              <a:t>: grants individuals formal and legal permission to practice their profession</a:t>
+            </a:r>
+          </a:p>
+          <a:p>
+            <a:pPr lvl="2">
+              <a:buSzPct val="80000"/>
+              <a:buFont typeface=".AppleSDGothicNeoI-Regular" charset="-127"/>
+              <a:buChar char="◼︎"/>
+            </a:pPr>
+            <a:r>
+              <a:rPr lang="en-US" dirty="0">
+                <a:ea typeface="ＭＳ Ｐゴシック" pitchFamily="-106" charset="-128"/>
+                <a:cs typeface="ＭＳ Ｐゴシック" pitchFamily="-106" charset="-128"/>
+              </a:rPr>
+              <a:t>Can be bound to a certain formal education</a:t>
+            </a:r>
+          </a:p>
+          <a:p>
+            <a:pPr lvl="2">
+              <a:buSzPct val="80000"/>
+              <a:buFont typeface=".AppleSDGothicNeoI-Regular" charset="-127"/>
+              <a:buChar char="◼︎"/>
+            </a:pPr>
+            <a:r>
+              <a:rPr lang="en-US" dirty="0">
+                <a:ea typeface="ＭＳ Ｐゴシック" pitchFamily="-106" charset="-128"/>
+                <a:cs typeface="ＭＳ Ｐゴシック" pitchFamily="-106" charset="-128"/>
+              </a:rPr>
+              <a:t>Can require to demonstrate skill in dedicated tests</a:t>
+            </a:r>
+          </a:p>
+          <a:p>
+            <a:pPr lvl="2">
+              <a:buSzPct val="80000"/>
+              <a:buFont typeface=".AppleSDGothicNeoI-Regular" charset="-127"/>
+              <a:buChar char="◼︎"/>
+            </a:pPr>
+            <a:r>
+              <a:rPr lang="en-US" dirty="0">
+                <a:ea typeface="ＭＳ Ｐゴシック" pitchFamily="-106" charset="-128"/>
+                <a:cs typeface="ＭＳ Ｐゴシック" pitchFamily="-106" charset="-128"/>
+              </a:rPr>
+              <a:t>Ensuring that professionals posses the necessary technical skills</a:t>
+            </a:r>
+          </a:p>
+          <a:p>
+            <a:pPr lvl="2">
+              <a:buSzPct val="80000"/>
+              <a:buFont typeface=".AppleSDGothicNeoI-Regular" charset="-127"/>
+              <a:buChar char="◼︎"/>
+            </a:pPr>
+            <a:r>
+              <a:rPr lang="en-US" dirty="0">
+                <a:ea typeface="ＭＳ Ｐゴシック" pitchFamily="-106" charset="-128"/>
+                <a:cs typeface="ＭＳ Ｐゴシック" pitchFamily="-106" charset="-128"/>
+              </a:rPr>
+              <a:t>Enforcing that professionals understand the codes of conduct</a:t>
+            </a:r>
+            <a:endParaRPr lang="en-US" sz="800" dirty="0">
+              <a:ea typeface="ＭＳ Ｐゴシック" pitchFamily="-106" charset="-128"/>
+              <a:cs typeface="ＭＳ Ｐゴシック" pitchFamily="-106" charset="-128"/>
+            </a:endParaRPr>
+          </a:p>
+        </p:txBody>
+      </p:sp>
+      <p:sp>
+        <p:nvSpPr>
+          <p:cNvPr id="5" name="Slide Number Placeholder 4"/>
+          <p:cNvSpPr>
+            <a:spLocks noGrp="1"/>
+          </p:cNvSpPr>
+          <p:nvPr>
+            <p:ph type="sldNum" sz="quarter" idx="12"/>
+          </p:nvPr>
+        </p:nvSpPr>
+        <p:spPr/>
+        <p:txBody>
+          <a:bodyPr/>
+          <a:lstStyle/>
+          <a:p>
+            <a:pPr>
+              <a:defRPr/>
+            </a:pPr>
+            <a:fld id="{0DF685E1-000B-FF46-B3AC-A509A8EDE44A}" type="slidenum">
+              <a:rPr lang="de-DE" smtClean="0"/>
+              <a:pPr>
+                <a:defRPr/>
+              </a:pPr>
+              <a:t>19</a:t>
             </a:fld>
             <a:endParaRPr lang="de-DE"/>
           </a:p>
@@ -15815,245 +15818,6 @@
 </p:sld>
 </file>
 
-<file path=ppt/slides/slide19.xml><?xml version="1.0" encoding="utf-8"?>
-<p:sld xmlns:a="http://schemas.openxmlformats.org/drawingml/2006/main" xmlns:r="http://schemas.openxmlformats.org/officeDocument/2006/relationships" xmlns:p="http://schemas.openxmlformats.org/presentationml/2006/main">
-  <p:cSld>
-    <p:spTree>
-      <p:nvGrpSpPr>
-        <p:cNvPr id="1" name=""/>
-        <p:cNvGrpSpPr/>
-        <p:nvPr/>
-      </p:nvGrpSpPr>
-      <p:grpSpPr>
-        <a:xfrm>
-          <a:off x="0" y="0"/>
-          <a:ext cx="0" cy="0"/>
-          <a:chOff x="0" y="0"/>
-          <a:chExt cx="0" cy="0"/>
-        </a:xfrm>
-      </p:grpSpPr>
-      <p:sp>
-        <p:nvSpPr>
-          <p:cNvPr id="2" name="Title 1">
-            <a:extLst>
-              <a:ext uri="{FF2B5EF4-FFF2-40B4-BE49-F238E27FC236}">
-                <a16:creationId xmlns:a16="http://schemas.microsoft.com/office/drawing/2014/main" id="{DC1F5018-748B-4F25-8BAC-BF147F9F0C04}"/>
-              </a:ext>
-            </a:extLst>
-          </p:cNvPr>
-          <p:cNvSpPr>
-            <a:spLocks noGrp="1"/>
-          </p:cNvSpPr>
-          <p:nvPr>
-            <p:ph type="title"/>
-          </p:nvPr>
-        </p:nvSpPr>
-        <p:spPr/>
-        <p:txBody>
-          <a:bodyPr/>
-          <a:lstStyle/>
-          <a:p>
-            <a:r>
-              <a:rPr lang="en-US" dirty="0"/>
-              <a:t>EU regulation [1][2] – Uses of AI</a:t>
-            </a:r>
-          </a:p>
-        </p:txBody>
-      </p:sp>
-      <p:sp>
-        <p:nvSpPr>
-          <p:cNvPr id="3" name="Content Placeholder 2">
-            <a:extLst>
-              <a:ext uri="{FF2B5EF4-FFF2-40B4-BE49-F238E27FC236}">
-                <a16:creationId xmlns:a16="http://schemas.microsoft.com/office/drawing/2014/main" id="{43646576-7D48-486A-8930-74D50035E51B}"/>
-              </a:ext>
-            </a:extLst>
-          </p:cNvPr>
-          <p:cNvSpPr>
-            <a:spLocks noGrp="1"/>
-          </p:cNvSpPr>
-          <p:nvPr>
-            <p:ph idx="1"/>
-          </p:nvPr>
-        </p:nvSpPr>
-        <p:spPr>
-          <a:xfrm>
-            <a:off x="478369" y="1213308"/>
-            <a:ext cx="11473384" cy="3938514"/>
-          </a:xfrm>
-        </p:spPr>
-        <p:txBody>
-          <a:bodyPr/>
-          <a:lstStyle/>
-          <a:p>
-            <a:r>
-              <a:rPr lang="en-US" dirty="0"/>
-              <a:t>The proposal sets a nuanced regulatory structure that </a:t>
-            </a:r>
-          </a:p>
-          <a:p>
-            <a:pPr marL="342900" indent="-342900">
-              <a:buFont typeface="Wingdings" panose="05000000000000000000" pitchFamily="2" charset="2"/>
-              <a:buChar char="§"/>
-            </a:pPr>
-            <a:r>
-              <a:rPr lang="en-US" dirty="0"/>
-              <a:t>bans some uses of AI</a:t>
-            </a:r>
-          </a:p>
-          <a:p>
-            <a:pPr marL="584194" lvl="1" indent="-342900">
-              <a:buFont typeface="Wingdings" panose="05000000000000000000" pitchFamily="2" charset="2"/>
-              <a:buChar char="§"/>
-            </a:pPr>
-            <a:r>
-              <a:rPr lang="en-US" dirty="0"/>
-              <a:t>Paragraph 23 - The use of AI systems for ‘real-time’ remote biometric identification of natural persons in publicly accessible spaces for the purpose of law enforcement necessarily involves the processing of biometric data.</a:t>
-            </a:r>
-          </a:p>
-          <a:p>
-            <a:pPr marL="342900" indent="-342900">
-              <a:buFont typeface="Wingdings" panose="05000000000000000000" pitchFamily="2" charset="2"/>
-              <a:buChar char="§"/>
-            </a:pPr>
-            <a:r>
-              <a:rPr lang="en-US" dirty="0"/>
-              <a:t>heavily regulates high-risk uses</a:t>
-            </a:r>
-          </a:p>
-          <a:p>
-            <a:pPr marL="584194" lvl="1" indent="-342900">
-              <a:buFont typeface="Wingdings" panose="05000000000000000000" pitchFamily="2" charset="2"/>
-              <a:buChar char="§"/>
-            </a:pPr>
-            <a:r>
-              <a:rPr lang="en-US" dirty="0"/>
-              <a:t>rules on data and data governance; documentation and record-keeping; transparency and provision of information to users; human oversight; and robustness, accuracy and security.</a:t>
-            </a:r>
-          </a:p>
-          <a:p>
-            <a:pPr marL="342900" indent="-342900">
-              <a:buFont typeface="Wingdings" panose="05000000000000000000" pitchFamily="2" charset="2"/>
-              <a:buChar char="§"/>
-            </a:pPr>
-            <a:r>
-              <a:rPr lang="en-US" dirty="0"/>
-              <a:t>lightly regulates less risky AI systems</a:t>
-            </a:r>
-          </a:p>
-        </p:txBody>
-      </p:sp>
-      <p:sp>
-        <p:nvSpPr>
-          <p:cNvPr id="4" name="Slide Number Placeholder 4">
-            <a:extLst>
-              <a:ext uri="{FF2B5EF4-FFF2-40B4-BE49-F238E27FC236}">
-                <a16:creationId xmlns:a16="http://schemas.microsoft.com/office/drawing/2014/main" id="{0921E304-37E6-443A-92CF-F072F7FD9888}"/>
-              </a:ext>
-            </a:extLst>
-          </p:cNvPr>
-          <p:cNvSpPr>
-            <a:spLocks noGrp="1"/>
-          </p:cNvSpPr>
-          <p:nvPr>
-            <p:ph type="sldNum" sz="quarter" idx="12"/>
-          </p:nvPr>
-        </p:nvSpPr>
-        <p:spPr>
-          <a:xfrm>
-            <a:off x="11180006" y="6486805"/>
-            <a:ext cx="771750" cy="260792"/>
-          </a:xfrm>
-        </p:spPr>
-        <p:txBody>
-          <a:bodyPr/>
-          <a:lstStyle/>
-          <a:p>
-            <a:pPr>
-              <a:defRPr/>
-            </a:pPr>
-            <a:fld id="{0DF685E1-000B-FF46-B3AC-A509A8EDE44A}" type="slidenum">
-              <a:rPr lang="de-DE" smtClean="0"/>
-              <a:pPr>
-                <a:defRPr/>
-              </a:pPr>
-              <a:t>19</a:t>
-            </a:fld>
-            <a:endParaRPr lang="de-DE" dirty="0"/>
-          </a:p>
-        </p:txBody>
-      </p:sp>
-      <p:sp>
-        <p:nvSpPr>
-          <p:cNvPr id="6" name="TextBox 5">
-            <a:extLst>
-              <a:ext uri="{FF2B5EF4-FFF2-40B4-BE49-F238E27FC236}">
-                <a16:creationId xmlns:a16="http://schemas.microsoft.com/office/drawing/2014/main" id="{260BC71D-10C5-4116-A242-321C63EDE500}"/>
-              </a:ext>
-            </a:extLst>
-          </p:cNvPr>
-          <p:cNvSpPr txBox="1"/>
-          <p:nvPr/>
-        </p:nvSpPr>
-        <p:spPr bwMode="gray">
-          <a:xfrm>
-            <a:off x="73990" y="5490587"/>
-            <a:ext cx="11762510" cy="1223412"/>
-          </a:xfrm>
-          <a:prstGeom prst="rect">
-            <a:avLst/>
-          </a:prstGeom>
-          <a:noFill/>
-        </p:spPr>
-        <p:txBody>
-          <a:bodyPr wrap="square">
-            <a:spAutoFit/>
-          </a:bodyPr>
-          <a:lstStyle/>
-          <a:p>
-            <a:endParaRPr lang="en-US" sz="1050" dirty="0"/>
-          </a:p>
-          <a:p>
-            <a:r>
-              <a:rPr lang="en-US" sz="1050" dirty="0"/>
-              <a:t>sources: </a:t>
-            </a:r>
-          </a:p>
-          <a:p>
-            <a:r>
-              <a:rPr lang="en-US" sz="1050" dirty="0"/>
-              <a:t>[1] </a:t>
-            </a:r>
-            <a:r>
-              <a:rPr lang="en-US" sz="1050" dirty="0" err="1"/>
-              <a:t>MacCarthy</a:t>
-            </a:r>
-            <a:r>
-              <a:rPr lang="en-US" sz="1050" dirty="0"/>
-              <a:t>, M., &amp; Propp, K., 2021, Machines learn that Brussels writes the rules: The EU’s new AI regulation, https://www.brookings.edu/blog/techtank/2021/05/04/machines-learn-that-brussels-writes-the-rules-the-eus-new-ai-regulation/</a:t>
-            </a:r>
-          </a:p>
-          <a:p>
-            <a:r>
-              <a:rPr lang="en-US" sz="1050" dirty="0"/>
-              <a:t>[2] European Commission, 2021, Proposal for a REGULATION OF THE EUROPEAN PARLIAMENT AND OF THE COUNCIL LAYING DOWN HARMONISED RULES ON ARTIFICIAL INTELLIGENCE (ARTIFICIAL INTELLIGENCE ACT) AND AMENDING CERTAIN UNION LEGISLATIVE ACTS, https://eur-lex.europa.eu/legal-content/EN/TXT/?qid=1623335154975&amp;uri=CELEX%3A52021PC0206</a:t>
-            </a:r>
-          </a:p>
-        </p:txBody>
-      </p:sp>
-    </p:spTree>
-    <p:extLst>
-      <p:ext uri="{BB962C8B-B14F-4D97-AF65-F5344CB8AC3E}">
-        <p14:creationId xmlns:p14="http://schemas.microsoft.com/office/powerpoint/2010/main" val="3834167228"/>
-      </p:ext>
-    </p:extLst>
-  </p:cSld>
-  <p:clrMapOvr>
-    <a:masterClrMapping/>
-  </p:clrMapOvr>
-</p:sld>
-</file>
-
 <file path=ppt/slides/slide2.xml><?xml version="1.0" encoding="utf-8"?>
 <p:sld xmlns:a="http://schemas.openxmlformats.org/drawingml/2006/main" xmlns:r="http://schemas.openxmlformats.org/officeDocument/2006/relationships" xmlns:p="http://schemas.openxmlformats.org/presentationml/2006/main">
   <p:cSld>
@@ -16076,7 +15840,7 @@
           <p:cNvPr id="2" name="Title 1">
             <a:extLst>
               <a:ext uri="{FF2B5EF4-FFF2-40B4-BE49-F238E27FC236}">
-                <a16:creationId xmlns:a16="http://schemas.microsoft.com/office/drawing/2014/main" id="{23E028E1-F30E-4783-BB66-149C70664E3F}"/>
+                <a16:creationId xmlns:a16="http://schemas.microsoft.com/office/drawing/2014/main" id="{82552EAD-7F88-4BB9-A8E0-32ACDF034DC0}"/>
               </a:ext>
             </a:extLst>
           </p:cNvPr>
@@ -16084,320 +15848,398 @@
             <a:spLocks noGrp="1"/>
           </p:cNvSpPr>
           <p:nvPr>
-            <p:ph type="title"/>
-          </p:nvPr>
-        </p:nvSpPr>
-        <p:spPr/>
-        <p:txBody>
-          <a:bodyPr/>
-          <a:lstStyle/>
-          <a:p>
-            <a:r>
-              <a:rPr lang="en-US"/>
-              <a:t>Sources (Books)</a:t>
-            </a:r>
-            <a:endParaRPr lang="en-US" dirty="0"/>
-          </a:p>
-        </p:txBody>
-      </p:sp>
-      <p:pic>
-        <p:nvPicPr>
-          <p:cNvPr id="5" name="Content Placeholder 4" descr="Diagram&#10;&#10;Description automatically generated">
+            <p:ph type="ctrTitle"/>
+          </p:nvPr>
+        </p:nvSpPr>
+        <p:spPr>
+          <a:xfrm>
+            <a:off x="1524000" y="1420091"/>
+            <a:ext cx="7772400" cy="3364491"/>
+          </a:xfrm>
+        </p:spPr>
+        <p:txBody>
+          <a:bodyPr>
+            <a:noAutofit/>
+          </a:bodyPr>
+          <a:lstStyle/>
+          <a:p>
+            <a:r>
+              <a:rPr lang="en-US" altLang="x-none" sz="1600" dirty="0">
+                <a:ea typeface="ＭＳ Ｐゴシック" charset="-128"/>
+              </a:rPr>
+              <a:t>Winter Term 21/22</a:t>
+            </a:r>
+            <a:br>
+              <a:rPr lang="en-US" altLang="x-none" sz="1600" dirty="0">
+                <a:ea typeface="ＭＳ Ｐゴシック" charset="-128"/>
+              </a:rPr>
+            </a:br>
+            <a:r>
+              <a:rPr lang="en-US" sz="3200" b="1" dirty="0"/>
+              <a:t>Artificial Intelligence, Ethics &amp; Engineering</a:t>
+            </a:r>
+            <a:br>
+              <a:rPr lang="en-US" sz="3200" b="1" dirty="0"/>
+            </a:br>
+            <a:br>
+              <a:rPr lang="en-US" sz="3200" dirty="0"/>
+            </a:br>
+            <a:r>
+              <a:rPr lang="en-US" sz="3200" b="1" dirty="0"/>
+              <a:t>Lecture-3: </a:t>
+            </a:r>
+            <a:r>
+              <a:rPr lang="en-US" sz="3200" b="1" dirty="0">
+                <a:ea typeface="ＭＳ Ｐゴシック" pitchFamily="-106" charset="-128"/>
+                <a:cs typeface="ＭＳ Ｐゴシック" pitchFamily="-106" charset="-128"/>
+              </a:rPr>
+              <a:t>Responsibilities &amp; Codes of Conduct</a:t>
+            </a:r>
+            <a:endParaRPr lang="en-US" sz="3200" dirty="0"/>
+          </a:p>
+        </p:txBody>
+      </p:sp>
+      <p:sp>
+        <p:nvSpPr>
+          <p:cNvPr id="3" name="Subtitle 2">
             <a:extLst>
               <a:ext uri="{FF2B5EF4-FFF2-40B4-BE49-F238E27FC236}">
-                <a16:creationId xmlns:a16="http://schemas.microsoft.com/office/drawing/2014/main" id="{9BBBF0A9-AE34-4F65-88BE-6AA07C8020B9}"/>
+                <a16:creationId xmlns:a16="http://schemas.microsoft.com/office/drawing/2014/main" id="{FAAC66FE-098C-478E-A45A-7469400A3BF8}"/>
               </a:ext>
             </a:extLst>
           </p:cNvPr>
-          <p:cNvPicPr>
-            <a:picLocks noGrp="1" noChangeAspect="1"/>
-          </p:cNvPicPr>
-          <p:nvPr>
-            <p:ph idx="1"/>
-          </p:nvPr>
-        </p:nvPicPr>
-        <p:blipFill>
-          <a:blip r:embed="rId2">
-            <a:extLst>
-              <a:ext uri="{28A0092B-C50C-407E-A947-70E740481C1C}">
-                <a14:useLocalDpi xmlns:a14="http://schemas.microsoft.com/office/drawing/2010/main" val="0"/>
-              </a:ext>
-            </a:extLst>
-          </a:blip>
-          <a:stretch>
-            <a:fillRect/>
-          </a:stretch>
-        </p:blipFill>
+          <p:cNvSpPr>
+            <a:spLocks noGrp="1"/>
+          </p:cNvSpPr>
+          <p:nvPr>
+            <p:ph type="subTitle" idx="1"/>
+          </p:nvPr>
+        </p:nvSpPr>
         <p:spPr>
           <a:xfrm>
-            <a:off x="1175289" y="1025813"/>
-            <a:ext cx="1858577" cy="2665029"/>
+            <a:off x="1524000" y="4907756"/>
+            <a:ext cx="9144000" cy="1655762"/>
           </a:xfrm>
         </p:spPr>
-      </p:pic>
-      <p:pic>
-        <p:nvPicPr>
-          <p:cNvPr id="9" name="Picture 8" descr="Graphical user interface, website&#10;&#10;Description automatically generated">
+        <p:txBody>
+          <a:bodyPr/>
+          <a:lstStyle/>
+          <a:p>
+            <a:pPr marL="0" marR="0" lvl="0" indent="0" algn="ctr" defTabSz="1219170" rtl="0" eaLnBrk="1" fontAlgn="auto" latinLnBrk="0" hangingPunct="1">
+              <a:lnSpc>
+                <a:spcPts val="2667"/>
+              </a:lnSpc>
+              <a:spcBef>
+                <a:spcPts val="400"/>
+              </a:spcBef>
+              <a:spcAft>
+                <a:spcPts val="400"/>
+              </a:spcAft>
+              <a:buClrTx/>
+              <a:buSzTx/>
+              <a:buFont typeface="Arial" panose="020B0604020202020204" pitchFamily="34" charset="0"/>
+              <a:buNone/>
+              <a:tabLst/>
+              <a:defRPr/>
+            </a:pPr>
+            <a:r>
+              <a:rPr kumimoji="0" lang="en-US" altLang="x-none" sz="1600" b="0" i="0" u="none" strike="noStrike" kern="1200" cap="none" spc="0" normalizeH="0" baseline="0" noProof="0" dirty="0">
+                <a:ln>
+                  <a:noFill/>
+                </a:ln>
+                <a:solidFill>
+                  <a:srgbClr val="323232"/>
+                </a:solidFill>
+                <a:effectLst/>
+                <a:uLnTx/>
+                <a:uFillTx/>
+                <a:latin typeface="Verdana"/>
+                <a:ea typeface="ＭＳ Ｐゴシック" charset="-128"/>
+                <a:cs typeface="+mn-cs"/>
+              </a:rPr>
+              <a:t>Prof. Dr. Holger Giese (</a:t>
+            </a:r>
+            <a:r>
+              <a:rPr kumimoji="0" lang="en-US" altLang="x-none" sz="1600" b="0" i="0" u="none" strike="noStrike" kern="1200" cap="none" spc="0" normalizeH="0" baseline="0" noProof="0" dirty="0">
+                <a:ln>
+                  <a:noFill/>
+                </a:ln>
+                <a:solidFill>
+                  <a:srgbClr val="323232"/>
+                </a:solidFill>
+                <a:effectLst/>
+                <a:uLnTx/>
+                <a:uFillTx/>
+                <a:latin typeface="Verdana"/>
+                <a:ea typeface="ＭＳ Ｐゴシック" charset="-128"/>
+                <a:cs typeface="+mn-cs"/>
+                <a:hlinkClick r:id="rId3"/>
+              </a:rPr>
+              <a:t>holger.giese@hpi.uni-potsdam.de)</a:t>
+            </a:r>
+            <a:r>
+              <a:rPr kumimoji="0" lang="en-US" altLang="x-none" sz="1600" b="0" i="0" u="none" strike="noStrike" kern="1200" cap="none" spc="0" normalizeH="0" baseline="0" noProof="0" dirty="0">
+                <a:ln>
+                  <a:noFill/>
+                </a:ln>
+                <a:solidFill>
+                  <a:srgbClr val="323232"/>
+                </a:solidFill>
+                <a:effectLst/>
+                <a:uLnTx/>
+                <a:uFillTx/>
+                <a:latin typeface="Verdana"/>
+                <a:ea typeface="ＭＳ Ｐゴシック" charset="-128"/>
+                <a:cs typeface="+mn-cs"/>
+              </a:rPr>
+              <a:t> </a:t>
+            </a:r>
+          </a:p>
+          <a:p>
+            <a:pPr marL="0" marR="0" lvl="0" indent="0" algn="ctr" defTabSz="1219170" rtl="0" eaLnBrk="1" fontAlgn="auto" latinLnBrk="0" hangingPunct="1">
+              <a:lnSpc>
+                <a:spcPts val="2667"/>
+              </a:lnSpc>
+              <a:spcBef>
+                <a:spcPts val="400"/>
+              </a:spcBef>
+              <a:spcAft>
+                <a:spcPts val="400"/>
+              </a:spcAft>
+              <a:buClrTx/>
+              <a:buSzTx/>
+              <a:buFont typeface="Arial" panose="020B0604020202020204" pitchFamily="34" charset="0"/>
+              <a:buNone/>
+              <a:tabLst/>
+              <a:defRPr/>
+            </a:pPr>
+            <a:r>
+              <a:rPr kumimoji="0" lang="en-US" altLang="x-none" sz="1600" b="0" i="0" u="none" strike="noStrike" kern="1200" cap="none" spc="0" normalizeH="0" baseline="0" noProof="0" dirty="0">
+                <a:ln>
+                  <a:noFill/>
+                </a:ln>
+                <a:solidFill>
+                  <a:srgbClr val="323232"/>
+                </a:solidFill>
+                <a:effectLst/>
+                <a:uLnTx/>
+                <a:uFillTx/>
+                <a:latin typeface="Verdana"/>
+                <a:ea typeface="ＭＳ Ｐゴシック" charset="-128"/>
+                <a:cs typeface="+mn-cs"/>
+              </a:rPr>
+              <a:t>Christian Medeiros Adriano (</a:t>
+            </a:r>
+            <a:r>
+              <a:rPr kumimoji="0" lang="en-US" altLang="x-none" sz="1600" b="0" i="0" u="none" strike="noStrike" kern="1200" cap="none" spc="0" normalizeH="0" baseline="0" noProof="0" dirty="0">
+                <a:ln>
+                  <a:noFill/>
+                </a:ln>
+                <a:solidFill>
+                  <a:srgbClr val="323232"/>
+                </a:solidFill>
+                <a:effectLst/>
+                <a:uLnTx/>
+                <a:uFillTx/>
+                <a:latin typeface="Verdana"/>
+                <a:ea typeface="ＭＳ Ｐゴシック" charset="-128"/>
+                <a:cs typeface="+mn-cs"/>
+                <a:hlinkClick r:id="rId4"/>
+              </a:rPr>
+              <a:t>christian.adriano@hpi.de</a:t>
+            </a:r>
+            <a:r>
+              <a:rPr kumimoji="0" lang="en-US" altLang="x-none" sz="1600" b="0" i="0" u="none" strike="noStrike" kern="1200" cap="none" spc="0" normalizeH="0" baseline="0" noProof="0" dirty="0">
+                <a:ln>
+                  <a:noFill/>
+                </a:ln>
+                <a:solidFill>
+                  <a:srgbClr val="323232"/>
+                </a:solidFill>
+                <a:effectLst/>
+                <a:uLnTx/>
+                <a:uFillTx/>
+                <a:latin typeface="Verdana"/>
+                <a:ea typeface="ＭＳ Ｐゴシック" charset="-128"/>
+                <a:cs typeface="+mn-cs"/>
+              </a:rPr>
+              <a:t>) - </a:t>
+            </a:r>
+            <a:r>
+              <a:rPr kumimoji="0" lang="en-US" altLang="x-none" sz="1600" b="1" i="0" u="none" strike="noStrike" kern="1200" cap="none" spc="0" normalizeH="0" baseline="0" noProof="0" dirty="0">
+                <a:ln>
+                  <a:noFill/>
+                </a:ln>
+                <a:solidFill>
+                  <a:srgbClr val="323232"/>
+                </a:solidFill>
+                <a:effectLst/>
+                <a:uLnTx/>
+                <a:uFillTx/>
+                <a:latin typeface="Verdana"/>
+                <a:ea typeface="ＭＳ Ｐゴシック" charset="-128"/>
+                <a:cs typeface="+mn-cs"/>
+              </a:rPr>
+              <a:t>“Chris”</a:t>
+            </a:r>
+            <a:endParaRPr kumimoji="0" lang="en-US" altLang="x-none" sz="1600" b="0" i="0" u="none" strike="noStrike" kern="1200" cap="none" spc="0" normalizeH="0" baseline="0" noProof="0" dirty="0">
+              <a:ln>
+                <a:noFill/>
+              </a:ln>
+              <a:solidFill>
+                <a:srgbClr val="323232"/>
+              </a:solidFill>
+              <a:effectLst/>
+              <a:uLnTx/>
+              <a:uFillTx/>
+              <a:latin typeface="Verdana"/>
+              <a:ea typeface="ＭＳ Ｐゴシック" charset="-128"/>
+              <a:cs typeface="+mn-cs"/>
+            </a:endParaRPr>
+          </a:p>
+          <a:p>
+            <a:pPr marL="0" marR="0" lvl="0" indent="0" algn="ctr" defTabSz="1219170" rtl="0" eaLnBrk="1" fontAlgn="auto" latinLnBrk="0" hangingPunct="1">
+              <a:lnSpc>
+                <a:spcPts val="2667"/>
+              </a:lnSpc>
+              <a:spcBef>
+                <a:spcPts val="400"/>
+              </a:spcBef>
+              <a:spcAft>
+                <a:spcPts val="400"/>
+              </a:spcAft>
+              <a:buClrTx/>
+              <a:buSzTx/>
+              <a:buFont typeface="Arial" panose="020B0604020202020204" pitchFamily="34" charset="0"/>
+              <a:buNone/>
+              <a:tabLst/>
+              <a:defRPr/>
+            </a:pPr>
+            <a:r>
+              <a:rPr kumimoji="0" lang="en-US" altLang="x-none" sz="1600" b="0" i="0" u="none" strike="noStrike" kern="1200" cap="none" spc="0" normalizeH="0" baseline="0" noProof="0" dirty="0">
+                <a:ln>
+                  <a:noFill/>
+                </a:ln>
+                <a:solidFill>
+                  <a:srgbClr val="323232"/>
+                </a:solidFill>
+                <a:effectLst/>
+                <a:uLnTx/>
+                <a:uFillTx/>
+                <a:latin typeface="Verdana"/>
+                <a:ea typeface="ＭＳ Ｐゴシック" charset="-128"/>
+                <a:cs typeface="+mn-cs"/>
+              </a:rPr>
+              <a:t>Christian Z</a:t>
+            </a:r>
+            <a:r>
+              <a:rPr kumimoji="0" lang="de-DE" altLang="x-none" sz="1600" b="0" i="0" u="none" strike="noStrike" kern="1200" cap="none" spc="0" normalizeH="0" baseline="0" noProof="0" dirty="0" err="1">
+                <a:ln>
+                  <a:noFill/>
+                </a:ln>
+                <a:solidFill>
+                  <a:srgbClr val="323232"/>
+                </a:solidFill>
+                <a:effectLst/>
+                <a:uLnTx/>
+                <a:uFillTx/>
+                <a:latin typeface="Verdana"/>
+                <a:ea typeface="ＭＳ Ｐゴシック" charset="-128"/>
+                <a:cs typeface="+mn-cs"/>
+              </a:rPr>
+              <a:t>öllner</a:t>
+            </a:r>
+            <a:r>
+              <a:rPr kumimoji="0" lang="en-US" altLang="x-none" sz="1600" b="0" i="0" u="none" strike="noStrike" kern="1200" cap="none" spc="0" normalizeH="0" baseline="0" noProof="0" dirty="0">
+                <a:ln>
+                  <a:noFill/>
+                </a:ln>
+                <a:solidFill>
+                  <a:srgbClr val="323232"/>
+                </a:solidFill>
+                <a:effectLst/>
+                <a:uLnTx/>
+                <a:uFillTx/>
+                <a:latin typeface="Verdana"/>
+                <a:ea typeface="ＭＳ Ｐゴシック" charset="-128"/>
+                <a:cs typeface="+mn-cs"/>
+              </a:rPr>
+              <a:t> (</a:t>
+            </a:r>
+            <a:r>
+              <a:rPr kumimoji="0" lang="en-US" altLang="x-none" sz="1600" b="0" i="0" u="none" strike="noStrike" kern="1200" cap="none" spc="0" normalizeH="0" baseline="0" noProof="0" dirty="0">
+                <a:ln>
+                  <a:noFill/>
+                </a:ln>
+                <a:solidFill>
+                  <a:srgbClr val="323232"/>
+                </a:solidFill>
+                <a:effectLst/>
+                <a:uLnTx/>
+                <a:uFillTx/>
+                <a:latin typeface="Verdana"/>
+                <a:ea typeface="ＭＳ Ｐゴシック" charset="-128"/>
+                <a:cs typeface="+mn-cs"/>
+                <a:hlinkClick r:id="rId5"/>
+              </a:rPr>
+              <a:t>Christian.zoellner@hpi.de</a:t>
+            </a:r>
+            <a:r>
+              <a:rPr kumimoji="0" lang="en-US" altLang="x-none" sz="1600" b="0" i="0" u="none" strike="noStrike" kern="1200" cap="none" spc="0" normalizeH="0" baseline="0" noProof="0" dirty="0">
+                <a:ln>
+                  <a:noFill/>
+                </a:ln>
+                <a:solidFill>
+                  <a:srgbClr val="323232"/>
+                </a:solidFill>
+                <a:effectLst/>
+                <a:uLnTx/>
+                <a:uFillTx/>
+                <a:latin typeface="Verdana"/>
+                <a:ea typeface="ＭＳ Ｐゴシック" charset="-128"/>
+                <a:cs typeface="+mn-cs"/>
+              </a:rPr>
+              <a:t>)</a:t>
+            </a:r>
+          </a:p>
+          <a:p>
+            <a:endParaRPr lang="en-US" dirty="0"/>
+          </a:p>
+        </p:txBody>
+      </p:sp>
+      <p:sp>
+        <p:nvSpPr>
+          <p:cNvPr id="4" name="Slide Number Placeholder 3">
             <a:extLst>
               <a:ext uri="{FF2B5EF4-FFF2-40B4-BE49-F238E27FC236}">
-                <a16:creationId xmlns:a16="http://schemas.microsoft.com/office/drawing/2014/main" id="{FF181329-F0D2-455C-BC57-3CD76876DC96}"/>
+                <a16:creationId xmlns:a16="http://schemas.microsoft.com/office/drawing/2014/main" id="{E98E4445-B9A3-412B-8C72-2D279B2D7325}"/>
               </a:ext>
             </a:extLst>
           </p:cNvPr>
-          <p:cNvPicPr>
-            <a:picLocks noChangeAspect="1"/>
-          </p:cNvPicPr>
-          <p:nvPr/>
-        </p:nvPicPr>
-        <p:blipFill>
-          <a:blip r:embed="rId3">
-            <a:extLst>
-              <a:ext uri="{28A0092B-C50C-407E-A947-70E740481C1C}">
-                <a14:useLocalDpi xmlns:a14="http://schemas.microsoft.com/office/drawing/2010/main" val="0"/>
-              </a:ext>
-            </a:extLst>
-          </a:blip>
-          <a:stretch>
-            <a:fillRect/>
-          </a:stretch>
-        </p:blipFill>
-        <p:spPr>
-          <a:xfrm>
-            <a:off x="5682403" y="3930507"/>
-            <a:ext cx="1845800" cy="2792828"/>
-          </a:xfrm>
-          <a:prstGeom prst="rect">
-            <a:avLst/>
-          </a:prstGeom>
-        </p:spPr>
-      </p:pic>
-      <p:pic>
-        <p:nvPicPr>
-          <p:cNvPr id="13" name="Picture 12" descr="Graphical user interface&#10;&#10;Description automatically generated with medium confidence">
-            <a:extLst>
-              <a:ext uri="{FF2B5EF4-FFF2-40B4-BE49-F238E27FC236}">
-                <a16:creationId xmlns:a16="http://schemas.microsoft.com/office/drawing/2014/main" id="{E61CFC38-7F49-480F-B199-CF1FFE05417D}"/>
-              </a:ext>
-            </a:extLst>
-          </p:cNvPr>
-          <p:cNvPicPr>
-            <a:picLocks noChangeAspect="1"/>
-          </p:cNvPicPr>
-          <p:nvPr/>
-        </p:nvPicPr>
-        <p:blipFill>
-          <a:blip r:embed="rId4">
-            <a:extLst>
-              <a:ext uri="{28A0092B-C50C-407E-A947-70E740481C1C}">
-                <a14:useLocalDpi xmlns:a14="http://schemas.microsoft.com/office/drawing/2010/main" val="0"/>
-              </a:ext>
-            </a:extLst>
-          </a:blip>
-          <a:stretch>
-            <a:fillRect/>
-          </a:stretch>
-        </p:blipFill>
-        <p:spPr>
-          <a:xfrm>
-            <a:off x="3459942" y="3930507"/>
-            <a:ext cx="1902260" cy="2840360"/>
-          </a:xfrm>
-          <a:prstGeom prst="rect">
-            <a:avLst/>
-          </a:prstGeom>
-        </p:spPr>
-      </p:pic>
-      <p:pic>
-        <p:nvPicPr>
-          <p:cNvPr id="14" name="Picture 13" descr="Diagram&#10;&#10;Description automatically generated">
-            <a:extLst>
-              <a:ext uri="{FF2B5EF4-FFF2-40B4-BE49-F238E27FC236}">
-                <a16:creationId xmlns:a16="http://schemas.microsoft.com/office/drawing/2014/main" id="{68E61F7E-F32E-4930-B39A-C929363573C4}"/>
-              </a:ext>
-            </a:extLst>
-          </p:cNvPr>
-          <p:cNvPicPr>
-            <a:picLocks noChangeAspect="1"/>
-          </p:cNvPicPr>
-          <p:nvPr/>
-        </p:nvPicPr>
-        <p:blipFill>
-          <a:blip r:embed="rId5">
-            <a:extLst>
-              <a:ext uri="{28A0092B-C50C-407E-A947-70E740481C1C}">
-                <a14:useLocalDpi xmlns:a14="http://schemas.microsoft.com/office/drawing/2010/main" val="0"/>
-              </a:ext>
-            </a:extLst>
-          </a:blip>
-          <a:stretch>
-            <a:fillRect/>
-          </a:stretch>
-        </p:blipFill>
-        <p:spPr>
-          <a:xfrm>
-            <a:off x="7899409" y="1025813"/>
-            <a:ext cx="2526136" cy="2526136"/>
-          </a:xfrm>
-          <a:prstGeom prst="rect">
-            <a:avLst/>
-          </a:prstGeom>
-        </p:spPr>
-      </p:pic>
-      <p:pic>
-        <p:nvPicPr>
-          <p:cNvPr id="15" name="Picture 14" descr="Text&#10;&#10;Description automatically generated">
-            <a:extLst>
-              <a:ext uri="{FF2B5EF4-FFF2-40B4-BE49-F238E27FC236}">
-                <a16:creationId xmlns:a16="http://schemas.microsoft.com/office/drawing/2014/main" id="{A3D04B9D-291C-40B5-B0A4-03B5CCD42E2D}"/>
-              </a:ext>
-            </a:extLst>
-          </p:cNvPr>
-          <p:cNvPicPr>
-            <a:picLocks noChangeAspect="1"/>
-          </p:cNvPicPr>
-          <p:nvPr/>
-        </p:nvPicPr>
-        <p:blipFill>
-          <a:blip r:embed="rId6">
-            <a:extLst>
-              <a:ext uri="{28A0092B-C50C-407E-A947-70E740481C1C}">
-                <a14:useLocalDpi xmlns:a14="http://schemas.microsoft.com/office/drawing/2010/main" val="0"/>
-              </a:ext>
-            </a:extLst>
-          </a:blip>
-          <a:stretch>
-            <a:fillRect/>
-          </a:stretch>
-        </p:blipFill>
-        <p:spPr>
-          <a:xfrm>
-            <a:off x="5682403" y="889041"/>
-            <a:ext cx="1836522" cy="2828471"/>
-          </a:xfrm>
-          <a:prstGeom prst="rect">
-            <a:avLst/>
-          </a:prstGeom>
-        </p:spPr>
-      </p:pic>
-      <p:pic>
-        <p:nvPicPr>
-          <p:cNvPr id="16" name="Picture 15" descr="Diagram&#10;&#10;Description automatically generated">
-            <a:extLst>
-              <a:ext uri="{FF2B5EF4-FFF2-40B4-BE49-F238E27FC236}">
-                <a16:creationId xmlns:a16="http://schemas.microsoft.com/office/drawing/2014/main" id="{0D88CA9B-9AB4-414A-A3ED-2C80932A8A42}"/>
-              </a:ext>
-            </a:extLst>
-          </p:cNvPr>
-          <p:cNvPicPr>
-            <a:picLocks noChangeAspect="1"/>
-          </p:cNvPicPr>
-          <p:nvPr/>
-        </p:nvPicPr>
-        <p:blipFill>
-          <a:blip r:embed="rId7">
-            <a:extLst>
-              <a:ext uri="{28A0092B-C50C-407E-A947-70E740481C1C}">
-                <a14:useLocalDpi xmlns:a14="http://schemas.microsoft.com/office/drawing/2010/main" val="0"/>
-              </a:ext>
-            </a:extLst>
-          </a:blip>
-          <a:stretch>
-            <a:fillRect/>
-          </a:stretch>
-        </p:blipFill>
-        <p:spPr>
-          <a:xfrm>
-            <a:off x="3465397" y="1025813"/>
-            <a:ext cx="1785475" cy="2691699"/>
-          </a:xfrm>
-          <a:prstGeom prst="rect">
-            <a:avLst/>
-          </a:prstGeom>
-        </p:spPr>
-      </p:pic>
-      <p:pic>
-        <p:nvPicPr>
-          <p:cNvPr id="18" name="Picture 17" descr="Graphical user interface, text, application&#10;&#10;Description automatically generated">
-            <a:extLst>
-              <a:ext uri="{FF2B5EF4-FFF2-40B4-BE49-F238E27FC236}">
-                <a16:creationId xmlns:a16="http://schemas.microsoft.com/office/drawing/2014/main" id="{4BD54F54-8006-4F49-A850-BFE7F5939E75}"/>
-              </a:ext>
-            </a:extLst>
-          </p:cNvPr>
-          <p:cNvPicPr>
-            <a:picLocks noChangeAspect="1"/>
-          </p:cNvPicPr>
-          <p:nvPr/>
-        </p:nvPicPr>
-        <p:blipFill>
-          <a:blip r:embed="rId8">
-            <a:extLst>
-              <a:ext uri="{28A0092B-C50C-407E-A947-70E740481C1C}">
-                <a14:useLocalDpi xmlns:a14="http://schemas.microsoft.com/office/drawing/2010/main" val="0"/>
-              </a:ext>
-            </a:extLst>
-          </a:blip>
-          <a:stretch>
-            <a:fillRect/>
-          </a:stretch>
-        </p:blipFill>
-        <p:spPr>
-          <a:xfrm>
-            <a:off x="1123666" y="3911176"/>
-            <a:ext cx="1910201" cy="2871055"/>
-          </a:xfrm>
-          <a:prstGeom prst="rect">
-            <a:avLst/>
-          </a:prstGeom>
-        </p:spPr>
-      </p:pic>
-      <p:pic>
-        <p:nvPicPr>
-          <p:cNvPr id="19" name="Picture 18" descr="A picture containing diagram&#10;&#10;Description automatically generated">
-            <a:extLst>
-              <a:ext uri="{FF2B5EF4-FFF2-40B4-BE49-F238E27FC236}">
-                <a16:creationId xmlns:a16="http://schemas.microsoft.com/office/drawing/2014/main" id="{4EF4B145-8DB1-4B9C-9145-32FA17AF1DF7}"/>
-              </a:ext>
-            </a:extLst>
-          </p:cNvPr>
-          <p:cNvPicPr>
-            <a:picLocks noChangeAspect="1"/>
-          </p:cNvPicPr>
-          <p:nvPr/>
-        </p:nvPicPr>
-        <p:blipFill>
-          <a:blip r:embed="rId9">
-            <a:extLst>
-              <a:ext uri="{28A0092B-C50C-407E-A947-70E740481C1C}">
-                <a14:useLocalDpi xmlns:a14="http://schemas.microsoft.com/office/drawing/2010/main" val="0"/>
-              </a:ext>
-            </a:extLst>
-          </a:blip>
-          <a:stretch>
-            <a:fillRect/>
-          </a:stretch>
-        </p:blipFill>
-        <p:spPr>
-          <a:xfrm>
-            <a:off x="7899409" y="3909213"/>
-            <a:ext cx="2000661" cy="2804786"/>
-          </a:xfrm>
-          <a:prstGeom prst="rect">
-            <a:avLst/>
-          </a:prstGeom>
-          <a:ln>
-            <a:solidFill>
-              <a:schemeClr val="bg1">
-                <a:lumMod val="75000"/>
-              </a:schemeClr>
-            </a:solidFill>
-          </a:ln>
-        </p:spPr>
-      </p:pic>
+          <p:cNvSpPr>
+            <a:spLocks noGrp="1"/>
+          </p:cNvSpPr>
+          <p:nvPr>
+            <p:ph type="sldNum" sz="quarter" idx="12"/>
+          </p:nvPr>
+        </p:nvSpPr>
+        <p:spPr/>
+        <p:txBody>
+          <a:bodyPr/>
+          <a:lstStyle/>
+          <a:p>
+            <a:fld id="{477C7578-46E3-4DC5-9844-CB06902B4F72}" type="slidenum">
+              <a:rPr lang="en-US" smtClean="0"/>
+              <a:t>2</a:t>
+            </a:fld>
+            <a:endParaRPr lang="en-US"/>
+          </a:p>
+        </p:txBody>
+      </p:sp>
     </p:spTree>
     <p:extLst>
       <p:ext uri="{BB962C8B-B14F-4D97-AF65-F5344CB8AC3E}">
-        <p14:creationId xmlns:p14="http://schemas.microsoft.com/office/powerpoint/2010/main" val="2711821218"/>
+        <p14:creationId xmlns:p14="http://schemas.microsoft.com/office/powerpoint/2010/main" val="109778453"/>
       </p:ext>
     </p:extLst>
   </p:cSld>
@@ -16429,7 +16271,7 @@
           <p:cNvPr id="2" name="Title 1">
             <a:extLst>
               <a:ext uri="{FF2B5EF4-FFF2-40B4-BE49-F238E27FC236}">
-                <a16:creationId xmlns:a16="http://schemas.microsoft.com/office/drawing/2014/main" id="{7F3197F1-D4D1-40BF-B23E-CA2E9210C06F}"/>
+                <a16:creationId xmlns:a16="http://schemas.microsoft.com/office/drawing/2014/main" id="{DC1F5018-748B-4F25-8BAC-BF147F9F0C04}"/>
               </a:ext>
             </a:extLst>
           </p:cNvPr>
@@ -16447,7 +16289,7 @@
           <a:p>
             <a:r>
               <a:rPr lang="en-US" dirty="0"/>
-              <a:t>EU regulation [1][2] – Robustness for High-Risk AI</a:t>
+              <a:t>EU regulation [1][2] – Uses of AI</a:t>
             </a:r>
           </a:p>
         </p:txBody>
@@ -16457,7 +16299,7 @@
           <p:cNvPr id="3" name="Content Placeholder 2">
             <a:extLst>
               <a:ext uri="{FF2B5EF4-FFF2-40B4-BE49-F238E27FC236}">
-                <a16:creationId xmlns:a16="http://schemas.microsoft.com/office/drawing/2014/main" id="{0B46B58A-6B34-451E-AA7B-EA3110A8B8B8}"/>
+                <a16:creationId xmlns:a16="http://schemas.microsoft.com/office/drawing/2014/main" id="{43646576-7D48-486A-8930-74D50035E51B}"/>
               </a:ext>
             </a:extLst>
           </p:cNvPr>
@@ -16471,136 +16313,76 @@
         <p:spPr>
           <a:xfrm>
             <a:off x="478369" y="1213308"/>
-            <a:ext cx="11473384" cy="3835922"/>
+            <a:ext cx="11473384" cy="3938514"/>
           </a:xfrm>
         </p:spPr>
         <p:txBody>
           <a:bodyPr/>
           <a:lstStyle/>
           <a:p>
+            <a:r>
+              <a:rPr lang="en-US" dirty="0"/>
+              <a:t>The proposal sets a nuanced regulatory structure that </a:t>
+            </a:r>
+          </a:p>
+          <a:p>
             <a:pPr marL="342900" indent="-342900">
-              <a:buFont typeface="Arial" panose="020B0604020202020204" pitchFamily="34" charset="0"/>
-              <a:buChar char="•"/>
+              <a:buFont typeface="Wingdings" panose="05000000000000000000" pitchFamily="2" charset="2"/>
+              <a:buChar char="§"/>
             </a:pPr>
             <a:r>
               <a:rPr lang="en-US" dirty="0"/>
-              <a:t>has “proportionate” </a:t>
-            </a:r>
-            <a:r>
-              <a:rPr lang="en-US" dirty="0" err="1"/>
-              <a:t>postmarket</a:t>
-            </a:r>
+              <a:t>bans some uses of AI</a:t>
+            </a:r>
+          </a:p>
+          <a:p>
+            <a:pPr marL="584194" lvl="1" indent="-342900">
+              <a:buFont typeface="Wingdings" panose="05000000000000000000" pitchFamily="2" charset="2"/>
+              <a:buChar char="§"/>
+            </a:pPr>
             <a:r>
               <a:rPr lang="en-US" dirty="0"/>
-              <a:t> monitoring system to collect data on the system’s operation to ensure its “continuous compliance”</a:t>
+              <a:t>Paragraph 23 - The use of AI systems for ‘real-time’ remote biometric identification of natural persons in publicly accessible spaces for the purpose of law enforcement necessarily involves the processing of biometric data.</a:t>
             </a:r>
           </a:p>
           <a:p>
             <a:pPr marL="342900" indent="-342900">
-              <a:buFont typeface="Arial" panose="020B0604020202020204" pitchFamily="34" charset="0"/>
-              <a:buChar char="•"/>
+              <a:buFont typeface="Wingdings" panose="05000000000000000000" pitchFamily="2" charset="2"/>
+              <a:buChar char="§"/>
             </a:pPr>
             <a:r>
               <a:rPr lang="en-US" dirty="0"/>
-              <a:t>be “sufficiently transparent to enable users to understand and control how the high-risk AI system produces its output.” </a:t>
+              <a:t>heavily regulates high-risk uses</a:t>
+            </a:r>
+          </a:p>
+          <a:p>
+            <a:pPr marL="584194" lvl="1" indent="-342900">
+              <a:buFont typeface="Wingdings" panose="05000000000000000000" pitchFamily="2" charset="2"/>
+              <a:buChar char="§"/>
+            </a:pPr>
+            <a:r>
+              <a:rPr lang="en-US" dirty="0"/>
+              <a:t>rules on data and data governance; documentation and record-keeping; transparency and provision of information to users; human oversight; and robustness, accuracy and security.</a:t>
             </a:r>
           </a:p>
           <a:p>
             <a:pPr marL="342900" indent="-342900">
-              <a:buFont typeface="Arial" panose="020B0604020202020204" pitchFamily="34" charset="0"/>
-              <a:buChar char="•"/>
+              <a:buFont typeface="Wingdings" panose="05000000000000000000" pitchFamily="2" charset="2"/>
+              <a:buChar char="§"/>
             </a:pPr>
             <a:r>
               <a:rPr lang="en-US" dirty="0"/>
-              <a:t>discloses its “the level of accuracy, robustness and security,”</a:t>
-            </a:r>
-          </a:p>
-          <a:p>
-            <a:pPr marL="342900" indent="-342900">
-              <a:buFont typeface="Arial" panose="020B0604020202020204" pitchFamily="34" charset="0"/>
-              <a:buChar char="•"/>
-            </a:pPr>
-            <a:r>
-              <a:rPr lang="en-US" dirty="0"/>
-              <a:t>“meet a high level of accuracy that is appropriate for their intended purpose” and to continue to perform at that level of accuracy in use. </a:t>
-            </a:r>
-          </a:p>
-          <a:p>
-            <a:pPr marL="342900" indent="-342900">
-              <a:buFont typeface="Arial" panose="020B0604020202020204" pitchFamily="34" charset="0"/>
-              <a:buChar char="•"/>
-            </a:pPr>
-            <a:r>
-              <a:rPr lang="en-US" dirty="0"/>
-              <a:t>be resilient against “errors, faults or inconsistencies” and also against “attempts to alter their use or performance by malicious third parties intending to exploit system vulnerabilities.”</a:t>
-            </a:r>
-          </a:p>
-        </p:txBody>
-      </p:sp>
-      <p:sp>
-        <p:nvSpPr>
-          <p:cNvPr id="4" name="TextBox 3">
+              <a:t>lightly regulates less risky AI systems</a:t>
+            </a:r>
+          </a:p>
+        </p:txBody>
+      </p:sp>
+      <p:sp>
+        <p:nvSpPr>
+          <p:cNvPr id="4" name="Slide Number Placeholder 4">
             <a:extLst>
               <a:ext uri="{FF2B5EF4-FFF2-40B4-BE49-F238E27FC236}">
-                <a16:creationId xmlns:a16="http://schemas.microsoft.com/office/drawing/2014/main" id="{76171E3B-68CA-4746-8D57-58FB78253B8C}"/>
-              </a:ext>
-            </a:extLst>
-          </p:cNvPr>
-          <p:cNvSpPr txBox="1"/>
-          <p:nvPr/>
-        </p:nvSpPr>
-        <p:spPr bwMode="gray">
-          <a:xfrm>
-            <a:off x="73990" y="5490587"/>
-            <a:ext cx="11762510" cy="1223412"/>
-          </a:xfrm>
-          <a:prstGeom prst="rect">
-            <a:avLst/>
-          </a:prstGeom>
-          <a:noFill/>
-        </p:spPr>
-        <p:txBody>
-          <a:bodyPr wrap="square">
-            <a:spAutoFit/>
-          </a:bodyPr>
-          <a:lstStyle/>
-          <a:p>
-            <a:endParaRPr lang="en-US" sz="1050" dirty="0"/>
-          </a:p>
-          <a:p>
-            <a:r>
-              <a:rPr lang="en-US" sz="1050" dirty="0"/>
-              <a:t>sources: </a:t>
-            </a:r>
-          </a:p>
-          <a:p>
-            <a:r>
-              <a:rPr lang="en-US" sz="1050" dirty="0"/>
-              <a:t>[1] </a:t>
-            </a:r>
-            <a:r>
-              <a:rPr lang="en-US" sz="1050" dirty="0" err="1"/>
-              <a:t>MacCarthy</a:t>
-            </a:r>
-            <a:r>
-              <a:rPr lang="en-US" sz="1050" dirty="0"/>
-              <a:t>, M., &amp; Propp, K., 2021, Machines learn that Brussels writes the rules: The EU’s new AI regulation, https://www.brookings.edu/blog/techtank/2021/05/04/machines-learn-that-brussels-writes-the-rules-the-eus-new-ai-regulation/</a:t>
-            </a:r>
-          </a:p>
-          <a:p>
-            <a:r>
-              <a:rPr lang="en-US" sz="1050" dirty="0"/>
-              <a:t>[2] European Commission, 2021, Proposal for a REGULATION OF THE EUROPEAN PARLIAMENT AND OF THE COUNCIL LAYING DOWN HARMONISED RULES ON ARTIFICIAL INTELLIGENCE (ARTIFICIAL INTELLIGENCE ACT) AND AMENDING CERTAIN UNION LEGISLATIVE ACTS, https://eur-lex.europa.eu/legal-content/EN/TXT/?qid=1623335154975&amp;uri=CELEX%3A52021PC0206</a:t>
-            </a:r>
-          </a:p>
-        </p:txBody>
-      </p:sp>
-      <p:sp>
-        <p:nvSpPr>
-          <p:cNvPr id="5" name="Slide Number Placeholder 4">
-            <a:extLst>
-              <a:ext uri="{FF2B5EF4-FFF2-40B4-BE49-F238E27FC236}">
-                <a16:creationId xmlns:a16="http://schemas.microsoft.com/office/drawing/2014/main" id="{FD12FD90-0302-477F-A950-598099F1E066}"/>
+                <a16:creationId xmlns:a16="http://schemas.microsoft.com/office/drawing/2014/main" id="{0921E304-37E6-443A-92CF-F072F7FD9888}"/>
               </a:ext>
             </a:extLst>
           </p:cNvPr>
@@ -16635,10 +16417,68 @@
           </a:p>
         </p:txBody>
       </p:sp>
+      <p:sp>
+        <p:nvSpPr>
+          <p:cNvPr id="6" name="TextBox 5">
+            <a:extLst>
+              <a:ext uri="{FF2B5EF4-FFF2-40B4-BE49-F238E27FC236}">
+                <a16:creationId xmlns:a16="http://schemas.microsoft.com/office/drawing/2014/main" id="{260BC71D-10C5-4116-A242-321C63EDE500}"/>
+              </a:ext>
+            </a:extLst>
+          </p:cNvPr>
+          <p:cNvSpPr txBox="1"/>
+          <p:nvPr/>
+        </p:nvSpPr>
+        <p:spPr bwMode="gray">
+          <a:xfrm>
+            <a:off x="73990" y="5490587"/>
+            <a:ext cx="11762510" cy="1223412"/>
+          </a:xfrm>
+          <a:prstGeom prst="rect">
+            <a:avLst/>
+          </a:prstGeom>
+          <a:noFill/>
+        </p:spPr>
+        <p:txBody>
+          <a:bodyPr wrap="square">
+            <a:spAutoFit/>
+          </a:bodyPr>
+          <a:lstStyle/>
+          <a:p>
+            <a:endParaRPr lang="en-US" sz="1050" dirty="0"/>
+          </a:p>
+          <a:p>
+            <a:r>
+              <a:rPr lang="en-US" sz="1050" dirty="0"/>
+              <a:t>sources: </a:t>
+            </a:r>
+          </a:p>
+          <a:p>
+            <a:r>
+              <a:rPr lang="en-US" sz="1050" dirty="0"/>
+              <a:t>[1] </a:t>
+            </a:r>
+            <a:r>
+              <a:rPr lang="en-US" sz="1050" dirty="0" err="1"/>
+              <a:t>MacCarthy</a:t>
+            </a:r>
+            <a:r>
+              <a:rPr lang="en-US" sz="1050" dirty="0"/>
+              <a:t>, M., &amp; Propp, K., 2021, Machines learn that Brussels writes the rules: The EU’s new AI regulation, https://www.brookings.edu/blog/techtank/2021/05/04/machines-learn-that-brussels-writes-the-rules-the-eus-new-ai-regulation/</a:t>
+            </a:r>
+          </a:p>
+          <a:p>
+            <a:r>
+              <a:rPr lang="en-US" sz="1050" dirty="0"/>
+              <a:t>[2] European Commission, 2021, Proposal for a REGULATION OF THE EUROPEAN PARLIAMENT AND OF THE COUNCIL LAYING DOWN HARMONISED RULES ON ARTIFICIAL INTELLIGENCE (ARTIFICIAL INTELLIGENCE ACT) AND AMENDING CERTAIN UNION LEGISLATIVE ACTS, https://eur-lex.europa.eu/legal-content/EN/TXT/?qid=1623335154975&amp;uri=CELEX%3A52021PC0206</a:t>
+            </a:r>
+          </a:p>
+        </p:txBody>
+      </p:sp>
     </p:spTree>
     <p:extLst>
       <p:ext uri="{BB962C8B-B14F-4D97-AF65-F5344CB8AC3E}">
-        <p14:creationId xmlns:p14="http://schemas.microsoft.com/office/powerpoint/2010/main" val="286928148"/>
+        <p14:creationId xmlns:p14="http://schemas.microsoft.com/office/powerpoint/2010/main" val="3834167228"/>
       </p:ext>
     </p:extLst>
   </p:cSld>
@@ -16670,7 +16510,7 @@
           <p:cNvPr id="2" name="Title 1">
             <a:extLst>
               <a:ext uri="{FF2B5EF4-FFF2-40B4-BE49-F238E27FC236}">
-                <a16:creationId xmlns:a16="http://schemas.microsoft.com/office/drawing/2014/main" id="{AFF1F33A-C50D-47AE-8EB4-B80226342DDC}"/>
+                <a16:creationId xmlns:a16="http://schemas.microsoft.com/office/drawing/2014/main" id="{7F3197F1-D4D1-40BF-B23E-CA2E9210C06F}"/>
               </a:ext>
             </a:extLst>
           </p:cNvPr>
@@ -16688,7 +16528,7 @@
           <a:p>
             <a:r>
               <a:rPr lang="en-US" dirty="0"/>
-              <a:t>EU regulation [1][2] – Providers </a:t>
+              <a:t>EU regulation [1][2] – Robustness for High-Risk AI</a:t>
             </a:r>
           </a:p>
         </p:txBody>
@@ -16698,7 +16538,7 @@
           <p:cNvPr id="3" name="Content Placeholder 2">
             <a:extLst>
               <a:ext uri="{FF2B5EF4-FFF2-40B4-BE49-F238E27FC236}">
-                <a16:creationId xmlns:a16="http://schemas.microsoft.com/office/drawing/2014/main" id="{EC7091B9-AB64-45EE-8137-92003D233048}"/>
+                <a16:creationId xmlns:a16="http://schemas.microsoft.com/office/drawing/2014/main" id="{0B46B58A-6B34-451E-AA7B-EA3110A8B8B8}"/>
               </a:ext>
             </a:extLst>
           </p:cNvPr>
@@ -16712,7 +16552,7 @@
         <p:spPr>
           <a:xfrm>
             <a:off x="478369" y="1213308"/>
-            <a:ext cx="11473384" cy="2694584"/>
+            <a:ext cx="11473384" cy="3835922"/>
           </a:xfrm>
         </p:spPr>
         <p:txBody>
@@ -16725,7 +16565,15 @@
             </a:pPr>
             <a:r>
               <a:rPr lang="en-US" dirty="0"/>
-              <a:t>The providers of AI systems used as safety components of consumer products, who are already subject to third-party ex-ante conformity assessment under current product safety law, now must also demonstrate compliance with the AI Act [2]. </a:t>
+              <a:t>has “proportionate” </a:t>
+            </a:r>
+            <a:r>
+              <a:rPr lang="en-US" dirty="0" err="1"/>
+              <a:t>postmarket</a:t>
+            </a:r>
+            <a:r>
+              <a:rPr lang="en-US" dirty="0"/>
+              <a:t> monitoring system to collect data on the system’s operation to ensure its “continuous compliance”</a:t>
             </a:r>
           </a:p>
           <a:p>
@@ -16733,7 +16581,10 @@
               <a:buFont typeface="Arial" panose="020B0604020202020204" pitchFamily="34" charset="0"/>
               <a:buChar char="•"/>
             </a:pPr>
-            <a:endParaRPr lang="en-US" dirty="0"/>
+            <a:r>
+              <a:rPr lang="en-US" dirty="0"/>
+              <a:t>be “sufficiently transparent to enable users to understand and control how the high-risk AI system produces its output.” </a:t>
+            </a:r>
           </a:p>
           <a:p>
             <a:pPr marL="342900" indent="-342900">
@@ -16742,11 +16593,28 @@
             </a:pPr>
             <a:r>
               <a:rPr lang="en-US" dirty="0"/>
-              <a:t>conduct conformity assessments demonstrating that the high-risk system complies with these rules. </a:t>
-            </a:r>
-          </a:p>
-          <a:p>
-            <a:endParaRPr lang="en-US" dirty="0"/>
+              <a:t>discloses its “the level of accuracy, robustness and security,”</a:t>
+            </a:r>
+          </a:p>
+          <a:p>
+            <a:pPr marL="342900" indent="-342900">
+              <a:buFont typeface="Arial" panose="020B0604020202020204" pitchFamily="34" charset="0"/>
+              <a:buChar char="•"/>
+            </a:pPr>
+            <a:r>
+              <a:rPr lang="en-US" dirty="0"/>
+              <a:t>“meet a high level of accuracy that is appropriate for their intended purpose” and to continue to perform at that level of accuracy in use. </a:t>
+            </a:r>
+          </a:p>
+          <a:p>
+            <a:pPr marL="342900" indent="-342900">
+              <a:buFont typeface="Arial" panose="020B0604020202020204" pitchFamily="34" charset="0"/>
+              <a:buChar char="•"/>
+            </a:pPr>
+            <a:r>
+              <a:rPr lang="en-US" dirty="0"/>
+              <a:t>be resilient against “errors, faults or inconsistencies” and also against “attempts to alter their use or performance by malicious third parties intending to exploit system vulnerabilities.”</a:t>
+            </a:r>
           </a:p>
         </p:txBody>
       </p:sp>
@@ -16755,7 +16623,7 @@
           <p:cNvPr id="4" name="TextBox 3">
             <a:extLst>
               <a:ext uri="{FF2B5EF4-FFF2-40B4-BE49-F238E27FC236}">
-                <a16:creationId xmlns:a16="http://schemas.microsoft.com/office/drawing/2014/main" id="{5029F200-B89A-401E-A3D2-EF53508A5CAC}"/>
+                <a16:creationId xmlns:a16="http://schemas.microsoft.com/office/drawing/2014/main" id="{76171E3B-68CA-4746-8D57-58FB78253B8C}"/>
               </a:ext>
             </a:extLst>
           </p:cNvPr>
@@ -16813,7 +16681,7 @@
           <p:cNvPr id="5" name="Slide Number Placeholder 4">
             <a:extLst>
               <a:ext uri="{FF2B5EF4-FFF2-40B4-BE49-F238E27FC236}">
-                <a16:creationId xmlns:a16="http://schemas.microsoft.com/office/drawing/2014/main" id="{9C156C9A-4657-4D8A-8489-8C7F56555FFD}"/>
+                <a16:creationId xmlns:a16="http://schemas.microsoft.com/office/drawing/2014/main" id="{FD12FD90-0302-477F-A950-598099F1E066}"/>
               </a:ext>
             </a:extLst>
           </p:cNvPr>
@@ -16851,7 +16719,7 @@
     </p:spTree>
     <p:extLst>
       <p:ext uri="{BB962C8B-B14F-4D97-AF65-F5344CB8AC3E}">
-        <p14:creationId xmlns:p14="http://schemas.microsoft.com/office/powerpoint/2010/main" val="3373220334"/>
+        <p14:creationId xmlns:p14="http://schemas.microsoft.com/office/powerpoint/2010/main" val="286928148"/>
       </p:ext>
     </p:extLst>
   </p:cSld>
@@ -16883,6 +16751,219 @@
           <p:cNvPr id="2" name="Title 1">
             <a:extLst>
               <a:ext uri="{FF2B5EF4-FFF2-40B4-BE49-F238E27FC236}">
+                <a16:creationId xmlns:a16="http://schemas.microsoft.com/office/drawing/2014/main" id="{AFF1F33A-C50D-47AE-8EB4-B80226342DDC}"/>
+              </a:ext>
+            </a:extLst>
+          </p:cNvPr>
+          <p:cNvSpPr>
+            <a:spLocks noGrp="1"/>
+          </p:cNvSpPr>
+          <p:nvPr>
+            <p:ph type="title"/>
+          </p:nvPr>
+        </p:nvSpPr>
+        <p:spPr/>
+        <p:txBody>
+          <a:bodyPr/>
+          <a:lstStyle/>
+          <a:p>
+            <a:r>
+              <a:rPr lang="en-US" dirty="0"/>
+              <a:t>EU regulation [1][2] – Providers </a:t>
+            </a:r>
+          </a:p>
+        </p:txBody>
+      </p:sp>
+      <p:sp>
+        <p:nvSpPr>
+          <p:cNvPr id="3" name="Content Placeholder 2">
+            <a:extLst>
+              <a:ext uri="{FF2B5EF4-FFF2-40B4-BE49-F238E27FC236}">
+                <a16:creationId xmlns:a16="http://schemas.microsoft.com/office/drawing/2014/main" id="{EC7091B9-AB64-45EE-8137-92003D233048}"/>
+              </a:ext>
+            </a:extLst>
+          </p:cNvPr>
+          <p:cNvSpPr>
+            <a:spLocks noGrp="1"/>
+          </p:cNvSpPr>
+          <p:nvPr>
+            <p:ph idx="1"/>
+          </p:nvPr>
+        </p:nvSpPr>
+        <p:spPr>
+          <a:xfrm>
+            <a:off x="478369" y="1213308"/>
+            <a:ext cx="11473384" cy="2694584"/>
+          </a:xfrm>
+        </p:spPr>
+        <p:txBody>
+          <a:bodyPr/>
+          <a:lstStyle/>
+          <a:p>
+            <a:pPr marL="342900" indent="-342900">
+              <a:buFont typeface="Arial" panose="020B0604020202020204" pitchFamily="34" charset="0"/>
+              <a:buChar char="•"/>
+            </a:pPr>
+            <a:r>
+              <a:rPr lang="en-US" dirty="0"/>
+              <a:t>The providers of AI systems used as safety components of consumer products, who are already subject to third-party ex-ante conformity assessment under current product safety law, now must also demonstrate compliance with the AI Act [2]. </a:t>
+            </a:r>
+          </a:p>
+          <a:p>
+            <a:pPr marL="342900" indent="-342900">
+              <a:buFont typeface="Arial" panose="020B0604020202020204" pitchFamily="34" charset="0"/>
+              <a:buChar char="•"/>
+            </a:pPr>
+            <a:endParaRPr lang="en-US" dirty="0"/>
+          </a:p>
+          <a:p>
+            <a:pPr marL="342900" indent="-342900">
+              <a:buFont typeface="Arial" panose="020B0604020202020204" pitchFamily="34" charset="0"/>
+              <a:buChar char="•"/>
+            </a:pPr>
+            <a:r>
+              <a:rPr lang="en-US" dirty="0"/>
+              <a:t>conduct conformity assessments demonstrating that the high-risk system complies with these rules. </a:t>
+            </a:r>
+          </a:p>
+          <a:p>
+            <a:endParaRPr lang="en-US" dirty="0"/>
+          </a:p>
+        </p:txBody>
+      </p:sp>
+      <p:sp>
+        <p:nvSpPr>
+          <p:cNvPr id="4" name="TextBox 3">
+            <a:extLst>
+              <a:ext uri="{FF2B5EF4-FFF2-40B4-BE49-F238E27FC236}">
+                <a16:creationId xmlns:a16="http://schemas.microsoft.com/office/drawing/2014/main" id="{5029F200-B89A-401E-A3D2-EF53508A5CAC}"/>
+              </a:ext>
+            </a:extLst>
+          </p:cNvPr>
+          <p:cNvSpPr txBox="1"/>
+          <p:nvPr/>
+        </p:nvSpPr>
+        <p:spPr bwMode="gray">
+          <a:xfrm>
+            <a:off x="73990" y="5490587"/>
+            <a:ext cx="11762510" cy="1223412"/>
+          </a:xfrm>
+          <a:prstGeom prst="rect">
+            <a:avLst/>
+          </a:prstGeom>
+          <a:noFill/>
+        </p:spPr>
+        <p:txBody>
+          <a:bodyPr wrap="square">
+            <a:spAutoFit/>
+          </a:bodyPr>
+          <a:lstStyle/>
+          <a:p>
+            <a:endParaRPr lang="en-US" sz="1050" dirty="0"/>
+          </a:p>
+          <a:p>
+            <a:r>
+              <a:rPr lang="en-US" sz="1050" dirty="0"/>
+              <a:t>sources: </a:t>
+            </a:r>
+          </a:p>
+          <a:p>
+            <a:r>
+              <a:rPr lang="en-US" sz="1050" dirty="0"/>
+              <a:t>[1] </a:t>
+            </a:r>
+            <a:r>
+              <a:rPr lang="en-US" sz="1050" dirty="0" err="1"/>
+              <a:t>MacCarthy</a:t>
+            </a:r>
+            <a:r>
+              <a:rPr lang="en-US" sz="1050" dirty="0"/>
+              <a:t>, M., &amp; Propp, K., 2021, Machines learn that Brussels writes the rules: The EU’s new AI regulation, https://www.brookings.edu/blog/techtank/2021/05/04/machines-learn-that-brussels-writes-the-rules-the-eus-new-ai-regulation/</a:t>
+            </a:r>
+          </a:p>
+          <a:p>
+            <a:r>
+              <a:rPr lang="en-US" sz="1050" dirty="0"/>
+              <a:t>[2] European Commission, 2021, Proposal for a REGULATION OF THE EUROPEAN PARLIAMENT AND OF THE COUNCIL LAYING DOWN HARMONISED RULES ON ARTIFICIAL INTELLIGENCE (ARTIFICIAL INTELLIGENCE ACT) AND AMENDING CERTAIN UNION LEGISLATIVE ACTS, https://eur-lex.europa.eu/legal-content/EN/TXT/?qid=1623335154975&amp;uri=CELEX%3A52021PC0206</a:t>
+            </a:r>
+          </a:p>
+        </p:txBody>
+      </p:sp>
+      <p:sp>
+        <p:nvSpPr>
+          <p:cNvPr id="5" name="Slide Number Placeholder 4">
+            <a:extLst>
+              <a:ext uri="{FF2B5EF4-FFF2-40B4-BE49-F238E27FC236}">
+                <a16:creationId xmlns:a16="http://schemas.microsoft.com/office/drawing/2014/main" id="{9C156C9A-4657-4D8A-8489-8C7F56555FFD}"/>
+              </a:ext>
+            </a:extLst>
+          </p:cNvPr>
+          <p:cNvSpPr>
+            <a:spLocks noGrp="1"/>
+          </p:cNvSpPr>
+          <p:nvPr>
+            <p:ph type="sldNum" sz="quarter" idx="12"/>
+          </p:nvPr>
+        </p:nvSpPr>
+        <p:spPr>
+          <a:xfrm>
+            <a:off x="11180006" y="6486805"/>
+            <a:ext cx="771750" cy="260792"/>
+          </a:xfrm>
+        </p:spPr>
+        <p:txBody>
+          <a:bodyPr/>
+          <a:lstStyle/>
+          <a:p>
+            <a:pPr>
+              <a:defRPr/>
+            </a:pPr>
+            <a:fld id="{0DF685E1-000B-FF46-B3AC-A509A8EDE44A}" type="slidenum">
+              <a:rPr lang="de-DE" smtClean="0"/>
+              <a:pPr>
+                <a:defRPr/>
+              </a:pPr>
+              <a:t>22</a:t>
+            </a:fld>
+            <a:endParaRPr lang="de-DE" dirty="0"/>
+          </a:p>
+        </p:txBody>
+      </p:sp>
+    </p:spTree>
+    <p:extLst>
+      <p:ext uri="{BB962C8B-B14F-4D97-AF65-F5344CB8AC3E}">
+        <p14:creationId xmlns:p14="http://schemas.microsoft.com/office/powerpoint/2010/main" val="3373220334"/>
+      </p:ext>
+    </p:extLst>
+  </p:cSld>
+  <p:clrMapOvr>
+    <a:masterClrMapping/>
+  </p:clrMapOvr>
+</p:sld>
+</file>
+
+<file path=ppt/slides/slide23.xml><?xml version="1.0" encoding="utf-8"?>
+<p:sld xmlns:a="http://schemas.openxmlformats.org/drawingml/2006/main" xmlns:r="http://schemas.openxmlformats.org/officeDocument/2006/relationships" xmlns:p="http://schemas.openxmlformats.org/presentationml/2006/main">
+  <p:cSld>
+    <p:spTree>
+      <p:nvGrpSpPr>
+        <p:cNvPr id="1" name=""/>
+        <p:cNvGrpSpPr/>
+        <p:nvPr/>
+      </p:nvGrpSpPr>
+      <p:grpSpPr>
+        <a:xfrm>
+          <a:off x="0" y="0"/>
+          <a:ext cx="0" cy="0"/>
+          <a:chOff x="0" y="0"/>
+          <a:chExt cx="0" cy="0"/>
+        </a:xfrm>
+      </p:grpSpPr>
+      <p:sp>
+        <p:nvSpPr>
+          <p:cNvPr id="2" name="Title 1">
+            <a:extLst>
+              <a:ext uri="{FF2B5EF4-FFF2-40B4-BE49-F238E27FC236}">
                 <a16:creationId xmlns:a16="http://schemas.microsoft.com/office/drawing/2014/main" id="{2B9F2D80-C87C-404C-9C4C-8663FE4A8BFE}"/>
               </a:ext>
             </a:extLst>
@@ -17045,7 +17126,7 @@
               <a:pPr>
                 <a:defRPr/>
               </a:pPr>
-              <a:t>22</a:t>
+              <a:t>23</a:t>
             </a:fld>
             <a:endParaRPr lang="de-DE" dirty="0"/>
           </a:p>
@@ -17216,395 +17297,6 @@
 </p:sld>
 </file>
 
-<file path=ppt/slides/slide23.xml><?xml version="1.0" encoding="utf-8"?>
-<p:sld xmlns:a="http://schemas.openxmlformats.org/drawingml/2006/main" xmlns:r="http://schemas.openxmlformats.org/officeDocument/2006/relationships" xmlns:p="http://schemas.openxmlformats.org/presentationml/2006/main">
-  <p:cSld>
-    <p:spTree>
-      <p:nvGrpSpPr>
-        <p:cNvPr id="1" name=""/>
-        <p:cNvGrpSpPr/>
-        <p:nvPr/>
-      </p:nvGrpSpPr>
-      <p:grpSpPr>
-        <a:xfrm>
-          <a:off x="0" y="0"/>
-          <a:ext cx="0" cy="0"/>
-          <a:chOff x="0" y="0"/>
-          <a:chExt cx="0" cy="0"/>
-        </a:xfrm>
-      </p:grpSpPr>
-      <p:sp>
-        <p:nvSpPr>
-          <p:cNvPr id="2" name="Title 1">
-            <a:extLst>
-              <a:ext uri="{FF2B5EF4-FFF2-40B4-BE49-F238E27FC236}">
-                <a16:creationId xmlns:a16="http://schemas.microsoft.com/office/drawing/2014/main" id="{52A98D6C-A79C-4000-B028-1E04D09D700B}"/>
-              </a:ext>
-            </a:extLst>
-          </p:cNvPr>
-          <p:cNvSpPr>
-            <a:spLocks noGrp="1"/>
-          </p:cNvSpPr>
-          <p:nvPr>
-            <p:ph type="title"/>
-          </p:nvPr>
-        </p:nvSpPr>
-        <p:spPr/>
-        <p:txBody>
-          <a:bodyPr/>
-          <a:lstStyle/>
-          <a:p>
-            <a:r>
-              <a:rPr lang="en-US" dirty="0"/>
-              <a:t>Informal Definition/Aspirations </a:t>
-            </a:r>
-            <a:r>
-              <a:rPr lang="en-US" sz="2000" dirty="0"/>
-              <a:t>[R</a:t>
-            </a:r>
-            <a:r>
-              <a:rPr lang="en-US" sz="2000" baseline="30000" dirty="0"/>
-              <a:t>2</a:t>
-            </a:r>
-            <a:r>
-              <a:rPr lang="en-US" sz="2000" dirty="0"/>
-              <a:t>AW 2021]</a:t>
-            </a:r>
-            <a:endParaRPr lang="en-US" dirty="0"/>
-          </a:p>
-        </p:txBody>
-      </p:sp>
-      <p:sp>
-        <p:nvSpPr>
-          <p:cNvPr id="3" name="Content Placeholder 2">
-            <a:extLst>
-              <a:ext uri="{FF2B5EF4-FFF2-40B4-BE49-F238E27FC236}">
-                <a16:creationId xmlns:a16="http://schemas.microsoft.com/office/drawing/2014/main" id="{ACFF9CB2-322B-436D-BAD4-41462CF4EBE5}"/>
-              </a:ext>
-            </a:extLst>
-          </p:cNvPr>
-          <p:cNvSpPr>
-            <a:spLocks noGrp="1"/>
-          </p:cNvSpPr>
-          <p:nvPr>
-            <p:ph idx="1"/>
-          </p:nvPr>
-        </p:nvSpPr>
-        <p:spPr>
-          <a:xfrm>
-            <a:off x="478369" y="1213308"/>
-            <a:ext cx="11473384" cy="3823098"/>
-          </a:xfrm>
-        </p:spPr>
-        <p:txBody>
-          <a:bodyPr/>
-          <a:lstStyle/>
-          <a:p>
-            <a:pPr rtl="0" fontAlgn="ctr">
-              <a:spcBef>
-                <a:spcPts val="0"/>
-              </a:spcBef>
-              <a:spcAft>
-                <a:spcPts val="0"/>
-              </a:spcAft>
-            </a:pPr>
-            <a:r>
-              <a:rPr lang="en-US" sz="2000" b="1" dirty="0">
-                <a:solidFill>
-                  <a:schemeClr val="accent1"/>
-                </a:solidFill>
-                <a:latin typeface="+mj-lt"/>
-                <a:ea typeface="ＭＳ Ｐゴシック" pitchFamily="-106" charset="-128"/>
-              </a:rPr>
-              <a:t>Topics for Robust and Reliable Autonomy in the Wild</a:t>
-            </a:r>
-          </a:p>
-          <a:p>
-            <a:pPr marL="285750" indent="-285750" rtl="0" fontAlgn="ctr">
-              <a:spcBef>
-                <a:spcPts val="0"/>
-              </a:spcBef>
-              <a:spcAft>
-                <a:spcPts val="0"/>
-              </a:spcAft>
-              <a:buFont typeface="Wingdings" panose="05000000000000000000" pitchFamily="2" charset="2"/>
-              <a:buChar char="§"/>
-            </a:pPr>
-            <a:r>
-              <a:rPr lang="en-US" sz="1800" dirty="0">
-                <a:latin typeface="+mj-lt"/>
-              </a:rPr>
-              <a:t>Definitions of safety, robustness, reliability, and resilience</a:t>
-            </a:r>
-          </a:p>
-          <a:p>
-            <a:pPr marL="285750" indent="-285750" rtl="0" fontAlgn="ctr">
-              <a:spcBef>
-                <a:spcPts val="0"/>
-              </a:spcBef>
-              <a:spcAft>
-                <a:spcPts val="0"/>
-              </a:spcAft>
-              <a:buFont typeface="Wingdings" panose="05000000000000000000" pitchFamily="2" charset="2"/>
-              <a:buChar char="§"/>
-            </a:pPr>
-            <a:r>
-              <a:rPr lang="en-US" sz="1800" dirty="0">
-                <a:latin typeface="+mj-lt"/>
-              </a:rPr>
-              <a:t>Evaluation metrics for robustness and reliability, under model imprecision</a:t>
-            </a:r>
-          </a:p>
-          <a:p>
-            <a:pPr marL="285750" indent="-285750" rtl="0" fontAlgn="ctr">
-              <a:spcBef>
-                <a:spcPts val="0"/>
-              </a:spcBef>
-              <a:spcAft>
-                <a:spcPts val="0"/>
-              </a:spcAft>
-              <a:buFont typeface="Wingdings" panose="05000000000000000000" pitchFamily="2" charset="2"/>
-              <a:buChar char="§"/>
-            </a:pPr>
-            <a:r>
-              <a:rPr lang="en-US" sz="1800" dirty="0">
-                <a:latin typeface="+mj-lt"/>
-              </a:rPr>
-              <a:t>Decision-making representations, models, and algorithms for the open world</a:t>
-            </a:r>
-          </a:p>
-          <a:p>
-            <a:pPr marL="285750" indent="-285750" rtl="0" fontAlgn="ctr">
-              <a:spcBef>
-                <a:spcPts val="0"/>
-              </a:spcBef>
-              <a:spcAft>
-                <a:spcPts val="0"/>
-              </a:spcAft>
-              <a:buFont typeface="Wingdings" panose="05000000000000000000" pitchFamily="2" charset="2"/>
-              <a:buChar char="§"/>
-            </a:pPr>
-            <a:r>
-              <a:rPr lang="en-US" sz="1800" dirty="0">
-                <a:latin typeface="+mj-lt"/>
-              </a:rPr>
-              <a:t>Techniques to achieve resilient decision-making, under unmodelled disturbances</a:t>
-            </a:r>
-          </a:p>
-          <a:p>
-            <a:pPr marL="285750" indent="-285750" rtl="0" fontAlgn="ctr">
-              <a:spcBef>
-                <a:spcPts val="0"/>
-              </a:spcBef>
-              <a:spcAft>
-                <a:spcPts val="0"/>
-              </a:spcAft>
-              <a:buFont typeface="Wingdings" panose="05000000000000000000" pitchFamily="2" charset="2"/>
-              <a:buChar char="§"/>
-            </a:pPr>
-            <a:r>
-              <a:rPr lang="en-US" sz="1800" dirty="0">
-                <a:latin typeface="+mj-lt"/>
-              </a:rPr>
-              <a:t>Techniques to recognize and avoid negative side effects of AI systems</a:t>
-            </a:r>
-          </a:p>
-          <a:p>
-            <a:pPr marL="285750" indent="-285750" rtl="0" fontAlgn="ctr">
-              <a:spcBef>
-                <a:spcPts val="0"/>
-              </a:spcBef>
-              <a:spcAft>
-                <a:spcPts val="0"/>
-              </a:spcAft>
-              <a:buFont typeface="Wingdings" panose="05000000000000000000" pitchFamily="2" charset="2"/>
-              <a:buChar char="§"/>
-            </a:pPr>
-            <a:r>
-              <a:rPr lang="en-US" sz="1800" dirty="0">
-                <a:latin typeface="+mj-lt"/>
-              </a:rPr>
-              <a:t>Techniques for ethical, interpretable, fair, and trustworthy decision-making</a:t>
-            </a:r>
-          </a:p>
-          <a:p>
-            <a:pPr marL="285750" indent="-285750" rtl="0" fontAlgn="ctr">
-              <a:spcBef>
-                <a:spcPts val="0"/>
-              </a:spcBef>
-              <a:spcAft>
-                <a:spcPts val="0"/>
-              </a:spcAft>
-              <a:buFont typeface="Wingdings" panose="05000000000000000000" pitchFamily="2" charset="2"/>
-              <a:buChar char="§"/>
-            </a:pPr>
-            <a:r>
-              <a:rPr lang="en-US" sz="1800" dirty="0">
-                <a:latin typeface="+mj-lt"/>
-              </a:rPr>
-              <a:t>Case studies of robustness and reliability in deployed autonomous systems</a:t>
-            </a:r>
-          </a:p>
-          <a:p>
-            <a:pPr marL="285750" indent="-285750" rtl="0" fontAlgn="ctr">
-              <a:spcBef>
-                <a:spcPts val="0"/>
-              </a:spcBef>
-              <a:spcAft>
-                <a:spcPts val="0"/>
-              </a:spcAft>
-              <a:buFont typeface="Wingdings" panose="05000000000000000000" pitchFamily="2" charset="2"/>
-              <a:buChar char="§"/>
-            </a:pPr>
-            <a:r>
-              <a:rPr lang="en-US" sz="1800" dirty="0">
-                <a:latin typeface="+mj-lt"/>
-              </a:rPr>
-              <a:t>Learning to improve robustness and reliability from human feedback </a:t>
-            </a:r>
-          </a:p>
-          <a:p>
-            <a:pPr rtl="0" fontAlgn="ctr">
-              <a:spcBef>
-                <a:spcPts val="0"/>
-              </a:spcBef>
-              <a:spcAft>
-                <a:spcPts val="0"/>
-              </a:spcAft>
-            </a:pPr>
-            <a:endParaRPr lang="pt-BR" sz="1800" dirty="0">
-              <a:latin typeface="+mj-lt"/>
-            </a:endParaRPr>
-          </a:p>
-          <a:p>
-            <a:endParaRPr lang="en-US" dirty="0">
-              <a:latin typeface="+mj-lt"/>
-            </a:endParaRPr>
-          </a:p>
-        </p:txBody>
-      </p:sp>
-      <p:sp>
-        <p:nvSpPr>
-          <p:cNvPr id="4" name="Slide Number Placeholder 4">
-            <a:extLst>
-              <a:ext uri="{FF2B5EF4-FFF2-40B4-BE49-F238E27FC236}">
-                <a16:creationId xmlns:a16="http://schemas.microsoft.com/office/drawing/2014/main" id="{C23424F9-62E9-49C2-9520-9AFC616586CA}"/>
-              </a:ext>
-            </a:extLst>
-          </p:cNvPr>
-          <p:cNvSpPr>
-            <a:spLocks noGrp="1"/>
-          </p:cNvSpPr>
-          <p:nvPr>
-            <p:ph type="sldNum" sz="quarter" idx="12"/>
-          </p:nvPr>
-        </p:nvSpPr>
-        <p:spPr>
-          <a:xfrm>
-            <a:off x="11180006" y="6486805"/>
-            <a:ext cx="771750" cy="260792"/>
-          </a:xfrm>
-        </p:spPr>
-        <p:txBody>
-          <a:bodyPr/>
-          <a:lstStyle/>
-          <a:p>
-            <a:pPr>
-              <a:defRPr/>
-            </a:pPr>
-            <a:fld id="{0DF685E1-000B-FF46-B3AC-A509A8EDE44A}" type="slidenum">
-              <a:rPr lang="de-DE" smtClean="0"/>
-              <a:pPr>
-                <a:defRPr/>
-              </a:pPr>
-              <a:t>23</a:t>
-            </a:fld>
-            <a:endParaRPr lang="de-DE" dirty="0"/>
-          </a:p>
-        </p:txBody>
-      </p:sp>
-      <p:sp>
-        <p:nvSpPr>
-          <p:cNvPr id="6" name="TextBox 5">
-            <a:extLst>
-              <a:ext uri="{FF2B5EF4-FFF2-40B4-BE49-F238E27FC236}">
-                <a16:creationId xmlns:a16="http://schemas.microsoft.com/office/drawing/2014/main" id="{170EEFE2-E5BB-407B-A87C-7350B4A7CCFF}"/>
-              </a:ext>
-            </a:extLst>
-          </p:cNvPr>
-          <p:cNvSpPr txBox="1"/>
-          <p:nvPr/>
-        </p:nvSpPr>
-        <p:spPr bwMode="gray">
-          <a:xfrm>
-            <a:off x="164285" y="6317528"/>
-            <a:ext cx="11863430" cy="338554"/>
-          </a:xfrm>
-          <a:prstGeom prst="rect">
-            <a:avLst/>
-          </a:prstGeom>
-          <a:noFill/>
-        </p:spPr>
-        <p:txBody>
-          <a:bodyPr wrap="square">
-            <a:spAutoFit/>
-          </a:bodyPr>
-          <a:lstStyle/>
-          <a:p>
-            <a:pPr fontAlgn="ctr">
-              <a:spcBef>
-                <a:spcPts val="0"/>
-              </a:spcBef>
-              <a:spcAft>
-                <a:spcPts val="0"/>
-              </a:spcAft>
-            </a:pPr>
-            <a:r>
-              <a:rPr lang="en-US" sz="1400" dirty="0">
-                <a:latin typeface="+mj-lt"/>
-              </a:rPr>
-              <a:t>R</a:t>
-            </a:r>
-            <a:r>
-              <a:rPr lang="en-US" sz="1400" baseline="30000" dirty="0">
-                <a:latin typeface="+mj-lt"/>
-              </a:rPr>
-              <a:t>2</a:t>
-            </a:r>
-            <a:r>
-              <a:rPr lang="en-US" sz="1400" dirty="0">
-                <a:latin typeface="+mj-lt"/>
-              </a:rPr>
-              <a:t>AW, 2021, IJCAI 2021 Workshop  on Robust and Reliable Autonomy in the Wild, </a:t>
-            </a:r>
-            <a:r>
-              <a:rPr lang="pt-BR" sz="1600" dirty="0">
-                <a:effectLst/>
-                <a:latin typeface="+mj-lt"/>
-                <a:hlinkClick r:id="rId2"/>
-              </a:rPr>
-              <a:t>http://rbr.cs.umass.edu/r2aw/</a:t>
-            </a:r>
-            <a:endParaRPr lang="pt-BR" sz="1600" dirty="0">
-              <a:effectLst/>
-              <a:latin typeface="+mj-lt"/>
-            </a:endParaRPr>
-          </a:p>
-        </p:txBody>
-      </p:sp>
-    </p:spTree>
-    <p:extLst>
-      <p:ext uri="{BB962C8B-B14F-4D97-AF65-F5344CB8AC3E}">
-        <p14:creationId xmlns:p14="http://schemas.microsoft.com/office/powerpoint/2010/main" val="273216393"/>
-      </p:ext>
-    </p:extLst>
-  </p:cSld>
-  <p:clrMapOvr>
-    <a:masterClrMapping/>
-  </p:clrMapOvr>
-</p:sld>
-</file>
-
 <file path=ppt/slides/slide24.xml><?xml version="1.0" encoding="utf-8"?>
 <p:sld xmlns:a="http://schemas.openxmlformats.org/drawingml/2006/main" xmlns:r="http://schemas.openxmlformats.org/officeDocument/2006/relationships" xmlns:p="http://schemas.openxmlformats.org/presentationml/2006/main">
   <p:cSld>
@@ -17627,7 +17319,7 @@
           <p:cNvPr id="2" name="Title 1">
             <a:extLst>
               <a:ext uri="{FF2B5EF4-FFF2-40B4-BE49-F238E27FC236}">
-                <a16:creationId xmlns:a16="http://schemas.microsoft.com/office/drawing/2014/main" id="{775B84B7-6348-4216-9384-0C84F77EDE26}"/>
+                <a16:creationId xmlns:a16="http://schemas.microsoft.com/office/drawing/2014/main" id="{52A98D6C-A79C-4000-B028-1E04D09D700B}"/>
               </a:ext>
             </a:extLst>
           </p:cNvPr>
@@ -17645,8 +17337,21 @@
           <a:p>
             <a:r>
               <a:rPr lang="en-US" dirty="0"/>
-              <a:t>Suggested Task for the Week</a:t>
-            </a:r>
+              <a:t>Informal Definition/Aspirations </a:t>
+            </a:r>
+            <a:r>
+              <a:rPr lang="en-US" sz="2000" dirty="0"/>
+              <a:t>[R</a:t>
+            </a:r>
+            <a:r>
+              <a:rPr lang="en-US" sz="2000" baseline="30000" dirty="0"/>
+              <a:t>2</a:t>
+            </a:r>
+            <a:r>
+              <a:rPr lang="en-US" sz="2000" dirty="0"/>
+              <a:t>AW 2021]</a:t>
+            </a:r>
+            <a:endParaRPr lang="en-US" dirty="0"/>
           </a:p>
         </p:txBody>
       </p:sp>
@@ -17655,7 +17360,7 @@
           <p:cNvPr id="3" name="Content Placeholder 2">
             <a:extLst>
               <a:ext uri="{FF2B5EF4-FFF2-40B4-BE49-F238E27FC236}">
-                <a16:creationId xmlns:a16="http://schemas.microsoft.com/office/drawing/2014/main" id="{C378E8C4-523B-48C7-8110-43B7FDE29EE9}"/>
+                <a16:creationId xmlns:a16="http://schemas.microsoft.com/office/drawing/2014/main" id="{ACFF9CB2-322B-436D-BAD4-41462CF4EBE5}"/>
               </a:ext>
             </a:extLst>
           </p:cNvPr>
@@ -17668,149 +17373,194 @@
         </p:nvSpPr>
         <p:spPr>
           <a:xfrm>
-            <a:off x="478369" y="1074249"/>
-            <a:ext cx="10799231" cy="5673348"/>
+            <a:off x="478369" y="1213308"/>
+            <a:ext cx="11473384" cy="3823098"/>
           </a:xfrm>
         </p:spPr>
         <p:txBody>
           <a:bodyPr/>
           <a:lstStyle/>
           <a:p>
-            <a:r>
-              <a:rPr lang="en-US" dirty="0"/>
-              <a:t>Read the IEEE code of Ethics [1], IEEE code of Conduct [2], and the EU Rules on AI (AI Act) [2-3]</a:t>
-            </a:r>
-          </a:p>
-          <a:p>
-            <a:endParaRPr lang="en-US" dirty="0"/>
-          </a:p>
-          <a:p>
-            <a:r>
-              <a:rPr lang="en-US" dirty="0"/>
-              <a:t>Are there specific orientations in these codes that contribute to mitigate the dilemma that you described in your previous tasks?</a:t>
-            </a:r>
-          </a:p>
-          <a:p>
-            <a:pPr marL="342900" indent="-342900">
-              <a:buFontTx/>
-              <a:buChar char="-"/>
+            <a:pPr rtl="0" fontAlgn="ctr">
+              <a:spcBef>
+                <a:spcPts val="0"/>
+              </a:spcBef>
+              <a:spcAft>
+                <a:spcPts val="0"/>
+              </a:spcAft>
             </a:pPr>
             <a:r>
-              <a:rPr lang="en-US" dirty="0"/>
-              <a:t>If positive, please explain (2 sentences) how.</a:t>
-            </a:r>
-          </a:p>
-          <a:p>
-            <a:pPr marL="342900" indent="-342900">
-              <a:buFontTx/>
-              <a:buChar char="-"/>
+              <a:rPr lang="en-US" sz="2000" b="1" dirty="0">
+                <a:solidFill>
+                  <a:schemeClr val="accent1"/>
+                </a:solidFill>
+                <a:latin typeface="+mj-lt"/>
+                <a:ea typeface="ＭＳ Ｐゴシック" pitchFamily="-106" charset="-128"/>
+              </a:rPr>
+              <a:t>Topics for Robust and Reliable Autonomy in the Wild</a:t>
+            </a:r>
+          </a:p>
+          <a:p>
+            <a:pPr marL="285750" indent="-285750" rtl="0" fontAlgn="ctr">
+              <a:spcBef>
+                <a:spcPts val="0"/>
+              </a:spcBef>
+              <a:spcAft>
+                <a:spcPts val="0"/>
+              </a:spcAft>
+              <a:buFont typeface="Wingdings" panose="05000000000000000000" pitchFamily="2" charset="2"/>
+              <a:buChar char="§"/>
             </a:pPr>
             <a:r>
-              <a:rPr lang="en-US" dirty="0"/>
-              <a:t>If negative, what would you recommend to be added or stated more precise/specific in these codes in order to contribute to a particular mitigation action? </a:t>
-            </a:r>
-          </a:p>
-          <a:p>
-            <a:pPr marL="342900" indent="-342900">
-              <a:buFontTx/>
-              <a:buChar char="-"/>
+              <a:rPr lang="en-US" sz="1800" dirty="0">
+                <a:latin typeface="+mj-lt"/>
+              </a:rPr>
+              <a:t>Definitions of safety, robustness, reliability, and resilience</a:t>
+            </a:r>
+          </a:p>
+          <a:p>
+            <a:pPr marL="285750" indent="-285750" rtl="0" fontAlgn="ctr">
+              <a:spcBef>
+                <a:spcPts val="0"/>
+              </a:spcBef>
+              <a:spcAft>
+                <a:spcPts val="0"/>
+              </a:spcAft>
+              <a:buFont typeface="Wingdings" panose="05000000000000000000" pitchFamily="2" charset="2"/>
+              <a:buChar char="§"/>
             </a:pPr>
-            <a:endParaRPr lang="en-US" dirty="0"/>
-          </a:p>
-          <a:p>
-            <a:endParaRPr lang="en-US" dirty="0"/>
-          </a:p>
-          <a:p>
-            <a:pPr>
-              <a:lnSpc>
-                <a:spcPct val="100000"/>
-              </a:lnSpc>
+            <a:r>
+              <a:rPr lang="en-US" sz="1800" dirty="0">
+                <a:latin typeface="+mj-lt"/>
+              </a:rPr>
+              <a:t>Evaluation metrics for robustness and reliability, under model imprecision</a:t>
+            </a:r>
+          </a:p>
+          <a:p>
+            <a:pPr marL="285750" indent="-285750" rtl="0" fontAlgn="ctr">
+              <a:spcBef>
+                <a:spcPts val="0"/>
+              </a:spcBef>
+              <a:spcAft>
+                <a:spcPts val="0"/>
+              </a:spcAft>
+              <a:buFont typeface="Wingdings" panose="05000000000000000000" pitchFamily="2" charset="2"/>
+              <a:buChar char="§"/>
             </a:pPr>
             <a:r>
-              <a:rPr lang="en-US" sz="1100" dirty="0"/>
-              <a:t>[1] IEEE Code of Ethics, 2020, </a:t>
-            </a:r>
-            <a:r>
-              <a:rPr lang="en-US" sz="1100" dirty="0">
-                <a:hlinkClick r:id="rId2"/>
-              </a:rPr>
-              <a:t>https://www.ieee.org/content/dam/ieee-org/ieee/web/org/about/corporate/ieee-code-of-ethics.pdf</a:t>
-            </a:r>
-            <a:r>
-              <a:rPr lang="en-US" sz="1100" dirty="0"/>
-              <a:t> </a:t>
-            </a:r>
-          </a:p>
-          <a:p>
-            <a:pPr>
-              <a:lnSpc>
-                <a:spcPct val="100000"/>
-              </a:lnSpc>
+              <a:rPr lang="en-US" sz="1800" dirty="0">
+                <a:latin typeface="+mj-lt"/>
+              </a:rPr>
+              <a:t>Decision-making representations, models, and algorithms for the open world</a:t>
+            </a:r>
+          </a:p>
+          <a:p>
+            <a:pPr marL="285750" indent="-285750" rtl="0" fontAlgn="ctr">
+              <a:spcBef>
+                <a:spcPts val="0"/>
+              </a:spcBef>
+              <a:spcAft>
+                <a:spcPts val="0"/>
+              </a:spcAft>
+              <a:buFont typeface="Wingdings" panose="05000000000000000000" pitchFamily="2" charset="2"/>
+              <a:buChar char="§"/>
             </a:pPr>
             <a:r>
-              <a:rPr lang="en-US" sz="1100" dirty="0"/>
-              <a:t>[2] IEEE Code of Conduct, 2014, </a:t>
-            </a:r>
-            <a:r>
-              <a:rPr lang="en-US" sz="1100" dirty="0">
-                <a:hlinkClick r:id="rId3"/>
-              </a:rPr>
-              <a:t>https://www.ieee.org/content/dam/ieee-org/ieee/web/org/about/ieee_code_of_conduct.pdf</a:t>
-            </a:r>
-            <a:r>
-              <a:rPr lang="en-US" sz="1100" dirty="0"/>
-              <a:t>   </a:t>
-            </a:r>
-          </a:p>
-          <a:p>
-            <a:pPr>
-              <a:lnSpc>
-                <a:spcPct val="100000"/>
-              </a:lnSpc>
+              <a:rPr lang="en-US" sz="1800" dirty="0">
+                <a:latin typeface="+mj-lt"/>
+              </a:rPr>
+              <a:t>Techniques to achieve resilient decision-making, under unmodelled disturbances</a:t>
+            </a:r>
+          </a:p>
+          <a:p>
+            <a:pPr marL="285750" indent="-285750" rtl="0" fontAlgn="ctr">
+              <a:spcBef>
+                <a:spcPts val="0"/>
+              </a:spcBef>
+              <a:spcAft>
+                <a:spcPts val="0"/>
+              </a:spcAft>
+              <a:buFont typeface="Wingdings" panose="05000000000000000000" pitchFamily="2" charset="2"/>
+              <a:buChar char="§"/>
             </a:pPr>
             <a:r>
-              <a:rPr lang="en-US" sz="1100" dirty="0"/>
-              <a:t>[3] </a:t>
-            </a:r>
-            <a:r>
-              <a:rPr lang="en-US" sz="1100" dirty="0" err="1"/>
-              <a:t>MacCarthy</a:t>
-            </a:r>
-            <a:r>
-              <a:rPr lang="en-US" sz="1100" dirty="0"/>
-              <a:t>, M., &amp; Propp, K., 2021, Machines learn that Brussels writes the rules: The EU’s new AI regulation, </a:t>
-            </a:r>
-            <a:r>
-              <a:rPr lang="en-US" sz="1100" dirty="0">
-                <a:hlinkClick r:id="rId4"/>
-              </a:rPr>
-              <a:t>https://www.brookings.edu/blog/techtank/2021/05/04/machines-learn-that-brussels-writes-the-rules-the-eus-new-ai-regulation/</a:t>
-            </a:r>
-            <a:r>
-              <a:rPr lang="en-US" sz="1100" dirty="0"/>
-              <a:t> </a:t>
-            </a:r>
-          </a:p>
-          <a:p>
-            <a:pPr>
-              <a:lnSpc>
-                <a:spcPct val="100000"/>
-              </a:lnSpc>
+              <a:rPr lang="en-US" sz="1800" dirty="0">
+                <a:latin typeface="+mj-lt"/>
+              </a:rPr>
+              <a:t>Techniques to recognize and avoid negative side effects of AI systems</a:t>
+            </a:r>
+          </a:p>
+          <a:p>
+            <a:pPr marL="285750" indent="-285750" rtl="0" fontAlgn="ctr">
+              <a:spcBef>
+                <a:spcPts val="0"/>
+              </a:spcBef>
+              <a:spcAft>
+                <a:spcPts val="0"/>
+              </a:spcAft>
+              <a:buFont typeface="Wingdings" panose="05000000000000000000" pitchFamily="2" charset="2"/>
+              <a:buChar char="§"/>
             </a:pPr>
             <a:r>
-              <a:rPr lang="en-US" sz="1100" dirty="0"/>
-              <a:t>[4] European Commission, 2021, Proposal for a REGULATION OF THE EUROPEAN PARLIAMENT AND OF THE COUNCIL LAYING DOWN HARMONISED RULES ON ARTIFICIAL INTELLIGENCE (ARTIFICIAL INTELLIGENCE ACT) AND AMENDING CERTAIN UNION LEGISLATIVE ACTS, </a:t>
-            </a:r>
-            <a:r>
-              <a:rPr lang="en-US" sz="1100" dirty="0">
-                <a:hlinkClick r:id="rId5"/>
-              </a:rPr>
-              <a:t>https://eur-lex.europa.eu/legal-content/EN/TXT/?qid=1623335154975&amp;uri=CELEX%3A52021PC0206</a:t>
-            </a:r>
-            <a:r>
-              <a:rPr lang="en-US" sz="1100" dirty="0"/>
-              <a:t> </a:t>
-            </a:r>
+              <a:rPr lang="en-US" sz="1800" dirty="0">
+                <a:latin typeface="+mj-lt"/>
+              </a:rPr>
+              <a:t>Techniques for ethical, interpretable, fair, and trustworthy decision-making</a:t>
+            </a:r>
+          </a:p>
+          <a:p>
+            <a:pPr marL="285750" indent="-285750" rtl="0" fontAlgn="ctr">
+              <a:spcBef>
+                <a:spcPts val="0"/>
+              </a:spcBef>
+              <a:spcAft>
+                <a:spcPts val="0"/>
+              </a:spcAft>
+              <a:buFont typeface="Wingdings" panose="05000000000000000000" pitchFamily="2" charset="2"/>
+              <a:buChar char="§"/>
+            </a:pPr>
+            <a:r>
+              <a:rPr lang="en-US" sz="1800" dirty="0">
+                <a:latin typeface="+mj-lt"/>
+              </a:rPr>
+              <a:t>Case studies of robustness and reliability in deployed autonomous systems</a:t>
+            </a:r>
+          </a:p>
+          <a:p>
+            <a:pPr marL="285750" indent="-285750" rtl="0" fontAlgn="ctr">
+              <a:spcBef>
+                <a:spcPts val="0"/>
+              </a:spcBef>
+              <a:spcAft>
+                <a:spcPts val="0"/>
+              </a:spcAft>
+              <a:buFont typeface="Wingdings" panose="05000000000000000000" pitchFamily="2" charset="2"/>
+              <a:buChar char="§"/>
+            </a:pPr>
+            <a:r>
+              <a:rPr lang="en-US" sz="1800" dirty="0">
+                <a:latin typeface="+mj-lt"/>
+              </a:rPr>
+              <a:t>Learning to improve robustness and reliability from human feedback </a:t>
+            </a:r>
+          </a:p>
+          <a:p>
+            <a:pPr rtl="0" fontAlgn="ctr">
+              <a:spcBef>
+                <a:spcPts val="0"/>
+              </a:spcBef>
+              <a:spcAft>
+                <a:spcPts val="0"/>
+              </a:spcAft>
+            </a:pPr>
+            <a:endParaRPr lang="pt-BR" sz="1800" dirty="0">
+              <a:latin typeface="+mj-lt"/>
+            </a:endParaRPr>
+          </a:p>
+          <a:p>
+            <a:endParaRPr lang="en-US" dirty="0">
+              <a:latin typeface="+mj-lt"/>
+            </a:endParaRPr>
           </a:p>
         </p:txBody>
       </p:sp>
@@ -17819,7 +17569,7 @@
           <p:cNvPr id="4" name="Slide Number Placeholder 4">
             <a:extLst>
               <a:ext uri="{FF2B5EF4-FFF2-40B4-BE49-F238E27FC236}">
-                <a16:creationId xmlns:a16="http://schemas.microsoft.com/office/drawing/2014/main" id="{AFC97EE5-CE7F-4D45-800A-E5BCAC02A8C4}"/>
+                <a16:creationId xmlns:a16="http://schemas.microsoft.com/office/drawing/2014/main" id="{C23424F9-62E9-49C2-9520-9AFC616586CA}"/>
               </a:ext>
             </a:extLst>
           </p:cNvPr>
@@ -17849,6 +17599,337 @@
                 <a:defRPr/>
               </a:pPr>
               <a:t>24</a:t>
+            </a:fld>
+            <a:endParaRPr lang="de-DE" dirty="0"/>
+          </a:p>
+        </p:txBody>
+      </p:sp>
+      <p:sp>
+        <p:nvSpPr>
+          <p:cNvPr id="6" name="TextBox 5">
+            <a:extLst>
+              <a:ext uri="{FF2B5EF4-FFF2-40B4-BE49-F238E27FC236}">
+                <a16:creationId xmlns:a16="http://schemas.microsoft.com/office/drawing/2014/main" id="{170EEFE2-E5BB-407B-A87C-7350B4A7CCFF}"/>
+              </a:ext>
+            </a:extLst>
+          </p:cNvPr>
+          <p:cNvSpPr txBox="1"/>
+          <p:nvPr/>
+        </p:nvSpPr>
+        <p:spPr bwMode="gray">
+          <a:xfrm>
+            <a:off x="164285" y="6317528"/>
+            <a:ext cx="11863430" cy="338554"/>
+          </a:xfrm>
+          <a:prstGeom prst="rect">
+            <a:avLst/>
+          </a:prstGeom>
+          <a:noFill/>
+        </p:spPr>
+        <p:txBody>
+          <a:bodyPr wrap="square">
+            <a:spAutoFit/>
+          </a:bodyPr>
+          <a:lstStyle/>
+          <a:p>
+            <a:pPr fontAlgn="ctr">
+              <a:spcBef>
+                <a:spcPts val="0"/>
+              </a:spcBef>
+              <a:spcAft>
+                <a:spcPts val="0"/>
+              </a:spcAft>
+            </a:pPr>
+            <a:r>
+              <a:rPr lang="en-US" sz="1400" dirty="0">
+                <a:latin typeface="+mj-lt"/>
+              </a:rPr>
+              <a:t>R</a:t>
+            </a:r>
+            <a:r>
+              <a:rPr lang="en-US" sz="1400" baseline="30000" dirty="0">
+                <a:latin typeface="+mj-lt"/>
+              </a:rPr>
+              <a:t>2</a:t>
+            </a:r>
+            <a:r>
+              <a:rPr lang="en-US" sz="1400" dirty="0">
+                <a:latin typeface="+mj-lt"/>
+              </a:rPr>
+              <a:t>AW, 2021, IJCAI 2021 Workshop  on Robust and Reliable Autonomy in the Wild, </a:t>
+            </a:r>
+            <a:r>
+              <a:rPr lang="pt-BR" sz="1600" dirty="0">
+                <a:effectLst/>
+                <a:latin typeface="+mj-lt"/>
+                <a:hlinkClick r:id="rId2"/>
+              </a:rPr>
+              <a:t>http://rbr.cs.umass.edu/r2aw/</a:t>
+            </a:r>
+            <a:endParaRPr lang="pt-BR" sz="1600" dirty="0">
+              <a:effectLst/>
+              <a:latin typeface="+mj-lt"/>
+            </a:endParaRPr>
+          </a:p>
+        </p:txBody>
+      </p:sp>
+    </p:spTree>
+    <p:extLst>
+      <p:ext uri="{BB962C8B-B14F-4D97-AF65-F5344CB8AC3E}">
+        <p14:creationId xmlns:p14="http://schemas.microsoft.com/office/powerpoint/2010/main" val="273216393"/>
+      </p:ext>
+    </p:extLst>
+  </p:cSld>
+  <p:clrMapOvr>
+    <a:masterClrMapping/>
+  </p:clrMapOvr>
+</p:sld>
+</file>
+
+<file path=ppt/slides/slide25.xml><?xml version="1.0" encoding="utf-8"?>
+<p:sld xmlns:a="http://schemas.openxmlformats.org/drawingml/2006/main" xmlns:r="http://schemas.openxmlformats.org/officeDocument/2006/relationships" xmlns:p="http://schemas.openxmlformats.org/presentationml/2006/main">
+  <p:cSld>
+    <p:spTree>
+      <p:nvGrpSpPr>
+        <p:cNvPr id="1" name=""/>
+        <p:cNvGrpSpPr/>
+        <p:nvPr/>
+      </p:nvGrpSpPr>
+      <p:grpSpPr>
+        <a:xfrm>
+          <a:off x="0" y="0"/>
+          <a:ext cx="0" cy="0"/>
+          <a:chOff x="0" y="0"/>
+          <a:chExt cx="0" cy="0"/>
+        </a:xfrm>
+      </p:grpSpPr>
+      <p:sp>
+        <p:nvSpPr>
+          <p:cNvPr id="2" name="Title 1">
+            <a:extLst>
+              <a:ext uri="{FF2B5EF4-FFF2-40B4-BE49-F238E27FC236}">
+                <a16:creationId xmlns:a16="http://schemas.microsoft.com/office/drawing/2014/main" id="{775B84B7-6348-4216-9384-0C84F77EDE26}"/>
+              </a:ext>
+            </a:extLst>
+          </p:cNvPr>
+          <p:cNvSpPr>
+            <a:spLocks noGrp="1"/>
+          </p:cNvSpPr>
+          <p:nvPr>
+            <p:ph type="title"/>
+          </p:nvPr>
+        </p:nvSpPr>
+        <p:spPr/>
+        <p:txBody>
+          <a:bodyPr/>
+          <a:lstStyle/>
+          <a:p>
+            <a:r>
+              <a:rPr lang="en-US" dirty="0"/>
+              <a:t>Suggested Task for the Week</a:t>
+            </a:r>
+          </a:p>
+        </p:txBody>
+      </p:sp>
+      <p:sp>
+        <p:nvSpPr>
+          <p:cNvPr id="3" name="Content Placeholder 2">
+            <a:extLst>
+              <a:ext uri="{FF2B5EF4-FFF2-40B4-BE49-F238E27FC236}">
+                <a16:creationId xmlns:a16="http://schemas.microsoft.com/office/drawing/2014/main" id="{C378E8C4-523B-48C7-8110-43B7FDE29EE9}"/>
+              </a:ext>
+            </a:extLst>
+          </p:cNvPr>
+          <p:cNvSpPr>
+            <a:spLocks noGrp="1"/>
+          </p:cNvSpPr>
+          <p:nvPr>
+            <p:ph idx="1"/>
+          </p:nvPr>
+        </p:nvSpPr>
+        <p:spPr>
+          <a:xfrm>
+            <a:off x="478369" y="1074249"/>
+            <a:ext cx="10799231" cy="5673348"/>
+          </a:xfrm>
+        </p:spPr>
+        <p:txBody>
+          <a:bodyPr/>
+          <a:lstStyle/>
+          <a:p>
+            <a:r>
+              <a:rPr lang="en-US" dirty="0"/>
+              <a:t>Read the IEEE code of Ethics [1], IEEE code of Conduct [2], and the EU Rules on AI (AI Act) [2-3]</a:t>
+            </a:r>
+          </a:p>
+          <a:p>
+            <a:endParaRPr lang="en-US" dirty="0"/>
+          </a:p>
+          <a:p>
+            <a:r>
+              <a:rPr lang="en-US" dirty="0"/>
+              <a:t>Are there specific orientations in these codes that contribute to mitigate the dilemma that you described in your previous tasks?</a:t>
+            </a:r>
+          </a:p>
+          <a:p>
+            <a:pPr marL="342900" indent="-342900">
+              <a:buFontTx/>
+              <a:buChar char="-"/>
+            </a:pPr>
+            <a:r>
+              <a:rPr lang="en-US" dirty="0"/>
+              <a:t>If positive, please explain (2 sentences) how.</a:t>
+            </a:r>
+          </a:p>
+          <a:p>
+            <a:pPr marL="342900" indent="-342900">
+              <a:buFontTx/>
+              <a:buChar char="-"/>
+            </a:pPr>
+            <a:r>
+              <a:rPr lang="en-US" dirty="0"/>
+              <a:t>If negative, what would you recommend to be added or stated more precise/specific in these codes in order to contribute to a particular mitigation action? </a:t>
+            </a:r>
+          </a:p>
+          <a:p>
+            <a:pPr marL="342900" indent="-342900">
+              <a:buFontTx/>
+              <a:buChar char="-"/>
+            </a:pPr>
+            <a:endParaRPr lang="en-US" dirty="0"/>
+          </a:p>
+          <a:p>
+            <a:endParaRPr lang="en-US" dirty="0"/>
+          </a:p>
+          <a:p>
+            <a:pPr>
+              <a:lnSpc>
+                <a:spcPct val="100000"/>
+              </a:lnSpc>
+            </a:pPr>
+            <a:r>
+              <a:rPr lang="en-US" sz="1100" dirty="0"/>
+              <a:t>[1] IEEE Code of Ethics, 2020, </a:t>
+            </a:r>
+            <a:r>
+              <a:rPr lang="en-US" sz="1100" dirty="0">
+                <a:hlinkClick r:id="rId2"/>
+              </a:rPr>
+              <a:t>https://www.ieee.org/content/dam/ieee-org/ieee/web/org/about/corporate/ieee-code-of-ethics.pdf</a:t>
+            </a:r>
+            <a:r>
+              <a:rPr lang="en-US" sz="1100" dirty="0"/>
+              <a:t> </a:t>
+            </a:r>
+          </a:p>
+          <a:p>
+            <a:pPr>
+              <a:lnSpc>
+                <a:spcPct val="100000"/>
+              </a:lnSpc>
+            </a:pPr>
+            <a:r>
+              <a:rPr lang="en-US" sz="1100" dirty="0"/>
+              <a:t>[2] IEEE Code of Conduct, 2014, </a:t>
+            </a:r>
+            <a:r>
+              <a:rPr lang="en-US" sz="1100" dirty="0">
+                <a:hlinkClick r:id="rId3"/>
+              </a:rPr>
+              <a:t>https://www.ieee.org/content/dam/ieee-org/ieee/web/org/about/ieee_code_of_conduct.pdf</a:t>
+            </a:r>
+            <a:r>
+              <a:rPr lang="en-US" sz="1100" dirty="0"/>
+              <a:t>   </a:t>
+            </a:r>
+          </a:p>
+          <a:p>
+            <a:pPr>
+              <a:lnSpc>
+                <a:spcPct val="100000"/>
+              </a:lnSpc>
+            </a:pPr>
+            <a:r>
+              <a:rPr lang="en-US" sz="1100" dirty="0"/>
+              <a:t>[3] </a:t>
+            </a:r>
+            <a:r>
+              <a:rPr lang="en-US" sz="1100" dirty="0" err="1"/>
+              <a:t>MacCarthy</a:t>
+            </a:r>
+            <a:r>
+              <a:rPr lang="en-US" sz="1100" dirty="0"/>
+              <a:t>, M., &amp; Propp, K., 2021, Machines learn that Brussels writes the rules: The EU’s new AI regulation, </a:t>
+            </a:r>
+            <a:r>
+              <a:rPr lang="en-US" sz="1100" dirty="0">
+                <a:hlinkClick r:id="rId4"/>
+              </a:rPr>
+              <a:t>https://www.brookings.edu/blog/techtank/2021/05/04/machines-learn-that-brussels-writes-the-rules-the-eus-new-ai-regulation/</a:t>
+            </a:r>
+            <a:r>
+              <a:rPr lang="en-US" sz="1100" dirty="0"/>
+              <a:t> </a:t>
+            </a:r>
+          </a:p>
+          <a:p>
+            <a:pPr>
+              <a:lnSpc>
+                <a:spcPct val="100000"/>
+              </a:lnSpc>
+            </a:pPr>
+            <a:r>
+              <a:rPr lang="en-US" sz="1100" dirty="0"/>
+              <a:t>[4] European Commission, 2021, Proposal for a REGULATION OF THE EUROPEAN PARLIAMENT AND OF THE COUNCIL LAYING DOWN HARMONISED RULES ON ARTIFICIAL INTELLIGENCE (ARTIFICIAL INTELLIGENCE ACT) AND AMENDING CERTAIN UNION LEGISLATIVE ACTS, </a:t>
+            </a:r>
+            <a:r>
+              <a:rPr lang="en-US" sz="1100" dirty="0">
+                <a:hlinkClick r:id="rId5"/>
+              </a:rPr>
+              <a:t>https://eur-lex.europa.eu/legal-content/EN/TXT/?qid=1623335154975&amp;uri=CELEX%3A52021PC0206</a:t>
+            </a:r>
+            <a:r>
+              <a:rPr lang="en-US" sz="1100" dirty="0"/>
+              <a:t> </a:t>
+            </a:r>
+          </a:p>
+        </p:txBody>
+      </p:sp>
+      <p:sp>
+        <p:nvSpPr>
+          <p:cNvPr id="4" name="Slide Number Placeholder 4">
+            <a:extLst>
+              <a:ext uri="{FF2B5EF4-FFF2-40B4-BE49-F238E27FC236}">
+                <a16:creationId xmlns:a16="http://schemas.microsoft.com/office/drawing/2014/main" id="{AFC97EE5-CE7F-4D45-800A-E5BCAC02A8C4}"/>
+              </a:ext>
+            </a:extLst>
+          </p:cNvPr>
+          <p:cNvSpPr>
+            <a:spLocks noGrp="1"/>
+          </p:cNvSpPr>
+          <p:nvPr>
+            <p:ph type="sldNum" sz="quarter" idx="12"/>
+          </p:nvPr>
+        </p:nvSpPr>
+        <p:spPr>
+          <a:xfrm>
+            <a:off x="11180006" y="6486805"/>
+            <a:ext cx="771750" cy="260792"/>
+          </a:xfrm>
+        </p:spPr>
+        <p:txBody>
+          <a:bodyPr/>
+          <a:lstStyle/>
+          <a:p>
+            <a:pPr>
+              <a:defRPr/>
+            </a:pPr>
+            <a:fld id="{0DF685E1-000B-FF46-B3AC-A509A8EDE44A}" type="slidenum">
+              <a:rPr lang="de-DE" smtClean="0"/>
+              <a:pPr>
+                <a:defRPr/>
+              </a:pPr>
+              <a:t>25</a:t>
             </a:fld>
             <a:endParaRPr lang="de-DE" dirty="0"/>
           </a:p>
@@ -17867,7 +17948,7 @@
 </p:sld>
 </file>
 
-<file path=ppt/slides/slide25.xml><?xml version="1.0" encoding="utf-8"?>
+<file path=ppt/slides/slide26.xml><?xml version="1.0" encoding="utf-8"?>
 <p:sld xmlns:a="http://schemas.openxmlformats.org/drawingml/2006/main" xmlns:r="http://schemas.openxmlformats.org/officeDocument/2006/relationships" xmlns:p="http://schemas.openxmlformats.org/presentationml/2006/main">
   <p:cSld>
     <p:spTree>
@@ -17980,332 +18061,331 @@
       </p:grpSpPr>
       <p:sp>
         <p:nvSpPr>
-          <p:cNvPr id="32772" name="Rectangle 2"/>
-          <p:cNvSpPr>
-            <a:spLocks noGrp="1" noChangeArrowheads="1"/>
+          <p:cNvPr id="2" name="Title 1">
+            <a:extLst>
+              <a:ext uri="{FF2B5EF4-FFF2-40B4-BE49-F238E27FC236}">
+                <a16:creationId xmlns:a16="http://schemas.microsoft.com/office/drawing/2014/main" id="{23E028E1-F30E-4783-BB66-149C70664E3F}"/>
+              </a:ext>
+            </a:extLst>
+          </p:cNvPr>
+          <p:cNvSpPr>
+            <a:spLocks noGrp="1"/>
           </p:cNvSpPr>
           <p:nvPr>
             <p:ph type="title"/>
           </p:nvPr>
         </p:nvSpPr>
+        <p:spPr/>
+        <p:txBody>
+          <a:bodyPr/>
+          <a:lstStyle/>
+          <a:p>
+            <a:r>
+              <a:rPr lang="en-US"/>
+              <a:t>Sources (Books)</a:t>
+            </a:r>
+            <a:endParaRPr lang="en-US" dirty="0"/>
+          </a:p>
+        </p:txBody>
+      </p:sp>
+      <p:pic>
+        <p:nvPicPr>
+          <p:cNvPr id="5" name="Content Placeholder 4" descr="Diagram&#10;&#10;Description automatically generated">
+            <a:extLst>
+              <a:ext uri="{FF2B5EF4-FFF2-40B4-BE49-F238E27FC236}">
+                <a16:creationId xmlns:a16="http://schemas.microsoft.com/office/drawing/2014/main" id="{9BBBF0A9-AE34-4F65-88BE-6AA07C8020B9}"/>
+              </a:ext>
+            </a:extLst>
+          </p:cNvPr>
+          <p:cNvPicPr>
+            <a:picLocks noGrp="1" noChangeAspect="1"/>
+          </p:cNvPicPr>
+          <p:nvPr>
+            <p:ph idx="1"/>
+          </p:nvPr>
+        </p:nvPicPr>
+        <p:blipFill>
+          <a:blip r:embed="rId2">
+            <a:extLst>
+              <a:ext uri="{28A0092B-C50C-407E-A947-70E740481C1C}">
+                <a14:useLocalDpi xmlns:a14="http://schemas.microsoft.com/office/drawing/2010/main" val="0"/>
+              </a:ext>
+            </a:extLst>
+          </a:blip>
+          <a:stretch>
+            <a:fillRect/>
+          </a:stretch>
+        </p:blipFill>
         <p:spPr>
           <a:xfrm>
-            <a:off x="374073" y="0"/>
-            <a:ext cx="8242207" cy="699404"/>
+            <a:off x="1175289" y="1025813"/>
+            <a:ext cx="1858577" cy="2665029"/>
           </a:xfrm>
         </p:spPr>
-        <p:txBody>
-          <a:bodyPr/>
-          <a:lstStyle/>
-          <a:p>
-            <a:pPr eaLnBrk="1" hangingPunct="1"/>
-            <a:r>
-              <a:rPr lang="en-US" sz="3600" b="1" dirty="0">
-                <a:ea typeface="ＭＳ Ｐゴシック" pitchFamily="-106" charset="-128"/>
-                <a:cs typeface="ＭＳ Ｐゴシック" pitchFamily="-106" charset="-128"/>
-              </a:rPr>
-              <a:t>Responsibility</a:t>
-            </a:r>
-            <a:endParaRPr lang="de-DE" sz="3600" b="1" dirty="0">
-              <a:ea typeface="ＭＳ Ｐゴシック" pitchFamily="-106" charset="-128"/>
-              <a:cs typeface="ＭＳ Ｐゴシック" pitchFamily="-106" charset="-128"/>
-            </a:endParaRPr>
-          </a:p>
-        </p:txBody>
-      </p:sp>
-      <p:sp>
-        <p:nvSpPr>
-          <p:cNvPr id="32773" name="Rectangle 3"/>
-          <p:cNvSpPr>
-            <a:spLocks noGrp="1" noChangeArrowheads="1"/>
-          </p:cNvSpPr>
-          <p:nvPr>
-            <p:ph idx="1"/>
-          </p:nvPr>
-        </p:nvSpPr>
+      </p:pic>
+      <p:pic>
+        <p:nvPicPr>
+          <p:cNvPr id="9" name="Picture 8" descr="Graphical user interface, website&#10;&#10;Description automatically generated">
+            <a:extLst>
+              <a:ext uri="{FF2B5EF4-FFF2-40B4-BE49-F238E27FC236}">
+                <a16:creationId xmlns:a16="http://schemas.microsoft.com/office/drawing/2014/main" id="{FF181329-F0D2-455C-BC57-3CD76876DC96}"/>
+              </a:ext>
+            </a:extLst>
+          </p:cNvPr>
+          <p:cNvPicPr>
+            <a:picLocks noChangeAspect="1"/>
+          </p:cNvPicPr>
+          <p:nvPr/>
+        </p:nvPicPr>
+        <p:blipFill>
+          <a:blip r:embed="rId3">
+            <a:extLst>
+              <a:ext uri="{28A0092B-C50C-407E-A947-70E740481C1C}">
+                <a14:useLocalDpi xmlns:a14="http://schemas.microsoft.com/office/drawing/2010/main" val="0"/>
+              </a:ext>
+            </a:extLst>
+          </a:blip>
+          <a:stretch>
+            <a:fillRect/>
+          </a:stretch>
+        </p:blipFill>
         <p:spPr>
           <a:xfrm>
-            <a:off x="478372" y="1462689"/>
-            <a:ext cx="11473384" cy="3246017"/>
-          </a:xfrm>
-        </p:spPr>
-        <p:txBody>
-          <a:bodyPr/>
-          <a:lstStyle/>
-          <a:p>
-            <a:pPr eaLnBrk="1" hangingPunct="1">
-              <a:buClr>
-                <a:schemeClr val="accent1"/>
-              </a:buClr>
-              <a:buSzPct val="80000"/>
-              <a:buFont typeface=".AppleSDGothicNeoI-Regular" charset="-127"/>
-              <a:buChar char="◼︎"/>
-            </a:pPr>
-            <a:r>
-              <a:rPr lang="en-US" sz="2400" dirty="0">
-                <a:ea typeface="ＭＳ Ｐゴシック" pitchFamily="-106" charset="-128"/>
-                <a:cs typeface="ＭＳ Ｐゴシック" pitchFamily="-106" charset="-128"/>
-              </a:rPr>
-              <a:t>In case of a </a:t>
-            </a:r>
-            <a:r>
-              <a:rPr lang="en-US" sz="2400" b="1" dirty="0">
-                <a:solidFill>
-                  <a:schemeClr val="accent1"/>
-                </a:solidFill>
-                <a:ea typeface="ＭＳ Ｐゴシック" pitchFamily="-106" charset="-128"/>
-                <a:cs typeface="ＭＳ Ｐゴシック" pitchFamily="-106" charset="-128"/>
-              </a:rPr>
-              <a:t>disaster</a:t>
-            </a:r>
-            <a:r>
-              <a:rPr lang="en-US" sz="2400" dirty="0">
-                <a:ea typeface="ＭＳ Ｐゴシック" pitchFamily="-106" charset="-128"/>
-                <a:cs typeface="ＭＳ Ｐゴシック" pitchFamily="-106" charset="-128"/>
-              </a:rPr>
-              <a:t> or </a:t>
-            </a:r>
-            <a:r>
-              <a:rPr lang="en-US" sz="2400" b="1" dirty="0">
-                <a:solidFill>
-                  <a:schemeClr val="accent1"/>
-                </a:solidFill>
-                <a:ea typeface="ＭＳ Ｐゴシック" pitchFamily="-106" charset="-128"/>
-                <a:cs typeface="ＭＳ Ｐゴシック" pitchFamily="-106" charset="-128"/>
-              </a:rPr>
-              <a:t>system failure </a:t>
-            </a:r>
-            <a:r>
-              <a:rPr lang="en-US" sz="2400" dirty="0">
-                <a:ea typeface="ＭＳ Ｐゴシック" pitchFamily="-106" charset="-128"/>
-                <a:cs typeface="ＭＳ Ｐゴシック" pitchFamily="-106" charset="-128"/>
-              </a:rPr>
-              <a:t>the question who is responsible naturally arises!</a:t>
-            </a:r>
-          </a:p>
-          <a:p>
-            <a:pPr eaLnBrk="1" hangingPunct="1">
-              <a:buClr>
-                <a:schemeClr val="accent1"/>
-              </a:buClr>
-              <a:buSzPct val="80000"/>
-              <a:buFont typeface=".AppleSDGothicNeoI-Regular" charset="-127"/>
-              <a:buChar char="◼︎"/>
-            </a:pPr>
-            <a:r>
-              <a:rPr lang="en-US" sz="2400" b="1" dirty="0">
-                <a:solidFill>
-                  <a:schemeClr val="accent1"/>
-                </a:solidFill>
-                <a:ea typeface="ＭＳ Ｐゴシック" pitchFamily="-106" charset="-128"/>
-                <a:cs typeface="ＭＳ Ｐゴシック" pitchFamily="-106" charset="-128"/>
-              </a:rPr>
-              <a:t>Active responsibility</a:t>
-            </a:r>
-            <a:r>
-              <a:rPr lang="en-US" sz="2400" dirty="0">
-                <a:ea typeface="ＭＳ Ｐゴシック" pitchFamily="-106" charset="-128"/>
-                <a:cs typeface="ＭＳ Ｐゴシック" pitchFamily="-106" charset="-128"/>
-              </a:rPr>
-              <a:t>: before the event</a:t>
-            </a:r>
-          </a:p>
-          <a:p>
-            <a:pPr eaLnBrk="1" hangingPunct="1">
-              <a:buClr>
-                <a:schemeClr val="accent1"/>
-              </a:buClr>
-              <a:buSzPct val="80000"/>
-              <a:buFont typeface=".AppleSDGothicNeoI-Regular" charset="-127"/>
-              <a:buChar char="◼︎"/>
-            </a:pPr>
-            <a:r>
-              <a:rPr lang="en-US" sz="2400" b="1" dirty="0">
-                <a:solidFill>
-                  <a:schemeClr val="accent1"/>
-                </a:solidFill>
-                <a:ea typeface="ＭＳ Ｐゴシック" pitchFamily="-106" charset="-128"/>
-                <a:cs typeface="ＭＳ Ｐゴシック" pitchFamily="-106" charset="-128"/>
-              </a:rPr>
-              <a:t>Passive responsibility</a:t>
-            </a:r>
-            <a:r>
-              <a:rPr lang="en-US" sz="2400" dirty="0">
-                <a:ea typeface="ＭＳ Ｐゴシック" pitchFamily="-106" charset="-128"/>
-                <a:cs typeface="ＭＳ Ｐゴシック" pitchFamily="-106" charset="-128"/>
-              </a:rPr>
-              <a:t>: after the event</a:t>
-            </a:r>
-          </a:p>
-          <a:p>
-            <a:pPr eaLnBrk="1" hangingPunct="1">
-              <a:buClr>
-                <a:schemeClr val="accent1"/>
-              </a:buClr>
-              <a:buSzPct val="80000"/>
-              <a:buFont typeface=".AppleSDGothicNeoI-Regular" charset="-127"/>
-              <a:buChar char="◼︎"/>
-            </a:pPr>
-            <a:r>
-              <a:rPr lang="en-US" sz="2400" dirty="0">
-                <a:ea typeface="ＭＳ Ｐゴシック" pitchFamily="-106" charset="-128"/>
-                <a:cs typeface="ＭＳ Ｐゴシック" pitchFamily="-106" charset="-128"/>
-              </a:rPr>
-              <a:t>Different roles result in different responsibilities (engineer vs. employee)</a:t>
-            </a:r>
-          </a:p>
-          <a:p>
-            <a:pPr eaLnBrk="1" hangingPunct="1">
-              <a:buClr>
-                <a:schemeClr val="accent1"/>
-              </a:buClr>
-              <a:buSzPct val="80000"/>
-              <a:buFont typeface=".AppleSDGothicNeoI-Regular" charset="-127"/>
-              <a:buChar char="◼︎"/>
-            </a:pPr>
-            <a:r>
-              <a:rPr lang="en-US" sz="2400" dirty="0">
-                <a:ea typeface="ＭＳ Ｐゴシック" pitchFamily="-106" charset="-128"/>
-                <a:cs typeface="ＭＳ Ｐゴシック" pitchFamily="-106" charset="-128"/>
-              </a:rPr>
-              <a:t>Responsibilities can result from contracts, code of conducts, or moral norms and moral duties</a:t>
-            </a:r>
-          </a:p>
-          <a:p>
-            <a:pPr marL="0" indent="0"/>
-            <a:endParaRPr lang="de-DE" dirty="0">
-              <a:ea typeface="ＭＳ Ｐゴシック" pitchFamily="-106" charset="-128"/>
-              <a:cs typeface="ＭＳ Ｐゴシック" pitchFamily="-106" charset="-128"/>
-            </a:endParaRPr>
-          </a:p>
-        </p:txBody>
-      </p:sp>
-      <p:sp>
-        <p:nvSpPr>
-          <p:cNvPr id="5" name="Slide Number Placeholder 4"/>
-          <p:cNvSpPr>
-            <a:spLocks noGrp="1"/>
-          </p:cNvSpPr>
-          <p:nvPr>
-            <p:ph type="sldNum" sz="quarter" idx="12"/>
-          </p:nvPr>
-        </p:nvSpPr>
-        <p:spPr/>
-        <p:txBody>
-          <a:bodyPr/>
-          <a:lstStyle/>
-          <a:p>
-            <a:pPr>
-              <a:defRPr/>
-            </a:pPr>
-            <a:fld id="{0DF685E1-000B-FF46-B3AC-A509A8EDE44A}" type="slidenum">
-              <a:rPr lang="de-DE" smtClean="0"/>
-              <a:pPr>
-                <a:defRPr/>
-              </a:pPr>
-              <a:t>3</a:t>
-            </a:fld>
-            <a:endParaRPr lang="de-DE"/>
-          </a:p>
-        </p:txBody>
-      </p:sp>
-      <p:sp>
-        <p:nvSpPr>
-          <p:cNvPr id="2" name="TextBox 1"/>
-          <p:cNvSpPr txBox="1"/>
-          <p:nvPr/>
-        </p:nvSpPr>
-        <p:spPr>
-          <a:xfrm>
-            <a:off x="9356993" y="5508251"/>
-            <a:ext cx="2835007" cy="369332"/>
+            <a:off x="5682403" y="3930507"/>
+            <a:ext cx="1845800" cy="2792828"/>
           </a:xfrm>
           <a:prstGeom prst="rect">
             <a:avLst/>
           </a:prstGeom>
-          <a:noFill/>
-        </p:spPr>
-        <p:txBody>
-          <a:bodyPr wrap="none" rtlCol="0">
-            <a:spAutoFit/>
-          </a:bodyPr>
-          <a:lstStyle/>
-          <a:p>
-            <a:r>
-              <a:rPr lang="en-GB" dirty="0">
-                <a:latin typeface="Arial" pitchFamily="-112" charset="0"/>
-                <a:ea typeface="ＭＳ Ｐゴシック" pitchFamily="-112" charset="-128"/>
-                <a:cs typeface="ＭＳ Ｐゴシック" pitchFamily="-112" charset="-128"/>
-              </a:rPr>
-              <a:t>[dePoel&amp;Royakkers2011] </a:t>
-            </a:r>
-            <a:endParaRPr lang="en-US" dirty="0"/>
-          </a:p>
-        </p:txBody>
-      </p:sp>
-      <p:sp>
-        <p:nvSpPr>
-          <p:cNvPr id="8" name="TextBox 7">
+        </p:spPr>
+      </p:pic>
+      <p:pic>
+        <p:nvPicPr>
+          <p:cNvPr id="13" name="Picture 12" descr="Graphical user interface&#10;&#10;Description automatically generated with medium confidence">
             <a:extLst>
               <a:ext uri="{FF2B5EF4-FFF2-40B4-BE49-F238E27FC236}">
-                <a16:creationId xmlns:a16="http://schemas.microsoft.com/office/drawing/2014/main" id="{1C2B6BF8-89B3-4930-A20C-C4A12D98FF58}"/>
+                <a16:creationId xmlns:a16="http://schemas.microsoft.com/office/drawing/2014/main" id="{E61CFC38-7F49-480F-B199-CF1FFE05417D}"/>
               </a:ext>
             </a:extLst>
           </p:cNvPr>
-          <p:cNvSpPr txBox="1"/>
+          <p:cNvPicPr>
+            <a:picLocks noChangeAspect="1"/>
+          </p:cNvPicPr>
           <p:nvPr/>
-        </p:nvSpPr>
-        <p:spPr bwMode="gray">
+        </p:nvPicPr>
+        <p:blipFill>
+          <a:blip r:embed="rId4">
+            <a:extLst>
+              <a:ext uri="{28A0092B-C50C-407E-A947-70E740481C1C}">
+                <a14:useLocalDpi xmlns:a14="http://schemas.microsoft.com/office/drawing/2010/main" val="0"/>
+              </a:ext>
+            </a:extLst>
+          </a:blip>
+          <a:stretch>
+            <a:fillRect/>
+          </a:stretch>
+        </p:blipFill>
+        <p:spPr>
           <a:xfrm>
-            <a:off x="0" y="6478701"/>
-            <a:ext cx="11611840" cy="276999"/>
+            <a:off x="3459942" y="3930507"/>
+            <a:ext cx="1902260" cy="2840360"/>
           </a:xfrm>
           <a:prstGeom prst="rect">
             <a:avLst/>
           </a:prstGeom>
-          <a:noFill/>
-        </p:spPr>
-        <p:txBody>
-          <a:bodyPr wrap="square">
-            <a:spAutoFit/>
-          </a:bodyPr>
-          <a:lstStyle/>
-          <a:p>
-            <a:r>
-              <a:rPr lang="en-GB" sz="1200" dirty="0">
-                <a:latin typeface="Arial" pitchFamily="-112" charset="0"/>
-                <a:ea typeface="ＭＳ Ｐゴシック" pitchFamily="-112" charset="-128"/>
-                <a:cs typeface="ＭＳ Ｐゴシック" pitchFamily="-112" charset="-128"/>
-              </a:rPr>
-              <a:t>[dePoel&amp;Royakkers2011] </a:t>
-            </a:r>
-            <a:r>
-              <a:rPr lang="en-US" sz="1200" dirty="0"/>
-              <a:t>Van de Poel, I., &amp; </a:t>
-            </a:r>
-            <a:r>
-              <a:rPr lang="en-US" sz="1200" dirty="0" err="1"/>
-              <a:t>Royakkers</a:t>
-            </a:r>
-            <a:r>
-              <a:rPr lang="en-US" sz="1200" dirty="0"/>
-              <a:t>, L. (2011). </a:t>
-            </a:r>
-            <a:r>
-              <a:rPr lang="en-US" sz="1200" i="1" dirty="0"/>
-              <a:t>Ethics, technology, and engineering: An introduction</a:t>
-            </a:r>
-            <a:r>
-              <a:rPr lang="en-US" sz="1200" dirty="0"/>
-              <a:t>. John Wiley &amp; Sons.</a:t>
-            </a:r>
-          </a:p>
-        </p:txBody>
-      </p:sp>
+        </p:spPr>
+      </p:pic>
+      <p:pic>
+        <p:nvPicPr>
+          <p:cNvPr id="14" name="Picture 13" descr="Diagram&#10;&#10;Description automatically generated">
+            <a:extLst>
+              <a:ext uri="{FF2B5EF4-FFF2-40B4-BE49-F238E27FC236}">
+                <a16:creationId xmlns:a16="http://schemas.microsoft.com/office/drawing/2014/main" id="{68E61F7E-F32E-4930-B39A-C929363573C4}"/>
+              </a:ext>
+            </a:extLst>
+          </p:cNvPr>
+          <p:cNvPicPr>
+            <a:picLocks noChangeAspect="1"/>
+          </p:cNvPicPr>
+          <p:nvPr/>
+        </p:nvPicPr>
+        <p:blipFill>
+          <a:blip r:embed="rId5">
+            <a:extLst>
+              <a:ext uri="{28A0092B-C50C-407E-A947-70E740481C1C}">
+                <a14:useLocalDpi xmlns:a14="http://schemas.microsoft.com/office/drawing/2010/main" val="0"/>
+              </a:ext>
+            </a:extLst>
+          </a:blip>
+          <a:stretch>
+            <a:fillRect/>
+          </a:stretch>
+        </p:blipFill>
+        <p:spPr>
+          <a:xfrm>
+            <a:off x="7899409" y="1025813"/>
+            <a:ext cx="2526136" cy="2526136"/>
+          </a:xfrm>
+          <a:prstGeom prst="rect">
+            <a:avLst/>
+          </a:prstGeom>
+        </p:spPr>
+      </p:pic>
+      <p:pic>
+        <p:nvPicPr>
+          <p:cNvPr id="15" name="Picture 14" descr="Text&#10;&#10;Description automatically generated">
+            <a:extLst>
+              <a:ext uri="{FF2B5EF4-FFF2-40B4-BE49-F238E27FC236}">
+                <a16:creationId xmlns:a16="http://schemas.microsoft.com/office/drawing/2014/main" id="{A3D04B9D-291C-40B5-B0A4-03B5CCD42E2D}"/>
+              </a:ext>
+            </a:extLst>
+          </p:cNvPr>
+          <p:cNvPicPr>
+            <a:picLocks noChangeAspect="1"/>
+          </p:cNvPicPr>
+          <p:nvPr/>
+        </p:nvPicPr>
+        <p:blipFill>
+          <a:blip r:embed="rId6">
+            <a:extLst>
+              <a:ext uri="{28A0092B-C50C-407E-A947-70E740481C1C}">
+                <a14:useLocalDpi xmlns:a14="http://schemas.microsoft.com/office/drawing/2010/main" val="0"/>
+              </a:ext>
+            </a:extLst>
+          </a:blip>
+          <a:stretch>
+            <a:fillRect/>
+          </a:stretch>
+        </p:blipFill>
+        <p:spPr>
+          <a:xfrm>
+            <a:off x="5682403" y="889041"/>
+            <a:ext cx="1836522" cy="2828471"/>
+          </a:xfrm>
+          <a:prstGeom prst="rect">
+            <a:avLst/>
+          </a:prstGeom>
+        </p:spPr>
+      </p:pic>
+      <p:pic>
+        <p:nvPicPr>
+          <p:cNvPr id="16" name="Picture 15" descr="Diagram&#10;&#10;Description automatically generated">
+            <a:extLst>
+              <a:ext uri="{FF2B5EF4-FFF2-40B4-BE49-F238E27FC236}">
+                <a16:creationId xmlns:a16="http://schemas.microsoft.com/office/drawing/2014/main" id="{0D88CA9B-9AB4-414A-A3ED-2C80932A8A42}"/>
+              </a:ext>
+            </a:extLst>
+          </p:cNvPr>
+          <p:cNvPicPr>
+            <a:picLocks noChangeAspect="1"/>
+          </p:cNvPicPr>
+          <p:nvPr/>
+        </p:nvPicPr>
+        <p:blipFill>
+          <a:blip r:embed="rId7">
+            <a:extLst>
+              <a:ext uri="{28A0092B-C50C-407E-A947-70E740481C1C}">
+                <a14:useLocalDpi xmlns:a14="http://schemas.microsoft.com/office/drawing/2010/main" val="0"/>
+              </a:ext>
+            </a:extLst>
+          </a:blip>
+          <a:stretch>
+            <a:fillRect/>
+          </a:stretch>
+        </p:blipFill>
+        <p:spPr>
+          <a:xfrm>
+            <a:off x="3465397" y="1025813"/>
+            <a:ext cx="1785475" cy="2691699"/>
+          </a:xfrm>
+          <a:prstGeom prst="rect">
+            <a:avLst/>
+          </a:prstGeom>
+        </p:spPr>
+      </p:pic>
+      <p:pic>
+        <p:nvPicPr>
+          <p:cNvPr id="18" name="Picture 17" descr="Graphical user interface, text, application&#10;&#10;Description automatically generated">
+            <a:extLst>
+              <a:ext uri="{FF2B5EF4-FFF2-40B4-BE49-F238E27FC236}">
+                <a16:creationId xmlns:a16="http://schemas.microsoft.com/office/drawing/2014/main" id="{4BD54F54-8006-4F49-A850-BFE7F5939E75}"/>
+              </a:ext>
+            </a:extLst>
+          </p:cNvPr>
+          <p:cNvPicPr>
+            <a:picLocks noChangeAspect="1"/>
+          </p:cNvPicPr>
+          <p:nvPr/>
+        </p:nvPicPr>
+        <p:blipFill>
+          <a:blip r:embed="rId8">
+            <a:extLst>
+              <a:ext uri="{28A0092B-C50C-407E-A947-70E740481C1C}">
+                <a14:useLocalDpi xmlns:a14="http://schemas.microsoft.com/office/drawing/2010/main" val="0"/>
+              </a:ext>
+            </a:extLst>
+          </a:blip>
+          <a:stretch>
+            <a:fillRect/>
+          </a:stretch>
+        </p:blipFill>
+        <p:spPr>
+          <a:xfrm>
+            <a:off x="1123666" y="3911176"/>
+            <a:ext cx="1910201" cy="2871055"/>
+          </a:xfrm>
+          <a:prstGeom prst="rect">
+            <a:avLst/>
+          </a:prstGeom>
+        </p:spPr>
+      </p:pic>
+      <p:pic>
+        <p:nvPicPr>
+          <p:cNvPr id="19" name="Picture 18" descr="A picture containing diagram&#10;&#10;Description automatically generated">
+            <a:extLst>
+              <a:ext uri="{FF2B5EF4-FFF2-40B4-BE49-F238E27FC236}">
+                <a16:creationId xmlns:a16="http://schemas.microsoft.com/office/drawing/2014/main" id="{4EF4B145-8DB1-4B9C-9145-32FA17AF1DF7}"/>
+              </a:ext>
+            </a:extLst>
+          </p:cNvPr>
+          <p:cNvPicPr>
+            <a:picLocks noChangeAspect="1"/>
+          </p:cNvPicPr>
+          <p:nvPr/>
+        </p:nvPicPr>
+        <p:blipFill>
+          <a:blip r:embed="rId9">
+            <a:extLst>
+              <a:ext uri="{28A0092B-C50C-407E-A947-70E740481C1C}">
+                <a14:useLocalDpi xmlns:a14="http://schemas.microsoft.com/office/drawing/2010/main" val="0"/>
+              </a:ext>
+            </a:extLst>
+          </a:blip>
+          <a:stretch>
+            <a:fillRect/>
+          </a:stretch>
+        </p:blipFill>
+        <p:spPr>
+          <a:xfrm>
+            <a:off x="7899409" y="3909213"/>
+            <a:ext cx="2000661" cy="2804786"/>
+          </a:xfrm>
+          <a:prstGeom prst="rect">
+            <a:avLst/>
+          </a:prstGeom>
+          <a:ln>
+            <a:solidFill>
+              <a:schemeClr val="bg1">
+                <a:lumMod val="75000"/>
+              </a:schemeClr>
+            </a:solidFill>
+          </a:ln>
+        </p:spPr>
+      </p:pic>
     </p:spTree>
     <p:extLst>
       <p:ext uri="{BB962C8B-B14F-4D97-AF65-F5344CB8AC3E}">
-        <p14:creationId xmlns:p14="http://schemas.microsoft.com/office/powerpoint/2010/main" val="2012288891"/>
+        <p14:creationId xmlns:p14="http://schemas.microsoft.com/office/powerpoint/2010/main" val="2711821218"/>
       </p:ext>
     </p:extLst>
   </p:cSld>
@@ -18344,8 +18424,8 @@
         </p:nvSpPr>
         <p:spPr>
           <a:xfrm>
-            <a:off x="235527" y="0"/>
-            <a:ext cx="8380753" cy="831273"/>
+            <a:off x="374073" y="0"/>
+            <a:ext cx="8242207" cy="699404"/>
           </a:xfrm>
         </p:spPr>
         <p:txBody>
@@ -18358,7 +18438,7 @@
                 <a:ea typeface="ＭＳ Ｐゴシック" pitchFamily="-106" charset="-128"/>
                 <a:cs typeface="ＭＳ Ｐゴシック" pitchFamily="-106" charset="-128"/>
               </a:rPr>
-              <a:t>Kind of Responsibilities</a:t>
+              <a:t>Responsibility</a:t>
             </a:r>
             <a:endParaRPr lang="de-DE" sz="3600" b="1" dirty="0">
               <a:ea typeface="ＭＳ Ｐゴシック" pitchFamily="-106" charset="-128"/>
@@ -18377,7 +18457,12 @@
             <p:ph idx="1"/>
           </p:nvPr>
         </p:nvSpPr>
-        <p:spPr/>
+        <p:spPr>
+          <a:xfrm>
+            <a:off x="478372" y="1462689"/>
+            <a:ext cx="11473384" cy="3246017"/>
+          </a:xfrm>
+        </p:spPr>
         <p:txBody>
           <a:bodyPr/>
           <a:lstStyle/>
@@ -18391,21 +18476,45 @@
               <a:buChar char="◼︎"/>
             </a:pPr>
             <a:r>
-              <a:rPr lang="en-US" sz="2400" b="1" dirty="0">
-                <a:solidFill>
-                  <a:schemeClr val="accent1"/>
-                </a:solidFill>
-                <a:ea typeface="ＭＳ Ｐゴシック" pitchFamily="-106" charset="-128"/>
-                <a:cs typeface="ＭＳ Ｐゴシック" pitchFamily="-106" charset="-128"/>
-              </a:rPr>
-              <a:t>Role responsibility</a:t>
-            </a:r>
-            <a:r>
               <a:rPr lang="en-US" sz="2400" dirty="0">
                 <a:ea typeface="ＭＳ Ｐゴシック" pitchFamily="-106" charset="-128"/>
                 <a:cs typeface="ＭＳ Ｐゴシック" pitchFamily="-106" charset="-128"/>
               </a:rPr>
-              <a:t>: The responsibility that is based on the role one has or plays in a certain situation.</a:t>
+              <a:t>In case of a </a:t>
+            </a:r>
+            <a:r>
+              <a:rPr lang="en-US" sz="2400" b="1" dirty="0">
+                <a:solidFill>
+                  <a:schemeClr val="accent1"/>
+                </a:solidFill>
+                <a:ea typeface="ＭＳ Ｐゴシック" pitchFamily="-106" charset="-128"/>
+                <a:cs typeface="ＭＳ Ｐゴシック" pitchFamily="-106" charset="-128"/>
+              </a:rPr>
+              <a:t>disaster</a:t>
+            </a:r>
+            <a:r>
+              <a:rPr lang="en-US" sz="2400" dirty="0">
+                <a:ea typeface="ＭＳ Ｐゴシック" pitchFamily="-106" charset="-128"/>
+                <a:cs typeface="ＭＳ Ｐゴシック" pitchFamily="-106" charset="-128"/>
+              </a:rPr>
+              <a:t> or </a:t>
+            </a:r>
+            <a:r>
+              <a:rPr lang="en-US" sz="2400" b="1" dirty="0">
+                <a:solidFill>
+                  <a:schemeClr val="accent1"/>
+                </a:solidFill>
+                <a:ea typeface="ＭＳ Ｐゴシック" pitchFamily="-106" charset="-128"/>
+                <a:cs typeface="ＭＳ Ｐゴシック" pitchFamily="-106" charset="-128"/>
+              </a:rPr>
+              <a:t>system failure </a:t>
+            </a:r>
+            <a:r>
+              <a:rPr lang="en-US" sz="2400" dirty="0">
+                <a:ea typeface="ＭＳ Ｐゴシック" pitchFamily="-106" charset="-128"/>
+                <a:cs typeface="ＭＳ Ｐゴシック" pitchFamily="-106" charset="-128"/>
+              </a:rPr>
+              <a:t>the question who is responsible naturally arises!</a:t>
             </a:r>
           </a:p>
           <a:p>
@@ -18425,14 +18534,14 @@
                 <a:ea typeface="ＭＳ Ｐゴシック" pitchFamily="-106" charset="-128"/>
                 <a:cs typeface="ＭＳ Ｐゴシック" pitchFamily="-106" charset="-128"/>
               </a:rPr>
-              <a:t>Moral responsibility</a:t>
+              <a:t>Active responsibility</a:t>
             </a:r>
             <a:r>
               <a:rPr lang="en-US" sz="2400" dirty="0">
                 <a:ea typeface="ＭＳ Ｐゴシック" pitchFamily="-106" charset="-128"/>
                 <a:cs typeface="ＭＳ Ｐゴシック" pitchFamily="-106" charset="-128"/>
               </a:rPr>
-              <a:t>: Responsibility that is based on moral obligations, moral norms or moral duties.</a:t>
+              <a:t>: before the event</a:t>
             </a:r>
           </a:p>
           <a:p>
@@ -18452,14 +18561,48 @@
                 <a:ea typeface="ＭＳ Ｐゴシック" pitchFamily="-106" charset="-128"/>
                 <a:cs typeface="ＭＳ Ｐゴシック" pitchFamily="-106" charset="-128"/>
               </a:rPr>
-              <a:t>Professional responsibility</a:t>
+              <a:t>Passive responsibility</a:t>
             </a:r>
             <a:r>
               <a:rPr lang="en-US" sz="2400" dirty="0">
                 <a:ea typeface="ＭＳ Ｐゴシック" pitchFamily="-106" charset="-128"/>
                 <a:cs typeface="ＭＳ Ｐゴシック" pitchFamily="-106" charset="-128"/>
               </a:rPr>
-              <a:t>: The responsibility that is based on one’s role as professional in as far it stays within the limits of what is morally allowed.</a:t>
+              <a:t>: after the event</a:t>
+            </a:r>
+          </a:p>
+          <a:p>
+            <a:pPr eaLnBrk="1" hangingPunct="1">
+              <a:buClr>
+                <a:schemeClr val="accent1"/>
+              </a:buClr>
+              <a:buSzPct val="80000"/>
+              <a:buFont typeface=".AppleSDGothicNeoI-Regular" charset="-127"/>
+              <a:buChar char="◼︎"/>
+            </a:pPr>
+            <a:r>
+              <a:rPr lang="en-US" sz="2400" dirty="0">
+                <a:ea typeface="ＭＳ Ｐゴシック" pitchFamily="-106" charset="-128"/>
+                <a:cs typeface="ＭＳ Ｐゴシック" pitchFamily="-106" charset="-128"/>
+              </a:rPr>
+              <a:t>Different roles result in different responsibilities (engineer vs. employee)</a:t>
+            </a:r>
+          </a:p>
+          <a:p>
+            <a:pPr eaLnBrk="1" hangingPunct="1">
+              <a:buClr>
+                <a:schemeClr val="accent1"/>
+              </a:buClr>
+              <a:buSzPct val="80000"/>
+              <a:buFont typeface=".AppleSDGothicNeoI-Regular" charset="-127"/>
+              <a:buChar char="◼︎"/>
+            </a:pPr>
+            <a:r>
+              <a:rPr lang="en-US" sz="2400" dirty="0">
+                <a:ea typeface="ＭＳ Ｐゴシック" pitchFamily="-106" charset="-128"/>
+                <a:cs typeface="ＭＳ Ｐゴシック" pitchFamily="-106" charset="-128"/>
+              </a:rPr>
+              <a:t>Responsibilities can result from contracts, code of conducts, or moral norms and moral duties</a:t>
             </a:r>
           </a:p>
           <a:p>
@@ -18508,7 +18651,7 @@
         </p:nvSpPr>
         <p:spPr>
           <a:xfrm>
-            <a:off x="9240092" y="3991178"/>
+            <a:off x="9356993" y="5508251"/>
             <a:ext cx="2835007" cy="369332"/>
           </a:xfrm>
           <a:prstGeom prst="rect">
@@ -18523,7 +18666,7 @@
           <a:lstStyle/>
           <a:p>
             <a:r>
-              <a:rPr lang="en-GB">
+              <a:rPr lang="en-GB" dirty="0">
                 <a:latin typeface="Arial" pitchFamily="-112" charset="0"/>
                 <a:ea typeface="ＭＳ Ｐゴシック" pitchFamily="-112" charset="-128"/>
                 <a:cs typeface="ＭＳ Ｐゴシック" pitchFamily="-112" charset="-128"/>
@@ -18534,10 +18677,69 @@
           </a:p>
         </p:txBody>
       </p:sp>
+      <p:sp>
+        <p:nvSpPr>
+          <p:cNvPr id="8" name="TextBox 7">
+            <a:extLst>
+              <a:ext uri="{FF2B5EF4-FFF2-40B4-BE49-F238E27FC236}">
+                <a16:creationId xmlns:a16="http://schemas.microsoft.com/office/drawing/2014/main" id="{1C2B6BF8-89B3-4930-A20C-C4A12D98FF58}"/>
+              </a:ext>
+            </a:extLst>
+          </p:cNvPr>
+          <p:cNvSpPr txBox="1"/>
+          <p:nvPr/>
+        </p:nvSpPr>
+        <p:spPr bwMode="gray">
+          <a:xfrm>
+            <a:off x="0" y="6478701"/>
+            <a:ext cx="11611840" cy="276999"/>
+          </a:xfrm>
+          <a:prstGeom prst="rect">
+            <a:avLst/>
+          </a:prstGeom>
+          <a:noFill/>
+        </p:spPr>
+        <p:txBody>
+          <a:bodyPr wrap="square">
+            <a:spAutoFit/>
+          </a:bodyPr>
+          <a:lstStyle/>
+          <a:p>
+            <a:r>
+              <a:rPr lang="en-GB" sz="1200" dirty="0">
+                <a:latin typeface="Arial" pitchFamily="-112" charset="0"/>
+                <a:ea typeface="ＭＳ Ｐゴシック" pitchFamily="-112" charset="-128"/>
+                <a:cs typeface="ＭＳ Ｐゴシック" pitchFamily="-112" charset="-128"/>
+              </a:rPr>
+              <a:t>[dePoel&amp;Royakkers2011] </a:t>
+            </a:r>
+            <a:r>
+              <a:rPr lang="en-US" sz="1200" dirty="0"/>
+              <a:t>Van de Poel, I., &amp; </a:t>
+            </a:r>
+            <a:r>
+              <a:rPr lang="en-US" sz="1200" dirty="0" err="1"/>
+              <a:t>Royakkers</a:t>
+            </a:r>
+            <a:r>
+              <a:rPr lang="en-US" sz="1200" dirty="0"/>
+              <a:t>, L. (2011). </a:t>
+            </a:r>
+            <a:r>
+              <a:rPr lang="en-US" sz="1200" i="1" dirty="0"/>
+              <a:t>Ethics, technology, and engineering: An introduction</a:t>
+            </a:r>
+            <a:r>
+              <a:rPr lang="en-US" sz="1200" dirty="0"/>
+              <a:t>. John Wiley &amp; Sons.</a:t>
+            </a:r>
+          </a:p>
+        </p:txBody>
+      </p:sp>
     </p:spTree>
     <p:extLst>
       <p:ext uri="{BB962C8B-B14F-4D97-AF65-F5344CB8AC3E}">
-        <p14:creationId xmlns:p14="http://schemas.microsoft.com/office/powerpoint/2010/main" val="1477990324"/>
+        <p14:creationId xmlns:p14="http://schemas.microsoft.com/office/powerpoint/2010/main" val="2012288891"/>
       </p:ext>
     </p:extLst>
   </p:cSld>
@@ -18576,8 +18778,8 @@
         </p:nvSpPr>
         <p:spPr>
           <a:xfrm>
-            <a:off x="367145" y="0"/>
-            <a:ext cx="8249135" cy="1136650"/>
+            <a:off x="235527" y="0"/>
+            <a:ext cx="8380753" cy="831273"/>
           </a:xfrm>
         </p:spPr>
         <p:txBody>
@@ -18590,7 +18792,7 @@
                 <a:ea typeface="ＭＳ Ｐゴシック" pitchFamily="-106" charset="-128"/>
                 <a:cs typeface="ＭＳ Ｐゴシック" pitchFamily="-106" charset="-128"/>
               </a:rPr>
-              <a:t>Distribution of Responsibility</a:t>
+              <a:t>Kind of Responsibilities</a:t>
             </a:r>
             <a:endParaRPr lang="de-DE" sz="3600" b="1" dirty="0">
               <a:ea typeface="ＭＳ Ｐゴシック" pitchFamily="-106" charset="-128"/>
@@ -18609,16 +18811,9 @@
             <p:ph idx="1"/>
           </p:nvPr>
         </p:nvSpPr>
-        <p:spPr>
-          <a:xfrm>
-            <a:off x="247863" y="1091415"/>
-            <a:ext cx="9940713" cy="4823817"/>
-          </a:xfrm>
-        </p:spPr>
-        <p:txBody>
-          <a:bodyPr>
-            <a:normAutofit/>
-          </a:bodyPr>
+        <p:spPr/>
+        <p:txBody>
+          <a:bodyPr/>
           <a:lstStyle/>
           <a:p>
             <a:pPr eaLnBrk="1" hangingPunct="1">
@@ -18630,21 +18825,21 @@
               <a:buChar char="◼︎"/>
             </a:pPr>
             <a:r>
-              <a:rPr lang="en-US" b="1" dirty="0">
+              <a:rPr lang="en-US" sz="2400" b="1" dirty="0">
                 <a:solidFill>
                   <a:schemeClr val="accent1"/>
                 </a:solidFill>
                 <a:ea typeface="ＭＳ Ｐゴシック" pitchFamily="-106" charset="-128"/>
                 <a:cs typeface="ＭＳ Ｐゴシック" pitchFamily="-106" charset="-128"/>
               </a:rPr>
-              <a:t>Collective Responsibility</a:t>
-            </a:r>
-            <a:r>
-              <a:rPr lang="en-US" dirty="0">
+              <a:t>Role responsibility</a:t>
+            </a:r>
+            <a:r>
+              <a:rPr lang="en-US" sz="2400" dirty="0">
                 <a:ea typeface="ＭＳ Ｐゴシック" pitchFamily="-106" charset="-128"/>
                 <a:cs typeface="ＭＳ Ｐゴシック" pitchFamily="-106" charset="-128"/>
               </a:rPr>
-              <a:t>: The responsibility of a collective of people.</a:t>
+              <a:t>: The responsibility that is based on the role one has or plays in a certain situation.</a:t>
             </a:r>
           </a:p>
           <a:p>
@@ -18657,21 +18852,21 @@
               <a:buChar char="◼︎"/>
             </a:pPr>
             <a:r>
-              <a:rPr lang="en-US" b="1" dirty="0">
+              <a:rPr lang="en-US" sz="2400" b="1" dirty="0">
                 <a:solidFill>
                   <a:schemeClr val="accent1"/>
                 </a:solidFill>
                 <a:ea typeface="ＭＳ Ｐゴシック" pitchFamily="-106" charset="-128"/>
                 <a:cs typeface="ＭＳ Ｐゴシック" pitchFamily="-106" charset="-128"/>
               </a:rPr>
-              <a:t>Problem of many hands</a:t>
-            </a:r>
-            <a:r>
-              <a:rPr lang="en-US" dirty="0">
+              <a:t>Moral responsibility</a:t>
+            </a:r>
+            <a:r>
+              <a:rPr lang="en-US" sz="2400" dirty="0">
                 <a:ea typeface="ＭＳ Ｐゴシック" pitchFamily="-106" charset="-128"/>
                 <a:cs typeface="ＭＳ Ｐゴシック" pitchFamily="-106" charset="-128"/>
               </a:rPr>
-              <a:t>: The occurrence of the situation in which the collective can reasonably be held morally responsible for an outcome, while none of the individuals can be held responsible for that outcome.</a:t>
+              <a:t>: Responsibility that is based on moral obligations, moral norms or moral duties.</a:t>
             </a:r>
           </a:p>
           <a:p>
@@ -18684,70 +18879,29 @@
               <a:buChar char="◼︎"/>
             </a:pPr>
             <a:r>
-              <a:rPr lang="en-US" b="1" dirty="0">
+              <a:rPr lang="en-US" sz="2400" b="1" dirty="0">
                 <a:solidFill>
                   <a:schemeClr val="accent1"/>
                 </a:solidFill>
                 <a:ea typeface="ＭＳ Ｐゴシック" pitchFamily="-106" charset="-128"/>
                 <a:cs typeface="ＭＳ Ｐゴシック" pitchFamily="-106" charset="-128"/>
               </a:rPr>
-              <a:t>Distribution of Responsibility</a:t>
-            </a:r>
-            <a:r>
-              <a:rPr lang="en-US" dirty="0">
+              <a:t>Professional responsibility</a:t>
+            </a:r>
+            <a:r>
+              <a:rPr lang="en-US" sz="2400" dirty="0">
                 <a:ea typeface="ＭＳ Ｐゴシック" pitchFamily="-106" charset="-128"/>
                 <a:cs typeface="ＭＳ Ｐゴシック" pitchFamily="-106" charset="-128"/>
               </a:rPr>
-              <a:t>: The ascription or apportioning of (individual) responsibilities to various actors.</a:t>
-            </a:r>
-          </a:p>
-          <a:p>
-            <a:pPr lvl="1" eaLnBrk="1" hangingPunct="1">
-              <a:buSzPct val="80000"/>
-              <a:buFont typeface=".AppleSDGothicNeoI-Regular" charset="-127"/>
-              <a:buChar char="◼︎"/>
-            </a:pPr>
-            <a:r>
-              <a:rPr lang="en-US" b="1" dirty="0">
-                <a:solidFill>
-                  <a:schemeClr val="accent1"/>
-                </a:solidFill>
-                <a:ea typeface="ＭＳ Ｐゴシック" pitchFamily="-106" charset="-128"/>
-                <a:cs typeface="ＭＳ Ｐゴシック" pitchFamily="-106" charset="-128"/>
-              </a:rPr>
-              <a:t>Moral Fairness Requirement</a:t>
-            </a:r>
-            <a:r>
-              <a:rPr lang="en-US" dirty="0">
-                <a:ea typeface="ＭＳ Ｐゴシック" pitchFamily="-106" charset="-128"/>
-                <a:cs typeface="ＭＳ Ｐゴシック" pitchFamily="-106" charset="-128"/>
-              </a:rPr>
-              <a:t>: The requirement that a distribution of responsibility should be fair (see Blameworthiness).</a:t>
-            </a:r>
-          </a:p>
-          <a:p>
-            <a:pPr lvl="1" eaLnBrk="1" hangingPunct="1">
-              <a:buSzPct val="80000"/>
-              <a:buFont typeface=".AppleSDGothicNeoI-Regular" charset="-127"/>
-              <a:buChar char="◼︎"/>
-            </a:pPr>
-            <a:r>
-              <a:rPr lang="en-US" b="1" dirty="0">
-                <a:solidFill>
-                  <a:schemeClr val="accent1"/>
-                </a:solidFill>
-                <a:ea typeface="ＭＳ Ｐゴシック" pitchFamily="-106" charset="-128"/>
-                <a:cs typeface="ＭＳ Ｐゴシック" pitchFamily="-106" charset="-128"/>
-              </a:rPr>
-              <a:t>Effectiveness Requirement</a:t>
-            </a:r>
-            <a:r>
-              <a:rPr lang="en-US" dirty="0">
-                <a:ea typeface="ＭＳ Ｐゴシック" pitchFamily="-106" charset="-128"/>
-                <a:cs typeface="ＭＳ Ｐゴシック" pitchFamily="-106" charset="-128"/>
-              </a:rPr>
-              <a:t>: The moral requirement that states that responsibility should be so distributed that the best consequences, that is, is effective in preventing harm (and in achieving positive consequences).</a:t>
-            </a:r>
+              <a:t>: The responsibility that is based on one’s role as professional in as far it stays within the limits of what is morally allowed.</a:t>
+            </a:r>
+          </a:p>
+          <a:p>
+            <a:pPr marL="0" indent="0"/>
+            <a:endParaRPr lang="de-DE" dirty="0">
+              <a:ea typeface="ＭＳ Ｐゴシック" pitchFamily="-106" charset="-128"/>
+              <a:cs typeface="ＭＳ Ｐゴシック" pitchFamily="-106" charset="-128"/>
+            </a:endParaRPr>
           </a:p>
         </p:txBody>
       </p:sp>
@@ -18788,7 +18942,7 @@
         </p:nvSpPr>
         <p:spPr>
           <a:xfrm>
-            <a:off x="9356993" y="5397253"/>
+            <a:off x="9240092" y="3991178"/>
             <a:ext cx="2835007" cy="369332"/>
           </a:xfrm>
           <a:prstGeom prst="rect">
@@ -18803,7 +18957,7 @@
           <a:lstStyle/>
           <a:p>
             <a:r>
-              <a:rPr lang="en-GB" dirty="0">
+              <a:rPr lang="en-GB">
                 <a:latin typeface="Arial" pitchFamily="-112" charset="0"/>
                 <a:ea typeface="ＭＳ Ｐゴシック" pitchFamily="-112" charset="-128"/>
                 <a:cs typeface="ＭＳ Ｐゴシック" pitchFamily="-112" charset="-128"/>
@@ -18817,7 +18971,7 @@
     </p:spTree>
     <p:extLst>
       <p:ext uri="{BB962C8B-B14F-4D97-AF65-F5344CB8AC3E}">
-        <p14:creationId xmlns:p14="http://schemas.microsoft.com/office/powerpoint/2010/main" val="1782976086"/>
+        <p14:creationId xmlns:p14="http://schemas.microsoft.com/office/powerpoint/2010/main" val="1477990324"/>
       </p:ext>
     </p:extLst>
   </p:cSld>
@@ -18856,8 +19010,8 @@
         </p:nvSpPr>
         <p:spPr>
           <a:xfrm>
-            <a:off x="263236" y="0"/>
-            <a:ext cx="8353044" cy="782782"/>
+            <a:off x="367145" y="0"/>
+            <a:ext cx="8249135" cy="1136650"/>
           </a:xfrm>
         </p:spPr>
         <p:txBody>
@@ -18870,7 +19024,7 @@
                 <a:ea typeface="ＭＳ Ｐゴシック" pitchFamily="-106" charset="-128"/>
                 <a:cs typeface="ＭＳ Ｐゴシック" pitchFamily="-106" charset="-128"/>
               </a:rPr>
-              <a:t>Passive Responsibility</a:t>
+              <a:t>Distribution of Responsibility</a:t>
             </a:r>
             <a:endParaRPr lang="de-DE" sz="3600" b="1" dirty="0">
               <a:ea typeface="ＭＳ Ｐゴシック" pitchFamily="-106" charset="-128"/>
@@ -18891,30 +19045,15 @@
         </p:nvSpPr>
         <p:spPr>
           <a:xfrm>
-            <a:off x="408157" y="918027"/>
-            <a:ext cx="10495370" cy="4823817"/>
+            <a:off x="247863" y="1091415"/>
+            <a:ext cx="9940713" cy="4823817"/>
           </a:xfrm>
         </p:spPr>
         <p:txBody>
           <a:bodyPr>
-            <a:normAutofit fontScale="92500"/>
+            <a:normAutofit/>
           </a:bodyPr>
           <a:lstStyle/>
-          <a:p>
-            <a:pPr marL="0" indent="0">
-              <a:buClr>
-                <a:schemeClr val="accent1"/>
-              </a:buClr>
-              <a:buSzPct val="80000"/>
-            </a:pPr>
-            <a:r>
-              <a:rPr lang="en-US" dirty="0">
-                <a:ea typeface="ＭＳ Ｐゴシック" pitchFamily="-106" charset="-128"/>
-                <a:cs typeface="ＭＳ Ｐゴシック" pitchFamily="-106" charset="-128"/>
-              </a:rPr>
-              <a:t>Backward-looking responsibility, relevant after something occurred; specific forms are:</a:t>
-            </a:r>
-          </a:p>
           <a:p>
             <a:pPr eaLnBrk="1" hangingPunct="1">
               <a:buClr>
@@ -18932,14 +19071,14 @@
                 <a:ea typeface="ＭＳ Ｐゴシック" pitchFamily="-106" charset="-128"/>
                 <a:cs typeface="ＭＳ Ｐゴシック" pitchFamily="-106" charset="-128"/>
               </a:rPr>
-              <a:t>Accountability</a:t>
+              <a:t>Collective Responsibility</a:t>
             </a:r>
             <a:r>
               <a:rPr lang="en-US" dirty="0">
                 <a:ea typeface="ＭＳ Ｐゴシック" pitchFamily="-106" charset="-128"/>
                 <a:cs typeface="ＭＳ Ｐゴシック" pitchFamily="-106" charset="-128"/>
               </a:rPr>
-              <a:t>: Backward-looking responsibility in the sense of being held to account for or justify one’s action towards others.</a:t>
+              <a:t>: The responsibility of a collective of people.</a:t>
             </a:r>
           </a:p>
           <a:p>
@@ -18959,70 +19098,14 @@
                 <a:ea typeface="ＭＳ Ｐゴシック" pitchFamily="-106" charset="-128"/>
                 <a:cs typeface="ＭＳ Ｐゴシック" pitchFamily="-106" charset="-128"/>
               </a:rPr>
-              <a:t>Blameworthiness</a:t>
+              <a:t>Problem of many hands</a:t>
             </a:r>
             <a:r>
               <a:rPr lang="en-US" dirty="0">
                 <a:ea typeface="ＭＳ Ｐゴシック" pitchFamily="-106" charset="-128"/>
                 <a:cs typeface="ＭＳ Ｐゴシック" pitchFamily="-106" charset="-128"/>
               </a:rPr>
-              <a:t>: Backward-looking responsibility in the sense of being a proper target for blame for one’s action or its consequences. The following conditions need to apply:</a:t>
-            </a:r>
-          </a:p>
-          <a:p>
-            <a:pPr lvl="2">
-              <a:buSzPct val="80000"/>
-              <a:buFont typeface=".AppleSDGothicNeoI-Regular" charset="-127"/>
-              <a:buChar char="◼︎"/>
-            </a:pPr>
-            <a:r>
-              <a:rPr lang="en-US" dirty="0">
-                <a:ea typeface="ＭＳ Ｐゴシック" pitchFamily="-106" charset="-128"/>
-                <a:cs typeface="ＭＳ Ｐゴシック" pitchFamily="-106" charset="-128"/>
-              </a:rPr>
-              <a:t>wrong-doing</a:t>
-            </a:r>
-          </a:p>
-          <a:p>
-            <a:pPr lvl="2">
-              <a:buSzPct val="80000"/>
-              <a:buFont typeface=".AppleSDGothicNeoI-Regular" charset="-127"/>
-              <a:buChar char="◼︎"/>
-            </a:pPr>
-            <a:r>
-              <a:rPr lang="en-US" dirty="0">
-                <a:ea typeface="ＭＳ Ｐゴシック" pitchFamily="-106" charset="-128"/>
-                <a:cs typeface="ＭＳ Ｐゴシック" pitchFamily="-106" charset="-128"/>
-              </a:rPr>
-              <a:t>causal contribution</a:t>
-            </a:r>
-          </a:p>
-          <a:p>
-            <a:pPr lvl="2">
-              <a:buSzPct val="80000"/>
-              <a:buFont typeface=".AppleSDGothicNeoI-Regular" charset="-127"/>
-              <a:buChar char="◼︎"/>
-            </a:pPr>
-            <a:r>
-              <a:rPr lang="en-US" dirty="0">
-                <a:ea typeface="ＭＳ Ｐゴシック" pitchFamily="-106" charset="-128"/>
-                <a:cs typeface="ＭＳ Ｐゴシック" pitchFamily="-106" charset="-128"/>
-              </a:rPr>
-              <a:t>foreseeability, and </a:t>
-            </a:r>
-          </a:p>
-          <a:p>
-            <a:pPr lvl="2">
-              <a:buSzPct val="80000"/>
-              <a:buFont typeface=".AppleSDGothicNeoI-Regular" charset="-127"/>
-              <a:buChar char="◼︎"/>
-            </a:pPr>
-            <a:r>
-              <a:rPr lang="en-US" dirty="0">
-                <a:ea typeface="ＭＳ Ｐゴシック" pitchFamily="-106" charset="-128"/>
-                <a:cs typeface="ＭＳ Ｐゴシック" pitchFamily="-106" charset="-128"/>
-              </a:rPr>
-              <a:t>Freedom of action.</a:t>
+              <a:t>: The occurrence of the situation in which the collective can reasonably be held morally responsible for an outcome, while none of the individuals can be held responsible for that outcome.</a:t>
             </a:r>
           </a:p>
           <a:p>
@@ -19042,36 +19125,63 @@
                 <a:ea typeface="ＭＳ Ｐゴシック" pitchFamily="-106" charset="-128"/>
                 <a:cs typeface="ＭＳ Ｐゴシック" pitchFamily="-106" charset="-128"/>
               </a:rPr>
-              <a:t>Liability / Legal Responsibility</a:t>
+              <a:t>Distribution of Responsibility</a:t>
             </a:r>
             <a:r>
               <a:rPr lang="en-US" dirty="0">
                 <a:ea typeface="ＭＳ Ｐゴシック" pitchFamily="-106" charset="-128"/>
                 <a:cs typeface="ＭＳ Ｐゴシック" pitchFamily="-106" charset="-128"/>
               </a:rPr>
-              <a:t>: Backward-looking responsibility according to the law.</a:t>
-            </a:r>
-          </a:p>
-          <a:p>
-            <a:pPr eaLnBrk="1" hangingPunct="1">
-              <a:buClr>
-                <a:schemeClr val="accent1"/>
-              </a:buClr>
+              <a:t>: The ascription or apportioning of (individual) responsibilities to various actors.</a:t>
+            </a:r>
+          </a:p>
+          <a:p>
+            <a:pPr lvl="1" eaLnBrk="1" hangingPunct="1">
               <a:buSzPct val="80000"/>
               <a:buFont typeface=".AppleSDGothicNeoI-Regular" charset="-127"/>
               <a:buChar char="◼︎"/>
             </a:pPr>
-            <a:endParaRPr lang="en-US" dirty="0">
-              <a:ea typeface="ＭＳ Ｐゴシック" pitchFamily="-106" charset="-128"/>
-              <a:cs typeface="ＭＳ Ｐゴシック" pitchFamily="-106" charset="-128"/>
-            </a:endParaRPr>
-          </a:p>
-          <a:p>
-            <a:pPr marL="0" indent="0"/>
-            <a:endParaRPr lang="de-DE" dirty="0">
-              <a:ea typeface="ＭＳ Ｐゴシック" pitchFamily="-106" charset="-128"/>
-              <a:cs typeface="ＭＳ Ｐゴシック" pitchFamily="-106" charset="-128"/>
-            </a:endParaRPr>
+            <a:r>
+              <a:rPr lang="en-US" b="1" dirty="0">
+                <a:solidFill>
+                  <a:schemeClr val="accent1"/>
+                </a:solidFill>
+                <a:ea typeface="ＭＳ Ｐゴシック" pitchFamily="-106" charset="-128"/>
+                <a:cs typeface="ＭＳ Ｐゴシック" pitchFamily="-106" charset="-128"/>
+              </a:rPr>
+              <a:t>Moral Fairness Requirement</a:t>
+            </a:r>
+            <a:r>
+              <a:rPr lang="en-US" dirty="0">
+                <a:ea typeface="ＭＳ Ｐゴシック" pitchFamily="-106" charset="-128"/>
+                <a:cs typeface="ＭＳ Ｐゴシック" pitchFamily="-106" charset="-128"/>
+              </a:rPr>
+              <a:t>: The requirement that a distribution of responsibility should be fair (see Blameworthiness).</a:t>
+            </a:r>
+          </a:p>
+          <a:p>
+            <a:pPr lvl="1" eaLnBrk="1" hangingPunct="1">
+              <a:buSzPct val="80000"/>
+              <a:buFont typeface=".AppleSDGothicNeoI-Regular" charset="-127"/>
+              <a:buChar char="◼︎"/>
+            </a:pPr>
+            <a:r>
+              <a:rPr lang="en-US" b="1" dirty="0">
+                <a:solidFill>
+                  <a:schemeClr val="accent1"/>
+                </a:solidFill>
+                <a:ea typeface="ＭＳ Ｐゴシック" pitchFamily="-106" charset="-128"/>
+                <a:cs typeface="ＭＳ Ｐゴシック" pitchFamily="-106" charset="-128"/>
+              </a:rPr>
+              <a:t>Effectiveness Requirement</a:t>
+            </a:r>
+            <a:r>
+              <a:rPr lang="en-US" dirty="0">
+                <a:ea typeface="ＭＳ Ｐゴシック" pitchFamily="-106" charset="-128"/>
+                <a:cs typeface="ＭＳ Ｐゴシック" pitchFamily="-106" charset="-128"/>
+              </a:rPr>
+              <a:t>: The moral requirement that states that responsibility should be so distributed that the best consequences, that is, is effective in preventing harm (and in achieving positive consequences).</a:t>
+            </a:r>
           </a:p>
         </p:txBody>
       </p:sp>
@@ -19112,7 +19222,7 @@
         </p:nvSpPr>
         <p:spPr>
           <a:xfrm>
-            <a:off x="9253946" y="5660651"/>
+            <a:off x="9356993" y="5397253"/>
             <a:ext cx="2835007" cy="369332"/>
           </a:xfrm>
           <a:prstGeom prst="rect">
@@ -19141,7 +19251,7 @@
     </p:spTree>
     <p:extLst>
       <p:ext uri="{BB962C8B-B14F-4D97-AF65-F5344CB8AC3E}">
-        <p14:creationId xmlns:p14="http://schemas.microsoft.com/office/powerpoint/2010/main" val="1396273850"/>
+        <p14:creationId xmlns:p14="http://schemas.microsoft.com/office/powerpoint/2010/main" val="1782976086"/>
       </p:ext>
     </p:extLst>
   </p:cSld>
@@ -19180,8 +19290,8 @@
         </p:nvSpPr>
         <p:spPr>
           <a:xfrm>
-            <a:off x="297873" y="0"/>
-            <a:ext cx="9795163" cy="699404"/>
+            <a:off x="263236" y="0"/>
+            <a:ext cx="8353044" cy="782782"/>
           </a:xfrm>
         </p:spPr>
         <p:txBody>
@@ -19194,9 +19304,205 @@
                 <a:ea typeface="ＭＳ Ｐゴシック" pitchFamily="-106" charset="-128"/>
                 <a:cs typeface="ＭＳ Ｐゴシック" pitchFamily="-106" charset="-128"/>
               </a:rPr>
-              <a:t>Moral Responsibility vs. Liability </a:t>
+              <a:t>Passive Responsibility</a:t>
             </a:r>
             <a:endParaRPr lang="de-DE" sz="3600" b="1" dirty="0">
+              <a:ea typeface="ＭＳ Ｐゴシック" pitchFamily="-106" charset="-128"/>
+              <a:cs typeface="ＭＳ Ｐゴシック" pitchFamily="-106" charset="-128"/>
+            </a:endParaRPr>
+          </a:p>
+        </p:txBody>
+      </p:sp>
+      <p:sp>
+        <p:nvSpPr>
+          <p:cNvPr id="32773" name="Rectangle 3"/>
+          <p:cNvSpPr>
+            <a:spLocks noGrp="1" noChangeArrowheads="1"/>
+          </p:cNvSpPr>
+          <p:nvPr>
+            <p:ph idx="1"/>
+          </p:nvPr>
+        </p:nvSpPr>
+        <p:spPr>
+          <a:xfrm>
+            <a:off x="408157" y="918027"/>
+            <a:ext cx="10495370" cy="4823817"/>
+          </a:xfrm>
+        </p:spPr>
+        <p:txBody>
+          <a:bodyPr>
+            <a:normAutofit fontScale="92500"/>
+          </a:bodyPr>
+          <a:lstStyle/>
+          <a:p>
+            <a:pPr marL="0" indent="0">
+              <a:buClr>
+                <a:schemeClr val="accent1"/>
+              </a:buClr>
+              <a:buSzPct val="80000"/>
+            </a:pPr>
+            <a:r>
+              <a:rPr lang="en-US" dirty="0">
+                <a:ea typeface="ＭＳ Ｐゴシック" pitchFamily="-106" charset="-128"/>
+                <a:cs typeface="ＭＳ Ｐゴシック" pitchFamily="-106" charset="-128"/>
+              </a:rPr>
+              <a:t>Backward-looking responsibility, relevant after something occurred; specific forms are:</a:t>
+            </a:r>
+          </a:p>
+          <a:p>
+            <a:pPr eaLnBrk="1" hangingPunct="1">
+              <a:buClr>
+                <a:schemeClr val="accent1"/>
+              </a:buClr>
+              <a:buSzPct val="80000"/>
+              <a:buFont typeface=".AppleSDGothicNeoI-Regular" charset="-127"/>
+              <a:buChar char="◼︎"/>
+            </a:pPr>
+            <a:r>
+              <a:rPr lang="en-US" b="1" dirty="0">
+                <a:solidFill>
+                  <a:schemeClr val="accent1"/>
+                </a:solidFill>
+                <a:ea typeface="ＭＳ Ｐゴシック" pitchFamily="-106" charset="-128"/>
+                <a:cs typeface="ＭＳ Ｐゴシック" pitchFamily="-106" charset="-128"/>
+              </a:rPr>
+              <a:t>Accountability</a:t>
+            </a:r>
+            <a:r>
+              <a:rPr lang="en-US" dirty="0">
+                <a:ea typeface="ＭＳ Ｐゴシック" pitchFamily="-106" charset="-128"/>
+                <a:cs typeface="ＭＳ Ｐゴシック" pitchFamily="-106" charset="-128"/>
+              </a:rPr>
+              <a:t>: Backward-looking responsibility in the sense of being held to account for or justify one’s action towards others.</a:t>
+            </a:r>
+          </a:p>
+          <a:p>
+            <a:pPr eaLnBrk="1" hangingPunct="1">
+              <a:buClr>
+                <a:schemeClr val="accent1"/>
+              </a:buClr>
+              <a:buSzPct val="80000"/>
+              <a:buFont typeface=".AppleSDGothicNeoI-Regular" charset="-127"/>
+              <a:buChar char="◼︎"/>
+            </a:pPr>
+            <a:r>
+              <a:rPr lang="en-US" b="1" dirty="0">
+                <a:solidFill>
+                  <a:schemeClr val="accent1"/>
+                </a:solidFill>
+                <a:ea typeface="ＭＳ Ｐゴシック" pitchFamily="-106" charset="-128"/>
+                <a:cs typeface="ＭＳ Ｐゴシック" pitchFamily="-106" charset="-128"/>
+              </a:rPr>
+              <a:t>Blameworthiness</a:t>
+            </a:r>
+            <a:r>
+              <a:rPr lang="en-US" dirty="0">
+                <a:ea typeface="ＭＳ Ｐゴシック" pitchFamily="-106" charset="-128"/>
+                <a:cs typeface="ＭＳ Ｐゴシック" pitchFamily="-106" charset="-128"/>
+              </a:rPr>
+              <a:t>: Backward-looking responsibility in the sense of being a proper target for blame for one’s action or its consequences. The following conditions need to apply:</a:t>
+            </a:r>
+          </a:p>
+          <a:p>
+            <a:pPr lvl="2">
+              <a:buSzPct val="80000"/>
+              <a:buFont typeface=".AppleSDGothicNeoI-Regular" charset="-127"/>
+              <a:buChar char="◼︎"/>
+            </a:pPr>
+            <a:r>
+              <a:rPr lang="en-US" dirty="0">
+                <a:ea typeface="ＭＳ Ｐゴシック" pitchFamily="-106" charset="-128"/>
+                <a:cs typeface="ＭＳ Ｐゴシック" pitchFamily="-106" charset="-128"/>
+              </a:rPr>
+              <a:t>wrong-doing</a:t>
+            </a:r>
+          </a:p>
+          <a:p>
+            <a:pPr lvl="2">
+              <a:buSzPct val="80000"/>
+              <a:buFont typeface=".AppleSDGothicNeoI-Regular" charset="-127"/>
+              <a:buChar char="◼︎"/>
+            </a:pPr>
+            <a:r>
+              <a:rPr lang="en-US" dirty="0">
+                <a:ea typeface="ＭＳ Ｐゴシック" pitchFamily="-106" charset="-128"/>
+                <a:cs typeface="ＭＳ Ｐゴシック" pitchFamily="-106" charset="-128"/>
+              </a:rPr>
+              <a:t>causal contribution</a:t>
+            </a:r>
+          </a:p>
+          <a:p>
+            <a:pPr lvl="2">
+              <a:buSzPct val="80000"/>
+              <a:buFont typeface=".AppleSDGothicNeoI-Regular" charset="-127"/>
+              <a:buChar char="◼︎"/>
+            </a:pPr>
+            <a:r>
+              <a:rPr lang="en-US" dirty="0">
+                <a:ea typeface="ＭＳ Ｐゴシック" pitchFamily="-106" charset="-128"/>
+                <a:cs typeface="ＭＳ Ｐゴシック" pitchFamily="-106" charset="-128"/>
+              </a:rPr>
+              <a:t>foreseeability, and </a:t>
+            </a:r>
+          </a:p>
+          <a:p>
+            <a:pPr lvl="2">
+              <a:buSzPct val="80000"/>
+              <a:buFont typeface=".AppleSDGothicNeoI-Regular" charset="-127"/>
+              <a:buChar char="◼︎"/>
+            </a:pPr>
+            <a:r>
+              <a:rPr lang="en-US" dirty="0">
+                <a:ea typeface="ＭＳ Ｐゴシック" pitchFamily="-106" charset="-128"/>
+                <a:cs typeface="ＭＳ Ｐゴシック" pitchFamily="-106" charset="-128"/>
+              </a:rPr>
+              <a:t>Freedom of action.</a:t>
+            </a:r>
+          </a:p>
+          <a:p>
+            <a:pPr eaLnBrk="1" hangingPunct="1">
+              <a:buClr>
+                <a:schemeClr val="accent1"/>
+              </a:buClr>
+              <a:buSzPct val="80000"/>
+              <a:buFont typeface=".AppleSDGothicNeoI-Regular" charset="-127"/>
+              <a:buChar char="◼︎"/>
+            </a:pPr>
+            <a:r>
+              <a:rPr lang="en-US" b="1" dirty="0">
+                <a:solidFill>
+                  <a:schemeClr val="accent1"/>
+                </a:solidFill>
+                <a:ea typeface="ＭＳ Ｐゴシック" pitchFamily="-106" charset="-128"/>
+                <a:cs typeface="ＭＳ Ｐゴシック" pitchFamily="-106" charset="-128"/>
+              </a:rPr>
+              <a:t>Liability / Legal Responsibility</a:t>
+            </a:r>
+            <a:r>
+              <a:rPr lang="en-US" dirty="0">
+                <a:ea typeface="ＭＳ Ｐゴシック" pitchFamily="-106" charset="-128"/>
+                <a:cs typeface="ＭＳ Ｐゴシック" pitchFamily="-106" charset="-128"/>
+              </a:rPr>
+              <a:t>: Backward-looking responsibility according to the law.</a:t>
+            </a:r>
+          </a:p>
+          <a:p>
+            <a:pPr eaLnBrk="1" hangingPunct="1">
+              <a:buClr>
+                <a:schemeClr val="accent1"/>
+              </a:buClr>
+              <a:buSzPct val="80000"/>
+              <a:buFont typeface=".AppleSDGothicNeoI-Regular" charset="-127"/>
+              <a:buChar char="◼︎"/>
+            </a:pPr>
+            <a:endParaRPr lang="en-US" dirty="0">
+              <a:ea typeface="ＭＳ Ｐゴシック" pitchFamily="-106" charset="-128"/>
+              <a:cs typeface="ＭＳ Ｐゴシック" pitchFamily="-106" charset="-128"/>
+            </a:endParaRPr>
+          </a:p>
+          <a:p>
+            <a:pPr marL="0" indent="0"/>
+            <a:endParaRPr lang="de-DE" dirty="0">
               <a:ea typeface="ＭＳ Ｐゴシック" pitchFamily="-106" charset="-128"/>
               <a:cs typeface="ＭＳ Ｐゴシック" pitchFamily="-106" charset="-128"/>
             </a:endParaRPr>
@@ -19227,6 +19533,134 @@
                 <a:defRPr/>
               </a:pPr>
               <a:t>7</a:t>
+            </a:fld>
+            <a:endParaRPr lang="de-DE"/>
+          </a:p>
+        </p:txBody>
+      </p:sp>
+      <p:sp>
+        <p:nvSpPr>
+          <p:cNvPr id="2" name="TextBox 1"/>
+          <p:cNvSpPr txBox="1"/>
+          <p:nvPr/>
+        </p:nvSpPr>
+        <p:spPr>
+          <a:xfrm>
+            <a:off x="9253946" y="5660651"/>
+            <a:ext cx="2835007" cy="369332"/>
+          </a:xfrm>
+          <a:prstGeom prst="rect">
+            <a:avLst/>
+          </a:prstGeom>
+          <a:noFill/>
+        </p:spPr>
+        <p:txBody>
+          <a:bodyPr wrap="none" rtlCol="0">
+            <a:spAutoFit/>
+          </a:bodyPr>
+          <a:lstStyle/>
+          <a:p>
+            <a:r>
+              <a:rPr lang="en-GB" dirty="0">
+                <a:latin typeface="Arial" pitchFamily="-112" charset="0"/>
+                <a:ea typeface="ＭＳ Ｐゴシック" pitchFamily="-112" charset="-128"/>
+                <a:cs typeface="ＭＳ Ｐゴシック" pitchFamily="-112" charset="-128"/>
+              </a:rPr>
+              <a:t>[dePoel&amp;Royakkers2011] </a:t>
+            </a:r>
+            <a:endParaRPr lang="en-US" dirty="0"/>
+          </a:p>
+        </p:txBody>
+      </p:sp>
+    </p:spTree>
+    <p:extLst>
+      <p:ext uri="{BB962C8B-B14F-4D97-AF65-F5344CB8AC3E}">
+        <p14:creationId xmlns:p14="http://schemas.microsoft.com/office/powerpoint/2010/main" val="1396273850"/>
+      </p:ext>
+    </p:extLst>
+  </p:cSld>
+  <p:clrMapOvr>
+    <a:masterClrMapping/>
+  </p:clrMapOvr>
+</p:sld>
+</file>
+
+<file path=ppt/slides/slide8.xml><?xml version="1.0" encoding="utf-8"?>
+<p:sld xmlns:a="http://schemas.openxmlformats.org/drawingml/2006/main" xmlns:r="http://schemas.openxmlformats.org/officeDocument/2006/relationships" xmlns:p="http://schemas.openxmlformats.org/presentationml/2006/main">
+  <p:cSld>
+    <p:spTree>
+      <p:nvGrpSpPr>
+        <p:cNvPr id="1" name=""/>
+        <p:cNvGrpSpPr/>
+        <p:nvPr/>
+      </p:nvGrpSpPr>
+      <p:grpSpPr>
+        <a:xfrm>
+          <a:off x="0" y="0"/>
+          <a:ext cx="0" cy="0"/>
+          <a:chOff x="0" y="0"/>
+          <a:chExt cx="0" cy="0"/>
+        </a:xfrm>
+      </p:grpSpPr>
+      <p:sp>
+        <p:nvSpPr>
+          <p:cNvPr id="32772" name="Rectangle 2"/>
+          <p:cNvSpPr>
+            <a:spLocks noGrp="1" noChangeArrowheads="1"/>
+          </p:cNvSpPr>
+          <p:nvPr>
+            <p:ph type="title"/>
+          </p:nvPr>
+        </p:nvSpPr>
+        <p:spPr>
+          <a:xfrm>
+            <a:off x="297873" y="0"/>
+            <a:ext cx="9795163" cy="699404"/>
+          </a:xfrm>
+        </p:spPr>
+        <p:txBody>
+          <a:bodyPr/>
+          <a:lstStyle/>
+          <a:p>
+            <a:pPr eaLnBrk="1" hangingPunct="1"/>
+            <a:r>
+              <a:rPr lang="en-US" sz="3600" b="1" dirty="0">
+                <a:ea typeface="ＭＳ Ｐゴシック" pitchFamily="-106" charset="-128"/>
+                <a:cs typeface="ＭＳ Ｐゴシック" pitchFamily="-106" charset="-128"/>
+              </a:rPr>
+              <a:t>Moral Responsibility vs. Liability </a:t>
+            </a:r>
+            <a:endParaRPr lang="de-DE" sz="3600" b="1" dirty="0">
+              <a:ea typeface="ＭＳ Ｐゴシック" pitchFamily="-106" charset="-128"/>
+              <a:cs typeface="ＭＳ Ｐゴシック" pitchFamily="-106" charset="-128"/>
+            </a:endParaRPr>
+          </a:p>
+        </p:txBody>
+      </p:sp>
+      <p:sp>
+        <p:nvSpPr>
+          <p:cNvPr id="5" name="Slide Number Placeholder 4"/>
+          <p:cNvSpPr>
+            <a:spLocks noGrp="1"/>
+          </p:cNvSpPr>
+          <p:nvPr>
+            <p:ph type="sldNum" sz="quarter" idx="12"/>
+          </p:nvPr>
+        </p:nvSpPr>
+        <p:spPr/>
+        <p:txBody>
+          <a:bodyPr/>
+          <a:lstStyle/>
+          <a:p>
+            <a:pPr>
+              <a:defRPr/>
+            </a:pPr>
+            <a:fld id="{0DF685E1-000B-FF46-B3AC-A509A8EDE44A}" type="slidenum">
+              <a:rPr lang="de-DE" smtClean="0"/>
+              <a:pPr>
+                <a:defRPr/>
+              </a:pPr>
+              <a:t>8</a:t>
             </a:fld>
             <a:endParaRPr lang="de-DE"/>
           </a:p>
@@ -19522,186 +19956,6 @@
 </p:sld>
 </file>
 
-<file path=ppt/slides/slide8.xml><?xml version="1.0" encoding="utf-8"?>
-<p:sld xmlns:a="http://schemas.openxmlformats.org/drawingml/2006/main" xmlns:r="http://schemas.openxmlformats.org/officeDocument/2006/relationships" xmlns:p="http://schemas.openxmlformats.org/presentationml/2006/main">
-  <p:cSld>
-    <p:spTree>
-      <p:nvGrpSpPr>
-        <p:cNvPr id="1" name=""/>
-        <p:cNvGrpSpPr/>
-        <p:nvPr/>
-      </p:nvGrpSpPr>
-      <p:grpSpPr>
-        <a:xfrm>
-          <a:off x="0" y="0"/>
-          <a:ext cx="0" cy="0"/>
-          <a:chOff x="0" y="0"/>
-          <a:chExt cx="0" cy="0"/>
-        </a:xfrm>
-      </p:grpSpPr>
-      <p:sp>
-        <p:nvSpPr>
-          <p:cNvPr id="2" name="Title 1">
-            <a:extLst>
-              <a:ext uri="{FF2B5EF4-FFF2-40B4-BE49-F238E27FC236}">
-                <a16:creationId xmlns:a16="http://schemas.microsoft.com/office/drawing/2014/main" id="{81379292-F2A2-45CC-9607-C624B7AA2DAA}"/>
-              </a:ext>
-            </a:extLst>
-          </p:cNvPr>
-          <p:cNvSpPr>
-            <a:spLocks noGrp="1"/>
-          </p:cNvSpPr>
-          <p:nvPr>
-            <p:ph type="title"/>
-          </p:nvPr>
-        </p:nvSpPr>
-        <p:spPr>
-          <a:xfrm>
-            <a:off x="478369" y="144001"/>
-            <a:ext cx="9169401" cy="687272"/>
-          </a:xfrm>
-        </p:spPr>
-        <p:txBody>
-          <a:bodyPr/>
-          <a:lstStyle/>
-          <a:p>
-            <a:r>
-              <a:rPr lang="en-US" sz="3600" b="1" dirty="0">
-                <a:ea typeface="ＭＳ Ｐゴシック" pitchFamily="-106" charset="-128"/>
-              </a:rPr>
-              <a:t>Regulation</a:t>
-            </a:r>
-          </a:p>
-        </p:txBody>
-      </p:sp>
-      <p:sp>
-        <p:nvSpPr>
-          <p:cNvPr id="4" name="Rectangle 3">
-            <a:extLst>
-              <a:ext uri="{FF2B5EF4-FFF2-40B4-BE49-F238E27FC236}">
-                <a16:creationId xmlns:a16="http://schemas.microsoft.com/office/drawing/2014/main" id="{A7361A73-36AE-4AD6-8744-8AC8BD37121F}"/>
-              </a:ext>
-            </a:extLst>
-          </p:cNvPr>
-          <p:cNvSpPr>
-            <a:spLocks noGrp="1" noChangeArrowheads="1"/>
-          </p:cNvSpPr>
-          <p:nvPr>
-            <p:ph idx="1"/>
-          </p:nvPr>
-        </p:nvSpPr>
-        <p:spPr>
-          <a:xfrm>
-            <a:off x="477838" y="1212850"/>
-            <a:ext cx="11474450" cy="2141538"/>
-          </a:xfrm>
-        </p:spPr>
-        <p:txBody>
-          <a:bodyPr>
-            <a:normAutofit/>
-          </a:bodyPr>
-          <a:lstStyle/>
-          <a:p>
-            <a:pPr marL="0" indent="0">
-              <a:buClr>
-                <a:schemeClr val="accent1"/>
-              </a:buClr>
-              <a:buSzPct val="80000"/>
-            </a:pPr>
-            <a:r>
-              <a:rPr lang="en-US" dirty="0">
-                <a:ea typeface="ＭＳ Ｐゴシック" pitchFamily="-106" charset="-128"/>
-                <a:cs typeface="ＭＳ Ｐゴシック" pitchFamily="-106" charset="-128"/>
-              </a:rPr>
-              <a:t>Other tools to deal with social consequences of technology:</a:t>
-            </a:r>
-          </a:p>
-          <a:p>
-            <a:pPr eaLnBrk="1" hangingPunct="1">
-              <a:buClr>
-                <a:schemeClr val="accent1"/>
-              </a:buClr>
-              <a:buSzPct val="80000"/>
-              <a:buFont typeface=".AppleSDGothicNeoI-Regular" charset="-127"/>
-              <a:buChar char="◼︎"/>
-            </a:pPr>
-            <a:r>
-              <a:rPr lang="en-US" b="1" dirty="0">
-                <a:solidFill>
-                  <a:schemeClr val="accent1"/>
-                </a:solidFill>
-                <a:ea typeface="ＭＳ Ｐゴシック" pitchFamily="-106" charset="-128"/>
-                <a:cs typeface="ＭＳ Ｐゴシック" pitchFamily="-106" charset="-128"/>
-              </a:rPr>
-              <a:t>Regulation</a:t>
-            </a:r>
-            <a:r>
-              <a:rPr lang="en-US" dirty="0">
-                <a:ea typeface="ＭＳ Ｐゴシック" pitchFamily="-106" charset="-128"/>
-                <a:cs typeface="ＭＳ Ｐゴシック" pitchFamily="-106" charset="-128"/>
-              </a:rPr>
-              <a:t>: A legal tool that can forbid the development, production, or use of certain technological products, but more often it formulates a set of the boundary conditions for the design, production, and use of technologies.</a:t>
-            </a:r>
-            <a:endParaRPr lang="de-DE" dirty="0">
-              <a:ea typeface="ＭＳ Ｐゴシック" pitchFamily="-106" charset="-128"/>
-              <a:cs typeface="ＭＳ Ｐゴシック" pitchFamily="-106" charset="-128"/>
-            </a:endParaRPr>
-          </a:p>
-        </p:txBody>
-      </p:sp>
-      <p:sp>
-        <p:nvSpPr>
-          <p:cNvPr id="5" name="TextBox 4">
-            <a:extLst>
-              <a:ext uri="{FF2B5EF4-FFF2-40B4-BE49-F238E27FC236}">
-                <a16:creationId xmlns:a16="http://schemas.microsoft.com/office/drawing/2014/main" id="{57684BA0-AC16-4986-A570-53F5BA5A941C}"/>
-              </a:ext>
-            </a:extLst>
-          </p:cNvPr>
-          <p:cNvSpPr txBox="1"/>
-          <p:nvPr/>
-        </p:nvSpPr>
-        <p:spPr>
-          <a:xfrm>
-            <a:off x="9253946" y="5660651"/>
-            <a:ext cx="2835007" cy="369332"/>
-          </a:xfrm>
-          <a:prstGeom prst="rect">
-            <a:avLst/>
-          </a:prstGeom>
-          <a:noFill/>
-        </p:spPr>
-        <p:txBody>
-          <a:bodyPr wrap="none" rtlCol="0">
-            <a:spAutoFit/>
-          </a:bodyPr>
-          <a:lstStyle/>
-          <a:p>
-            <a:r>
-              <a:rPr lang="en-GB" dirty="0">
-                <a:latin typeface="Arial" pitchFamily="-112" charset="0"/>
-                <a:ea typeface="ＭＳ Ｐゴシック" pitchFamily="-112" charset="-128"/>
-                <a:cs typeface="ＭＳ Ｐゴシック" pitchFamily="-112" charset="-128"/>
-              </a:rPr>
-              <a:t>[dePoel&amp;Royakkers2011] </a:t>
-            </a:r>
-            <a:endParaRPr lang="en-US" dirty="0"/>
-          </a:p>
-        </p:txBody>
-      </p:sp>
-    </p:spTree>
-    <p:extLst>
-      <p:ext uri="{BB962C8B-B14F-4D97-AF65-F5344CB8AC3E}">
-        <p14:creationId xmlns:p14="http://schemas.microsoft.com/office/powerpoint/2010/main" val="4248163623"/>
-      </p:ext>
-    </p:extLst>
-  </p:cSld>
-  <p:clrMapOvr>
-    <a:masterClrMapping/>
-  </p:clrMapOvr>
-</p:sld>
-</file>
-
 <file path=ppt/slides/slide9.xml><?xml version="1.0" encoding="utf-8"?>
 <p:sld xmlns:a="http://schemas.openxmlformats.org/drawingml/2006/main" xmlns:r="http://schemas.openxmlformats.org/officeDocument/2006/relationships" xmlns:p="http://schemas.openxmlformats.org/presentationml/2006/main">
   <p:cSld>
@@ -19721,9 +19975,15 @@
       </p:grpSpPr>
       <p:sp>
         <p:nvSpPr>
-          <p:cNvPr id="32772" name="Rectangle 2"/>
-          <p:cNvSpPr>
-            <a:spLocks noGrp="1" noChangeArrowheads="1"/>
+          <p:cNvPr id="2" name="Title 1">
+            <a:extLst>
+              <a:ext uri="{FF2B5EF4-FFF2-40B4-BE49-F238E27FC236}">
+                <a16:creationId xmlns:a16="http://schemas.microsoft.com/office/drawing/2014/main" id="{81379292-F2A2-45CC-9607-C624B7AA2DAA}"/>
+              </a:ext>
+            </a:extLst>
+          </p:cNvPr>
+          <p:cNvSpPr>
+            <a:spLocks noGrp="1"/>
           </p:cNvSpPr>
           <p:nvPr>
             <p:ph type="title"/>
@@ -19731,32 +19991,32 @@
         </p:nvSpPr>
         <p:spPr>
           <a:xfrm>
-            <a:off x="263236" y="0"/>
-            <a:ext cx="9621982" cy="699404"/>
+            <a:off x="478369" y="144001"/>
+            <a:ext cx="9169401" cy="687272"/>
           </a:xfrm>
         </p:spPr>
         <p:txBody>
           <a:bodyPr/>
           <a:lstStyle/>
           <a:p>
-            <a:pPr eaLnBrk="1" hangingPunct="1"/>
             <a:r>
               <a:rPr lang="en-US" sz="3600" b="1" dirty="0">
                 <a:ea typeface="ＭＳ Ｐゴシック" pitchFamily="-106" charset="-128"/>
-                <a:cs typeface="ＭＳ Ｐゴシック" pitchFamily="-106" charset="-128"/>
-              </a:rPr>
-              <a:t>Negligence vs. Strict Liability</a:t>
-            </a:r>
-            <a:endParaRPr lang="de-DE" sz="3600" b="1" dirty="0">
-              <a:ea typeface="ＭＳ Ｐゴシック" pitchFamily="-106" charset="-128"/>
-              <a:cs typeface="ＭＳ Ｐゴシック" pitchFamily="-106" charset="-128"/>
-            </a:endParaRPr>
-          </a:p>
-        </p:txBody>
-      </p:sp>
-      <p:sp>
-        <p:nvSpPr>
-          <p:cNvPr id="32773" name="Rectangle 3"/>
+              </a:rPr>
+              <a:t>Regulation</a:t>
+            </a:r>
+          </a:p>
+        </p:txBody>
+      </p:sp>
+      <p:sp>
+        <p:nvSpPr>
+          <p:cNvPr id="4" name="Rectangle 3">
+            <a:extLst>
+              <a:ext uri="{FF2B5EF4-FFF2-40B4-BE49-F238E27FC236}">
+                <a16:creationId xmlns:a16="http://schemas.microsoft.com/office/drawing/2014/main" id="{A7361A73-36AE-4AD6-8744-8AC8BD37121F}"/>
+              </a:ext>
+            </a:extLst>
+          </p:cNvPr>
           <p:cNvSpPr>
             <a:spLocks noGrp="1" noChangeArrowheads="1"/>
           </p:cNvSpPr>
@@ -19766,13 +20026,30 @@
         </p:nvSpPr>
         <p:spPr>
           <a:xfrm>
-            <a:off x="478369" y="1213308"/>
-            <a:ext cx="11473384" cy="4839723"/>
+            <a:off x="477838" y="1212850"/>
+            <a:ext cx="11474450" cy="2141538"/>
           </a:xfrm>
         </p:spPr>
         <p:txBody>
-          <a:bodyPr/>
-          <a:lstStyle/>
+          <a:bodyPr>
+            <a:normAutofit/>
+          </a:bodyPr>
+          <a:lstStyle/>
+          <a:p>
+            <a:pPr marL="0" indent="0">
+              <a:buClr>
+                <a:schemeClr val="accent1"/>
+              </a:buClr>
+              <a:buSzPct val="80000"/>
+            </a:pPr>
+            <a:r>
+              <a:rPr lang="en-US" dirty="0">
+                <a:ea typeface="ＭＳ Ｐゴシック" pitchFamily="-106" charset="-128"/>
+                <a:cs typeface="ＭＳ Ｐゴシック" pitchFamily="-106" charset="-128"/>
+              </a:rPr>
+              <a:t>Other tools to deal with social consequences of technology:</a:t>
+            </a:r>
+          </a:p>
           <a:p>
             <a:pPr eaLnBrk="1" hangingPunct="1">
               <a:buClr>
@@ -19783,190 +20060,44 @@
               <a:buChar char="◼︎"/>
             </a:pPr>
             <a:r>
-              <a:rPr lang="en-US" sz="2000" b="1" dirty="0">
+              <a:rPr lang="en-US" b="1" dirty="0">
                 <a:solidFill>
                   <a:schemeClr val="accent1"/>
                 </a:solidFill>
                 <a:ea typeface="ＭＳ Ｐゴシック" pitchFamily="-106" charset="-128"/>
                 <a:cs typeface="ＭＳ Ｐゴシック" pitchFamily="-106" charset="-128"/>
               </a:rPr>
-              <a:t>Negligence</a:t>
-            </a:r>
-            <a:r>
-              <a:rPr lang="en-US" sz="2000" dirty="0">
+              <a:t>Regulation</a:t>
+            </a:r>
+            <a:r>
+              <a:rPr lang="en-US" dirty="0">
                 <a:ea typeface="ＭＳ Ｐゴシック" pitchFamily="-106" charset="-128"/>
                 <a:cs typeface="ＭＳ Ｐゴシック" pitchFamily="-106" charset="-128"/>
               </a:rPr>
-              <a:t>: Not living by certain duties. Negligence is often a main condition for legal liability. In order to show negligence for the law, usually proof must be given of a duty owed, a breach of that duty, an injury or damage, a causal connection between the breach and the injury or damage.</a:t>
-            </a:r>
-          </a:p>
-          <a:p>
-            <a:pPr eaLnBrk="1" hangingPunct="1">
-              <a:buClr>
-                <a:schemeClr val="accent1"/>
-              </a:buClr>
-              <a:buSzPct val="80000"/>
-              <a:buFont typeface=".AppleSDGothicNeoI-Regular" charset="-127"/>
-              <a:buChar char="◼︎"/>
-            </a:pPr>
-            <a:endParaRPr lang="en-US" sz="2000" dirty="0">
+              <a:t>: A legal tool that can forbid the development, production, or use of certain technological products, but more often it formulates a set of the boundary conditions for the design, production, and use of technologies.</a:t>
+            </a:r>
+            <a:endParaRPr lang="de-DE" dirty="0">
               <a:ea typeface="ＭＳ Ｐゴシック" pitchFamily="-106" charset="-128"/>
               <a:cs typeface="ＭＳ Ｐゴシック" pitchFamily="-106" charset="-128"/>
             </a:endParaRPr>
           </a:p>
-          <a:p>
-            <a:pPr eaLnBrk="1" hangingPunct="1">
-              <a:buClr>
-                <a:schemeClr val="accent1"/>
-              </a:buClr>
-              <a:buSzPct val="80000"/>
-              <a:buFont typeface=".AppleSDGothicNeoI-Regular" charset="-127"/>
-              <a:buChar char="◼︎"/>
-            </a:pPr>
-            <a:r>
-              <a:rPr lang="en-US" sz="2000" b="1" dirty="0">
-                <a:solidFill>
-                  <a:schemeClr val="accent1"/>
-                </a:solidFill>
-                <a:ea typeface="ＭＳ Ｐゴシック" pitchFamily="-106" charset="-128"/>
-                <a:cs typeface="ＭＳ Ｐゴシック" pitchFamily="-106" charset="-128"/>
-              </a:rPr>
-              <a:t>Duty of Care</a:t>
-            </a:r>
-            <a:r>
-              <a:rPr lang="en-US" sz="2000" dirty="0">
-                <a:ea typeface="ＭＳ Ｐゴシック" pitchFamily="-106" charset="-128"/>
-                <a:cs typeface="ＭＳ Ｐゴシック" pitchFamily="-106" charset="-128"/>
-              </a:rPr>
-              <a:t>: The legal obligation to adhere to a reasonable standard of care when performing any acts that could foreseeably harm others.</a:t>
-            </a:r>
-          </a:p>
-          <a:p>
-            <a:pPr eaLnBrk="1" hangingPunct="1">
-              <a:buClr>
-                <a:schemeClr val="accent1"/>
-              </a:buClr>
-              <a:buSzPct val="80000"/>
-              <a:buFont typeface=".AppleSDGothicNeoI-Regular" charset="-127"/>
-              <a:buChar char="◼︎"/>
-            </a:pPr>
-            <a:endParaRPr lang="en-US" sz="2000" b="1" dirty="0">
-              <a:solidFill>
-                <a:schemeClr val="accent1"/>
-              </a:solidFill>
-              <a:ea typeface="ＭＳ Ｐゴシック" pitchFamily="-106" charset="-128"/>
-              <a:cs typeface="ＭＳ Ｐゴシック" pitchFamily="-106" charset="-128"/>
-            </a:endParaRPr>
-          </a:p>
-          <a:p>
-            <a:pPr eaLnBrk="1" hangingPunct="1">
-              <a:buClr>
-                <a:schemeClr val="accent1"/>
-              </a:buClr>
-              <a:buSzPct val="80000"/>
-              <a:buFont typeface=".AppleSDGothicNeoI-Regular" charset="-127"/>
-              <a:buChar char="◼︎"/>
-            </a:pPr>
-            <a:r>
-              <a:rPr lang="en-US" sz="2000" b="1" dirty="0">
-                <a:solidFill>
-                  <a:schemeClr val="accent1"/>
-                </a:solidFill>
-                <a:ea typeface="ＭＳ Ｐゴシック" pitchFamily="-106" charset="-128"/>
-                <a:cs typeface="ＭＳ Ｐゴシック" pitchFamily="-106" charset="-128"/>
-              </a:rPr>
-              <a:t>Strict Liability</a:t>
-            </a:r>
-            <a:r>
-              <a:rPr lang="en-US" sz="2000" dirty="0">
-                <a:ea typeface="ＭＳ Ｐゴシック" pitchFamily="-106" charset="-128"/>
-                <a:cs typeface="ＭＳ Ｐゴシック" pitchFamily="-106" charset="-128"/>
-              </a:rPr>
-              <a:t>: A form of liability that does not require the defendant to be negligent.</a:t>
-            </a:r>
-          </a:p>
-          <a:p>
-            <a:pPr eaLnBrk="1" hangingPunct="1">
-              <a:buClr>
-                <a:schemeClr val="accent1"/>
-              </a:buClr>
-              <a:buSzPct val="80000"/>
-              <a:buFont typeface=".AppleSDGothicNeoI-Regular" charset="-127"/>
-              <a:buChar char="◼︎"/>
-            </a:pPr>
-            <a:endParaRPr lang="en-US" sz="2000" dirty="0">
-              <a:ea typeface="ＭＳ Ｐゴシック" pitchFamily="-106" charset="-128"/>
-              <a:cs typeface="ＭＳ Ｐゴシック" pitchFamily="-106" charset="-128"/>
-            </a:endParaRPr>
-          </a:p>
-          <a:p>
-            <a:pPr eaLnBrk="1" hangingPunct="1">
-              <a:buClr>
-                <a:schemeClr val="accent1"/>
-              </a:buClr>
-              <a:buSzPct val="80000"/>
-              <a:buFont typeface=".AppleSDGothicNeoI-Regular" charset="-127"/>
-              <a:buChar char="◼︎"/>
-            </a:pPr>
-            <a:endParaRPr lang="en-US" sz="2000" dirty="0">
-              <a:ea typeface="ＭＳ Ｐゴシック" pitchFamily="-106" charset="-128"/>
-              <a:cs typeface="ＭＳ Ｐゴシック" pitchFamily="-106" charset="-128"/>
-            </a:endParaRPr>
-          </a:p>
-          <a:p>
-            <a:pPr eaLnBrk="1" hangingPunct="1">
-              <a:buClr>
-                <a:schemeClr val="accent1"/>
-              </a:buClr>
-              <a:buSzPct val="80000"/>
-              <a:buFont typeface=".AppleSDGothicNeoI-Regular" charset="-127"/>
-              <a:buChar char="◼︎"/>
-            </a:pPr>
-            <a:endParaRPr lang="en-US" sz="2000" dirty="0">
-              <a:ea typeface="ＭＳ Ｐゴシック" pitchFamily="-106" charset="-128"/>
-              <a:cs typeface="ＭＳ Ｐゴシック" pitchFamily="-106" charset="-128"/>
-            </a:endParaRPr>
-          </a:p>
-        </p:txBody>
-      </p:sp>
-      <p:sp>
-        <p:nvSpPr>
-          <p:cNvPr id="5" name="Slide Number Placeholder 4"/>
-          <p:cNvSpPr>
-            <a:spLocks noGrp="1"/>
-          </p:cNvSpPr>
-          <p:nvPr>
-            <p:ph type="sldNum" sz="quarter" idx="12"/>
-          </p:nvPr>
-        </p:nvSpPr>
-        <p:spPr/>
-        <p:txBody>
-          <a:bodyPr/>
-          <a:lstStyle/>
-          <a:p>
-            <a:pPr>
-              <a:defRPr/>
-            </a:pPr>
-            <a:fld id="{0DF685E1-000B-FF46-B3AC-A509A8EDE44A}" type="slidenum">
-              <a:rPr lang="de-DE" smtClean="0"/>
-              <a:pPr>
-                <a:defRPr/>
-              </a:pPr>
-              <a:t>9</a:t>
-            </a:fld>
-            <a:endParaRPr lang="de-DE"/>
-          </a:p>
-        </p:txBody>
-      </p:sp>
-      <p:sp>
-        <p:nvSpPr>
-          <p:cNvPr id="2" name="TextBox 1"/>
+        </p:txBody>
+      </p:sp>
+      <p:sp>
+        <p:nvSpPr>
+          <p:cNvPr id="5" name="TextBox 4">
+            <a:extLst>
+              <a:ext uri="{FF2B5EF4-FFF2-40B4-BE49-F238E27FC236}">
+                <a16:creationId xmlns:a16="http://schemas.microsoft.com/office/drawing/2014/main" id="{57684BA0-AC16-4986-A570-53F5BA5A941C}"/>
+              </a:ext>
+            </a:extLst>
+          </p:cNvPr>
           <p:cNvSpPr txBox="1"/>
           <p:nvPr/>
         </p:nvSpPr>
         <p:spPr>
           <a:xfrm>
-            <a:off x="9201181" y="5900586"/>
+            <a:off x="9253946" y="5660651"/>
             <a:ext cx="2835007" cy="369332"/>
           </a:xfrm>
           <a:prstGeom prst="rect">
@@ -19995,7 +20126,7 @@
     </p:spTree>
     <p:extLst>
       <p:ext uri="{BB962C8B-B14F-4D97-AF65-F5344CB8AC3E}">
-        <p14:creationId xmlns:p14="http://schemas.microsoft.com/office/powerpoint/2010/main" val="346527477"/>
+        <p14:creationId xmlns:p14="http://schemas.microsoft.com/office/powerpoint/2010/main" val="4248163623"/>
       </p:ext>
     </p:extLst>
   </p:cSld>
